--- a/Terraform Tech Talk.pptx
+++ b/Terraform Tech Talk.pptx
@@ -5,7 +5,7 @@
     <p:sldMasterId id="2147483648" r:id="rId4"/>
   </p:sldMasterIdLst>
   <p:notesMasterIdLst>
-    <p:notesMasterId r:id="rId14"/>
+    <p:notesMasterId r:id="rId15"/>
   </p:notesMasterIdLst>
   <p:sldIdLst>
     <p:sldId id="256" r:id="rId5"/>
@@ -16,7 +16,8 @@
     <p:sldId id="262" r:id="rId10"/>
     <p:sldId id="263" r:id="rId11"/>
     <p:sldId id="264" r:id="rId12"/>
-    <p:sldId id="260" r:id="rId13"/>
+    <p:sldId id="265" r:id="rId13"/>
+    <p:sldId id="260" r:id="rId14"/>
   </p:sldIdLst>
   <p:sldSz cx="12192000" cy="6858000"/>
   <p:notesSz cx="6858000" cy="9144000"/>
@@ -1252,6 +1253,202 @@
     <p:extLst>
       <p:ext uri="{BB962C8B-B14F-4D97-AF65-F5344CB8AC3E}">
         <p14:creationId xmlns:p14="http://schemas.microsoft.com/office/powerpoint/2010/main" val="356581316"/>
+      </p:ext>
+    </p:extLst>
+  </p:cSld>
+  <p:clrMapOvr>
+    <a:masterClrMapping/>
+  </p:clrMapOvr>
+</p:notes>
+</file>
+
+<file path=ppt/notesSlides/notesSlide8.xml><?xml version="1.0" encoding="utf-8"?>
+<p:notes xmlns:a="http://schemas.openxmlformats.org/drawingml/2006/main" xmlns:r="http://schemas.openxmlformats.org/officeDocument/2006/relationships" xmlns:p="http://schemas.openxmlformats.org/presentationml/2006/main">
+  <p:cSld>
+    <p:spTree>
+      <p:nvGrpSpPr>
+        <p:cNvPr id="1" name=""/>
+        <p:cNvGrpSpPr/>
+        <p:nvPr/>
+      </p:nvGrpSpPr>
+      <p:grpSpPr>
+        <a:xfrm>
+          <a:off x="0" y="0"/>
+          <a:ext cx="0" cy="0"/>
+          <a:chOff x="0" y="0"/>
+          <a:chExt cx="0" cy="0"/>
+        </a:xfrm>
+      </p:grpSpPr>
+      <p:sp>
+        <p:nvSpPr>
+          <p:cNvPr id="2" name="Slide Image Placeholder 1"/>
+          <p:cNvSpPr>
+            <a:spLocks noGrp="1" noRot="1" noChangeAspect="1"/>
+          </p:cNvSpPr>
+          <p:nvPr>
+            <p:ph type="sldImg"/>
+          </p:nvPr>
+        </p:nvSpPr>
+        <p:spPr/>
+      </p:sp>
+      <p:sp>
+        <p:nvSpPr>
+          <p:cNvPr id="3" name="Notes Placeholder 2"/>
+          <p:cNvSpPr>
+            <a:spLocks noGrp="1"/>
+          </p:cNvSpPr>
+          <p:nvPr>
+            <p:ph type="body" idx="1"/>
+          </p:nvPr>
+        </p:nvSpPr>
+        <p:spPr/>
+        <p:txBody>
+          <a:bodyPr/>
+          <a:lstStyle/>
+          <a:p>
+            <a:r>
+              <a:rPr lang="en-US" dirty="0"/>
+              <a:t>Show:</a:t>
+            </a:r>
+          </a:p>
+          <a:p>
+            <a:endParaRPr lang="en-US" dirty="0"/>
+          </a:p>
+          <a:p>
+            <a:r>
+              <a:rPr lang="en-US" dirty="0"/>
+              <a:t>GitHub provider – Explain how it authenticates using the env variable GITHUB_TOKEN from GitHub Actions</a:t>
+            </a:r>
+          </a:p>
+          <a:p>
+            <a:r>
+              <a:rPr lang="en-US" dirty="0" err="1"/>
+              <a:t>Github_repositories</a:t>
+            </a:r>
+            <a:r>
+              <a:rPr lang="en-US" dirty="0"/>
+              <a:t> data resource – Show how I’m pulling all repo names and sending it to an output. </a:t>
+            </a:r>
+          </a:p>
+          <a:p>
+            <a:endParaRPr lang="en-US" dirty="0"/>
+          </a:p>
+          <a:p>
+            <a:r>
+              <a:rPr lang="en-US" dirty="0"/>
+              <a:t>Azure Container App Env</a:t>
+            </a:r>
+          </a:p>
+          <a:p>
+            <a:r>
+              <a:rPr lang="en-US" dirty="0"/>
+              <a:t>Standard resources – </a:t>
+            </a:r>
+            <a:r>
+              <a:rPr lang="en-US" dirty="0" err="1"/>
+              <a:t>rg</a:t>
+            </a:r>
+            <a:r>
+              <a:rPr lang="en-US" dirty="0"/>
+              <a:t>, log analytics workspace, and a single app env.</a:t>
+            </a:r>
+          </a:p>
+          <a:p>
+            <a:endParaRPr lang="en-US" dirty="0"/>
+          </a:p>
+          <a:p>
+            <a:r>
+              <a:rPr lang="en-US" dirty="0"/>
+              <a:t>Local that drops the owner portion, and truncates to the first 15 characters of the repo name. This way I can use these values in container names.</a:t>
+            </a:r>
+          </a:p>
+          <a:p>
+            <a:endParaRPr lang="en-US" dirty="0"/>
+          </a:p>
+          <a:p>
+            <a:r>
+              <a:rPr lang="en-US" dirty="0"/>
+              <a:t>Container app</a:t>
+            </a:r>
+          </a:p>
+          <a:p>
+            <a:r>
+              <a:rPr lang="en-US" dirty="0" err="1"/>
+              <a:t>For_each</a:t>
+            </a:r>
+            <a:r>
+              <a:rPr lang="en-US" dirty="0"/>
+              <a:t> meta argument https://developer.hashicorp.com/terraform/language/meta-arguments/for_each</a:t>
+            </a:r>
+          </a:p>
+          <a:p>
+            <a:r>
+              <a:rPr lang="en-US" dirty="0"/>
+              <a:t>Passing </a:t>
+            </a:r>
+            <a:r>
+              <a:rPr lang="en-US" dirty="0" err="1"/>
+              <a:t>each.value</a:t>
+            </a:r>
+            <a:r>
+              <a:rPr lang="en-US" dirty="0"/>
+              <a:t> in to pass the name I want.</a:t>
+            </a:r>
+          </a:p>
+          <a:p>
+            <a:endParaRPr lang="en-US" dirty="0"/>
+          </a:p>
+          <a:p>
+            <a:r>
+              <a:rPr lang="en-US" dirty="0"/>
+              <a:t>Registry data resource - for referencing registry durably</a:t>
+            </a:r>
+          </a:p>
+          <a:p>
+            <a:r>
+              <a:rPr lang="en-US" dirty="0"/>
+              <a:t>User Assigned Identity – with role to pull from registry, and provide that access to container app.</a:t>
+            </a:r>
+          </a:p>
+          <a:p>
+            <a:endParaRPr lang="en-US" dirty="0"/>
+          </a:p>
+          <a:p>
+            <a:r>
+              <a:rPr lang="en-US"/>
+              <a:t>Backend State File in Azure</a:t>
+            </a:r>
+            <a:endParaRPr lang="en-US" dirty="0"/>
+          </a:p>
+        </p:txBody>
+      </p:sp>
+      <p:sp>
+        <p:nvSpPr>
+          <p:cNvPr id="4" name="Slide Number Placeholder 3"/>
+          <p:cNvSpPr>
+            <a:spLocks noGrp="1"/>
+          </p:cNvSpPr>
+          <p:nvPr>
+            <p:ph type="sldNum" sz="quarter" idx="5"/>
+          </p:nvPr>
+        </p:nvSpPr>
+        <p:spPr/>
+        <p:txBody>
+          <a:bodyPr/>
+          <a:lstStyle/>
+          <a:p>
+            <a:fld id="{4EF1CE88-3236-4603-9A1D-7023C7EEDCE5}" type="slidenum">
+              <a:rPr lang="en-US" smtClean="0"/>
+              <a:t>9</a:t>
+            </a:fld>
+            <a:endParaRPr lang="en-US"/>
+          </a:p>
+        </p:txBody>
+      </p:sp>
+    </p:spTree>
+    <p:extLst>
+      <p:ext uri="{BB962C8B-B14F-4D97-AF65-F5344CB8AC3E}">
+        <p14:creationId xmlns:p14="http://schemas.microsoft.com/office/powerpoint/2010/main" val="1660109404"/>
       </p:ext>
     </p:extLst>
   </p:cSld>
@@ -4541,6 +4738,107 @@
 </p:sld>
 </file>
 
+<file path=ppt/slides/slide10.xml><?xml version="1.0" encoding="utf-8"?>
+<p:sld xmlns:a="http://schemas.openxmlformats.org/drawingml/2006/main" xmlns:r="http://schemas.openxmlformats.org/officeDocument/2006/relationships" xmlns:p="http://schemas.openxmlformats.org/presentationml/2006/main">
+  <p:cSld>
+    <p:spTree>
+      <p:nvGrpSpPr>
+        <p:cNvPr id="1" name=""/>
+        <p:cNvGrpSpPr/>
+        <p:nvPr/>
+      </p:nvGrpSpPr>
+      <p:grpSpPr>
+        <a:xfrm>
+          <a:off x="0" y="0"/>
+          <a:ext cx="0" cy="0"/>
+          <a:chOff x="0" y="0"/>
+          <a:chExt cx="0" cy="0"/>
+        </a:xfrm>
+      </p:grpSpPr>
+      <p:sp>
+        <p:nvSpPr>
+          <p:cNvPr id="2" name="Title 1">
+            <a:extLst>
+              <a:ext uri="{FF2B5EF4-FFF2-40B4-BE49-F238E27FC236}">
+                <a16:creationId xmlns:a16="http://schemas.microsoft.com/office/drawing/2014/main" id="{392B1D54-9946-4DBC-5085-B92B17E41271}"/>
+              </a:ext>
+            </a:extLst>
+          </p:cNvPr>
+          <p:cNvSpPr>
+            <a:spLocks noGrp="1"/>
+          </p:cNvSpPr>
+          <p:nvPr>
+            <p:ph type="title"/>
+          </p:nvPr>
+        </p:nvSpPr>
+        <p:spPr/>
+        <p:txBody>
+          <a:bodyPr/>
+          <a:lstStyle/>
+          <a:p>
+            <a:r>
+              <a:rPr lang="en-US" dirty="0"/>
+              <a:t>Recommended Learning Resources</a:t>
+            </a:r>
+          </a:p>
+        </p:txBody>
+      </p:sp>
+      <p:sp>
+        <p:nvSpPr>
+          <p:cNvPr id="3" name="Content Placeholder 2">
+            <a:extLst>
+              <a:ext uri="{FF2B5EF4-FFF2-40B4-BE49-F238E27FC236}">
+                <a16:creationId xmlns:a16="http://schemas.microsoft.com/office/drawing/2014/main" id="{367B691A-E45D-72FF-349D-B56131AB6FED}"/>
+              </a:ext>
+            </a:extLst>
+          </p:cNvPr>
+          <p:cNvSpPr>
+            <a:spLocks noGrp="1"/>
+          </p:cNvSpPr>
+          <p:nvPr>
+            <p:ph idx="1"/>
+          </p:nvPr>
+        </p:nvSpPr>
+        <p:spPr/>
+        <p:txBody>
+          <a:bodyPr/>
+          <a:lstStyle/>
+          <a:p>
+            <a:r>
+              <a:rPr lang="en-US" dirty="0" err="1">
+                <a:hlinkClick r:id="rId2"/>
+              </a:rPr>
+              <a:t>HashiCorp</a:t>
+            </a:r>
+            <a:r>
+              <a:rPr lang="en-US" dirty="0">
+                <a:hlinkClick r:id="rId2"/>
+              </a:rPr>
+              <a:t> Terraform Azure Tutorial</a:t>
+            </a:r>
+            <a:endParaRPr lang="en-US" dirty="0"/>
+          </a:p>
+          <a:p>
+            <a:r>
+              <a:rPr lang="en-US" dirty="0"/>
+              <a:t>Infrastructure as Code – Rosemary Wong</a:t>
+            </a:r>
+          </a:p>
+        </p:txBody>
+      </p:sp>
+    </p:spTree>
+    <p:extLst>
+      <p:ext uri="{BB962C8B-B14F-4D97-AF65-F5344CB8AC3E}">
+        <p14:creationId xmlns:p14="http://schemas.microsoft.com/office/powerpoint/2010/main" val="3460545537"/>
+      </p:ext>
+    </p:extLst>
+  </p:cSld>
+  <p:clrMapOvr>
+    <a:masterClrMapping/>
+  </p:clrMapOvr>
+</p:sld>
+</file>
+
 <file path=ppt/slides/slide2.xml><?xml version="1.0" encoding="utf-8"?>
 <p:sld xmlns:a="http://schemas.openxmlformats.org/drawingml/2006/main" xmlns:r="http://schemas.openxmlformats.org/officeDocument/2006/relationships" xmlns:p="http://schemas.openxmlformats.org/presentationml/2006/main">
   <p:cSld>
@@ -5029,7 +5327,7 @@
           <a:p>
             <a:r>
               <a:rPr lang="en-US" dirty="0"/>
-              <a:t>Azure/ARM</a:t>
+              <a:t>ARM/Bicep</a:t>
             </a:r>
           </a:p>
         </p:txBody>
@@ -5194,16 +5492,11 @@
             <a:pPr lvl="1"/>
             <a:r>
               <a:rPr lang="en-US" dirty="0"/>
-              <a:t>Pin provider version</a:t>
-            </a:r>
-          </a:p>
-          <a:p>
-            <a:r>
-              <a:rPr lang="en-US" dirty="0"/>
-              <a:t>Variables and Locals</a:t>
-            </a:r>
-          </a:p>
-          <a:p>
+              <a:t>Pin provider version to protect against breaking changes</a:t>
+            </a:r>
+          </a:p>
+          <a:p>
+            <a:pPr lvl="1"/>
             <a:r>
               <a:rPr lang="en-US" dirty="0">
                 <a:hlinkClick r:id="rId4"/>
@@ -5211,6 +5504,32 @@
               <a:t>Navigating Provider Registry</a:t>
             </a:r>
             <a:endParaRPr lang="en-US" dirty="0"/>
+          </a:p>
+          <a:p>
+            <a:r>
+              <a:rPr lang="en-US" dirty="0"/>
+              <a:t>Modules</a:t>
+            </a:r>
+          </a:p>
+          <a:p>
+            <a:r>
+              <a:rPr lang="en-US" dirty="0"/>
+              <a:t>Variables and Locals</a:t>
+            </a:r>
+          </a:p>
+          <a:p>
+            <a:pPr lvl="1"/>
+            <a:r>
+              <a:rPr lang="en-US" dirty="0"/>
+              <a:t>Variables are known at the start</a:t>
+            </a:r>
+          </a:p>
+          <a:p>
+            <a:pPr lvl="1"/>
+            <a:r>
+              <a:rPr lang="en-US" dirty="0"/>
+              <a:t>Locals are computed at runtime</a:t>
+            </a:r>
           </a:p>
         </p:txBody>
       </p:sp>
@@ -5269,6 +5588,14 @@
               <a:rPr lang="en-US" dirty="0"/>
               <a:t>Design Patterns for Deployments</a:t>
             </a:r>
+            <a:br>
+              <a:rPr lang="en-US" dirty="0"/>
+            </a:br>
+            <a:r>
+              <a:rPr lang="en-US" sz="1800" dirty="0"/>
+              <a:t>Credit: Rosemary Wong</a:t>
+            </a:r>
+            <a:endParaRPr lang="en-US" dirty="0"/>
           </a:p>
         </p:txBody>
       </p:sp>
@@ -5915,10 +6242,10 @@
       </p:grpSpPr>
       <p:sp>
         <p:nvSpPr>
-          <p:cNvPr id="2" name="Title 1">
-            <a:extLst>
-              <a:ext uri="{FF2B5EF4-FFF2-40B4-BE49-F238E27FC236}">
-                <a16:creationId xmlns:a16="http://schemas.microsoft.com/office/drawing/2014/main" id="{392B1D54-9946-4DBC-5085-B92B17E41271}"/>
+          <p:cNvPr id="5" name="Title 4">
+            <a:extLst>
+              <a:ext uri="{FF2B5EF4-FFF2-40B4-BE49-F238E27FC236}">
+                <a16:creationId xmlns:a16="http://schemas.microsoft.com/office/drawing/2014/main" id="{7C44C2E4-F7AA-01BA-5C79-09222E75251B}"/>
               </a:ext>
             </a:extLst>
           </p:cNvPr>
@@ -5936,17 +6263,17 @@
           <a:p>
             <a:r>
               <a:rPr lang="en-US" dirty="0"/>
-              <a:t>Recommended Learning Resources</a:t>
-            </a:r>
-          </a:p>
-        </p:txBody>
-      </p:sp>
-      <p:sp>
-        <p:nvSpPr>
-          <p:cNvPr id="3" name="Content Placeholder 2">
-            <a:extLst>
-              <a:ext uri="{FF2B5EF4-FFF2-40B4-BE49-F238E27FC236}">
-                <a16:creationId xmlns:a16="http://schemas.microsoft.com/office/drawing/2014/main" id="{367B691A-E45D-72FF-349D-B56131AB6FED}"/>
+              <a:t>Demo</a:t>
+            </a:r>
+          </a:p>
+        </p:txBody>
+      </p:sp>
+      <p:sp>
+        <p:nvSpPr>
+          <p:cNvPr id="6" name="Text Placeholder 5">
+            <a:extLst>
+              <a:ext uri="{FF2B5EF4-FFF2-40B4-BE49-F238E27FC236}">
+                <a16:creationId xmlns:a16="http://schemas.microsoft.com/office/drawing/2014/main" id="{5B45E1DC-7274-4F95-80C0-324E64FCFB53}"/>
               </a:ext>
             </a:extLst>
           </p:cNvPr>
@@ -5963,25 +6290,22 @@
           <a:lstStyle/>
           <a:p>
             <a:r>
-              <a:rPr lang="en-US" dirty="0" err="1">
-                <a:hlinkClick r:id="rId2"/>
-              </a:rPr>
-              <a:t>HashiCorp</a:t>
-            </a:r>
-            <a:r>
-              <a:rPr lang="en-US" dirty="0">
-                <a:hlinkClick r:id="rId2"/>
-              </a:rPr>
-              <a:t> Terraform Azure Tutorial</a:t>
-            </a:r>
-            <a:endParaRPr lang="en-US" dirty="0"/>
+              <a:rPr lang="en-US" dirty="0"/>
+              <a:t>Problem: Running low on GitHub Action Minutes</a:t>
+            </a:r>
+          </a:p>
+          <a:p>
+            <a:r>
+              <a:rPr lang="en-US" dirty="0"/>
+              <a:t>Solution: For Each repo, create a self-hosted GitHub Runner using Azure Container Apps using consumption tier.</a:t>
+            </a:r>
           </a:p>
         </p:txBody>
       </p:sp>
     </p:spTree>
     <p:extLst>
       <p:ext uri="{BB962C8B-B14F-4D97-AF65-F5344CB8AC3E}">
-        <p14:creationId xmlns:p14="http://schemas.microsoft.com/office/powerpoint/2010/main" val="3460545537"/>
+        <p14:creationId xmlns:p14="http://schemas.microsoft.com/office/powerpoint/2010/main" val="2075481906"/>
       </p:ext>
     </p:extLst>
   </p:cSld>
@@ -6901,15 +7225,15 @@
 <file path=customXml/itemProps3.xml><?xml version="1.0" encoding="utf-8"?>
 <ds:datastoreItem xmlns:ds="http://schemas.openxmlformats.org/officeDocument/2006/customXml" ds:itemID="{30B43509-E86D-4D16-A4E1-C4E63AFAF3E6}">
   <ds:schemaRefs>
+    <ds:schemaRef ds:uri="http://www.w3.org/XML/1998/namespace"/>
+    <ds:schemaRef ds:uri="http://schemas.microsoft.com/office/2006/documentManagement/types"/>
+    <ds:schemaRef ds:uri="http://purl.org/dc/elements/1.1/"/>
+    <ds:schemaRef ds:uri="http://purl.org/dc/dcmitype/"/>
+    <ds:schemaRef ds:uri="http://schemas.microsoft.com/office/infopath/2007/PartnerControls"/>
+    <ds:schemaRef ds:uri="cb837b2a-165d-46ec-a28c-42811268f45d"/>
     <ds:schemaRef ds:uri="http://schemas.microsoft.com/office/2006/metadata/properties"/>
     <ds:schemaRef ds:uri="http://schemas.openxmlformats.org/package/2006/metadata/core-properties"/>
-    <ds:schemaRef ds:uri="http://purl.org/dc/elements/1.1/"/>
-    <ds:schemaRef ds:uri="http://schemas.microsoft.com/office/infopath/2007/PartnerControls"/>
-    <ds:schemaRef ds:uri="http://schemas.microsoft.com/office/2006/documentManagement/types"/>
-    <ds:schemaRef ds:uri="http://purl.org/dc/dcmitype/"/>
-    <ds:schemaRef ds:uri="http://www.w3.org/XML/1998/namespace"/>
     <ds:schemaRef ds:uri="a4569ba3-3b00-4ca7-aa12-73edb6a7195e"/>
-    <ds:schemaRef ds:uri="cb837b2a-165d-46ec-a28c-42811268f45d"/>
     <ds:schemaRef ds:uri="http://purl.org/dc/terms/"/>
   </ds:schemaRefs>
 </ds:datastoreItem>

--- a/Terraform Tech Talk.pptx
+++ b/Terraform Tech Talk.pptx
@@ -2,7 +2,7 @@
 <file path=ppt/presentation.xml><?xml version="1.0" encoding="utf-8"?>
 <p:presentation xmlns:a="http://schemas.openxmlformats.org/drawingml/2006/main" xmlns:r="http://schemas.openxmlformats.org/officeDocument/2006/relationships" xmlns:p="http://schemas.openxmlformats.org/presentationml/2006/main" saveSubsetFonts="1">
   <p:sldMasterIdLst>
-    <p:sldMasterId id="2147483648" r:id="rId4"/>
+    <p:sldMasterId id="2147483672" r:id="rId4"/>
   </p:sldMasterIdLst>
   <p:notesMasterIdLst>
     <p:notesMasterId r:id="rId15"/>
@@ -25,7 +25,7 @@
     <a:defPPr>
       <a:defRPr lang="en-US"/>
     </a:defPPr>
-    <a:lvl1pPr marL="0" algn="l" defTabSz="914400" rtl="0" eaLnBrk="1" latinLnBrk="0" hangingPunct="1">
+    <a:lvl1pPr marL="0" algn="l" defTabSz="457200" rtl="0" eaLnBrk="1" latinLnBrk="0" hangingPunct="1">
       <a:defRPr sz="1800" kern="1200">
         <a:solidFill>
           <a:schemeClr val="tx1"/>
@@ -35,7 +35,7 @@
         <a:cs typeface="+mn-cs"/>
       </a:defRPr>
     </a:lvl1pPr>
-    <a:lvl2pPr marL="457200" algn="l" defTabSz="914400" rtl="0" eaLnBrk="1" latinLnBrk="0" hangingPunct="1">
+    <a:lvl2pPr marL="457200" algn="l" defTabSz="457200" rtl="0" eaLnBrk="1" latinLnBrk="0" hangingPunct="1">
       <a:defRPr sz="1800" kern="1200">
         <a:solidFill>
           <a:schemeClr val="tx1"/>
@@ -45,7 +45,7 @@
         <a:cs typeface="+mn-cs"/>
       </a:defRPr>
     </a:lvl2pPr>
-    <a:lvl3pPr marL="914400" algn="l" defTabSz="914400" rtl="0" eaLnBrk="1" latinLnBrk="0" hangingPunct="1">
+    <a:lvl3pPr marL="914400" algn="l" defTabSz="457200" rtl="0" eaLnBrk="1" latinLnBrk="0" hangingPunct="1">
       <a:defRPr sz="1800" kern="1200">
         <a:solidFill>
           <a:schemeClr val="tx1"/>
@@ -55,7 +55,7 @@
         <a:cs typeface="+mn-cs"/>
       </a:defRPr>
     </a:lvl3pPr>
-    <a:lvl4pPr marL="1371600" algn="l" defTabSz="914400" rtl="0" eaLnBrk="1" latinLnBrk="0" hangingPunct="1">
+    <a:lvl4pPr marL="1371600" algn="l" defTabSz="457200" rtl="0" eaLnBrk="1" latinLnBrk="0" hangingPunct="1">
       <a:defRPr sz="1800" kern="1200">
         <a:solidFill>
           <a:schemeClr val="tx1"/>
@@ -65,7 +65,7 @@
         <a:cs typeface="+mn-cs"/>
       </a:defRPr>
     </a:lvl4pPr>
-    <a:lvl5pPr marL="1828800" algn="l" defTabSz="914400" rtl="0" eaLnBrk="1" latinLnBrk="0" hangingPunct="1">
+    <a:lvl5pPr marL="1828800" algn="l" defTabSz="457200" rtl="0" eaLnBrk="1" latinLnBrk="0" hangingPunct="1">
       <a:defRPr sz="1800" kern="1200">
         <a:solidFill>
           <a:schemeClr val="tx1"/>
@@ -75,7 +75,7 @@
         <a:cs typeface="+mn-cs"/>
       </a:defRPr>
     </a:lvl5pPr>
-    <a:lvl6pPr marL="2286000" algn="l" defTabSz="914400" rtl="0" eaLnBrk="1" latinLnBrk="0" hangingPunct="1">
+    <a:lvl6pPr marL="2286000" algn="l" defTabSz="457200" rtl="0" eaLnBrk="1" latinLnBrk="0" hangingPunct="1">
       <a:defRPr sz="1800" kern="1200">
         <a:solidFill>
           <a:schemeClr val="tx1"/>
@@ -85,7 +85,7 @@
         <a:cs typeface="+mn-cs"/>
       </a:defRPr>
     </a:lvl6pPr>
-    <a:lvl7pPr marL="2743200" algn="l" defTabSz="914400" rtl="0" eaLnBrk="1" latinLnBrk="0" hangingPunct="1">
+    <a:lvl7pPr marL="2743200" algn="l" defTabSz="457200" rtl="0" eaLnBrk="1" latinLnBrk="0" hangingPunct="1">
       <a:defRPr sz="1800" kern="1200">
         <a:solidFill>
           <a:schemeClr val="tx1"/>
@@ -95,7 +95,7 @@
         <a:cs typeface="+mn-cs"/>
       </a:defRPr>
     </a:lvl7pPr>
-    <a:lvl8pPr marL="3200400" algn="l" defTabSz="914400" rtl="0" eaLnBrk="1" latinLnBrk="0" hangingPunct="1">
+    <a:lvl8pPr marL="3200400" algn="l" defTabSz="457200" rtl="0" eaLnBrk="1" latinLnBrk="0" hangingPunct="1">
       <a:defRPr sz="1800" kern="1200">
         <a:solidFill>
           <a:schemeClr val="tx1"/>
@@ -105,7 +105,7 @@
         <a:cs typeface="+mn-cs"/>
       </a:defRPr>
     </a:lvl8pPr>
-    <a:lvl9pPr marL="3657600" algn="l" defTabSz="914400" rtl="0" eaLnBrk="1" latinLnBrk="0" hangingPunct="1">
+    <a:lvl9pPr marL="3657600" algn="l" defTabSz="457200" rtl="0" eaLnBrk="1" latinLnBrk="0" hangingPunct="1">
       <a:defRPr sz="1800" kern="1200">
         <a:solidFill>
           <a:schemeClr val="tx1"/>
@@ -116,6 +116,11 @@
       </a:defRPr>
     </a:lvl9pPr>
   </p:defaultTextStyle>
+  <p:extLst>
+    <p:ext uri="{EFAFB233-063F-42B5-8137-9DF3F51BA10A}">
+      <p15:sldGuideLst xmlns:p15="http://schemas.microsoft.com/office/powerpoint/2012/main"/>
+    </p:ext>
+  </p:extLst>
 </p:presentation>
 </file>
 
@@ -201,7 +206,7 @@
           <a:p>
             <a:fld id="{BD1BCE9E-304D-4246-8270-15BE9D279334}" type="datetimeFigureOut">
               <a:rPr lang="en-US" smtClean="0"/>
-              <a:t>6/28/2024</a:t>
+              <a:t>7/10/2024</a:t>
             </a:fld>
             <a:endParaRPr lang="en-US"/>
           </a:p>
@@ -768,9 +773,12 @@
             </a:r>
           </a:p>
           <a:p>
-            <a:r>
-              <a:rPr lang="en-US" dirty="0"/>
-              <a:t>State Management lets you track terraform managed resources, the state you expect them to be in when you start a run, query the state they are currently in, and make a delta to get to the state you want them to be in. In this way you can manage resources more durably and make iterative changes in source control to roll out to environments.</a:t>
+            <a:endParaRPr lang="en-US" dirty="0"/>
+          </a:p>
+          <a:p>
+            <a:r>
+              <a:rPr lang="en-US" dirty="0"/>
+              <a:t>State Management with Terraform lets you track terraform managed resources, the state you expect them to be in when you start a run, query the state they are currently in, and make a delta to get to the state you want them to be in. In this way you can manage resources more durably and make iterative changes in source control to roll out to environments. If you remove a resource from a terraform deployment the resource is deleted in the next run, but if you remove a resource from a bicep deployment the resource is no longer tracked and is left unmanaged. </a:t>
             </a:r>
           </a:p>
         </p:txBody>
@@ -1477,13 +1485,7 @@
       </p:grpSpPr>
       <p:sp>
         <p:nvSpPr>
-          <p:cNvPr id="2" name="Title 1">
-            <a:extLst>
-              <a:ext uri="{FF2B5EF4-FFF2-40B4-BE49-F238E27FC236}">
-                <a16:creationId xmlns:a16="http://schemas.microsoft.com/office/drawing/2014/main" id="{5D0BDFD4-DE05-C209-DFD5-D5123D05A31A}"/>
-              </a:ext>
-            </a:extLst>
-          </p:cNvPr>
+          <p:cNvPr id="2" name="Title 1"/>
           <p:cNvSpPr>
             <a:spLocks noGrp="1"/>
           </p:cNvSpPr>
@@ -1493,15 +1495,15 @@
         </p:nvSpPr>
         <p:spPr>
           <a:xfrm>
-            <a:off x="1524000" y="1122363"/>
-            <a:ext cx="9144000" cy="2387600"/>
+            <a:off x="1154955" y="1447800"/>
+            <a:ext cx="8825658" cy="3329581"/>
           </a:xfrm>
         </p:spPr>
         <p:txBody>
           <a:bodyPr anchor="b"/>
           <a:lstStyle>
-            <a:lvl1pPr algn="ctr">
-              <a:defRPr sz="6000"/>
+            <a:lvl1pPr>
+              <a:defRPr sz="7200"/>
             </a:lvl1pPr>
           </a:lstStyle>
           <a:p>
@@ -1509,18 +1511,13 @@
               <a:rPr lang="en-US"/>
               <a:t>Click to edit Master title style</a:t>
             </a:r>
-          </a:p>
-        </p:txBody>
-      </p:sp>
-      <p:sp>
-        <p:nvSpPr>
-          <p:cNvPr id="3" name="Subtitle 2">
-            <a:extLst>
-              <a:ext uri="{FF2B5EF4-FFF2-40B4-BE49-F238E27FC236}">
-                <a16:creationId xmlns:a16="http://schemas.microsoft.com/office/drawing/2014/main" id="{85775F10-F256-AA67-1C8A-8F8A6857C375}"/>
-              </a:ext>
-            </a:extLst>
-          </p:cNvPr>
+            <a:endParaRPr lang="en-US" dirty="0"/>
+          </a:p>
+        </p:txBody>
+      </p:sp>
+      <p:sp>
+        <p:nvSpPr>
+          <p:cNvPr id="3" name="Subtitle 2"/>
           <p:cNvSpPr>
             <a:spLocks noGrp="1"/>
           </p:cNvSpPr>
@@ -1530,48 +1527,103 @@
         </p:nvSpPr>
         <p:spPr>
           <a:xfrm>
-            <a:off x="1524000" y="3602038"/>
-            <a:ext cx="9144000" cy="1655762"/>
+            <a:off x="1154955" y="4777380"/>
+            <a:ext cx="8825658" cy="861420"/>
           </a:xfrm>
         </p:spPr>
         <p:txBody>
-          <a:bodyPr/>
+          <a:bodyPr anchor="t"/>
           <a:lstStyle>
-            <a:lvl1pPr marL="0" indent="0" algn="ctr">
-              <a:buNone/>
-              <a:defRPr sz="2400"/>
+            <a:lvl1pPr marL="0" indent="0" algn="l">
+              <a:buNone/>
+              <a:defRPr cap="all">
+                <a:solidFill>
+                  <a:schemeClr val="bg2">
+                    <a:lumMod val="40000"/>
+                    <a:lumOff val="60000"/>
+                  </a:schemeClr>
+                </a:solidFill>
+              </a:defRPr>
             </a:lvl1pPr>
             <a:lvl2pPr marL="457200" indent="0" algn="ctr">
               <a:buNone/>
-              <a:defRPr sz="2000"/>
+              <a:defRPr>
+                <a:solidFill>
+                  <a:schemeClr val="tx1">
+                    <a:tint val="75000"/>
+                  </a:schemeClr>
+                </a:solidFill>
+              </a:defRPr>
             </a:lvl2pPr>
             <a:lvl3pPr marL="914400" indent="0" algn="ctr">
               <a:buNone/>
-              <a:defRPr sz="1800"/>
+              <a:defRPr>
+                <a:solidFill>
+                  <a:schemeClr val="tx1">
+                    <a:tint val="75000"/>
+                  </a:schemeClr>
+                </a:solidFill>
+              </a:defRPr>
             </a:lvl3pPr>
             <a:lvl4pPr marL="1371600" indent="0" algn="ctr">
               <a:buNone/>
-              <a:defRPr sz="1600"/>
+              <a:defRPr>
+                <a:solidFill>
+                  <a:schemeClr val="tx1">
+                    <a:tint val="75000"/>
+                  </a:schemeClr>
+                </a:solidFill>
+              </a:defRPr>
             </a:lvl4pPr>
             <a:lvl5pPr marL="1828800" indent="0" algn="ctr">
               <a:buNone/>
-              <a:defRPr sz="1600"/>
+              <a:defRPr>
+                <a:solidFill>
+                  <a:schemeClr val="tx1">
+                    <a:tint val="75000"/>
+                  </a:schemeClr>
+                </a:solidFill>
+              </a:defRPr>
             </a:lvl5pPr>
             <a:lvl6pPr marL="2286000" indent="0" algn="ctr">
               <a:buNone/>
-              <a:defRPr sz="1600"/>
+              <a:defRPr>
+                <a:solidFill>
+                  <a:schemeClr val="tx1">
+                    <a:tint val="75000"/>
+                  </a:schemeClr>
+                </a:solidFill>
+              </a:defRPr>
             </a:lvl6pPr>
             <a:lvl7pPr marL="2743200" indent="0" algn="ctr">
               <a:buNone/>
-              <a:defRPr sz="1600"/>
+              <a:defRPr>
+                <a:solidFill>
+                  <a:schemeClr val="tx1">
+                    <a:tint val="75000"/>
+                  </a:schemeClr>
+                </a:solidFill>
+              </a:defRPr>
             </a:lvl7pPr>
             <a:lvl8pPr marL="3200400" indent="0" algn="ctr">
               <a:buNone/>
-              <a:defRPr sz="1600"/>
+              <a:defRPr>
+                <a:solidFill>
+                  <a:schemeClr val="tx1">
+                    <a:tint val="75000"/>
+                  </a:schemeClr>
+                </a:solidFill>
+              </a:defRPr>
             </a:lvl8pPr>
             <a:lvl9pPr marL="3657600" indent="0" algn="ctr">
               <a:buNone/>
-              <a:defRPr sz="1600"/>
+              <a:defRPr>
+                <a:solidFill>
+                  <a:schemeClr val="tx1">
+                    <a:tint val="75000"/>
+                  </a:schemeClr>
+                </a:solidFill>
+              </a:defRPr>
             </a:lvl9pPr>
           </a:lstStyle>
           <a:p>
@@ -1579,18 +1631,13 @@
               <a:rPr lang="en-US"/>
               <a:t>Click to edit Master subtitle style</a:t>
             </a:r>
-          </a:p>
-        </p:txBody>
-      </p:sp>
-      <p:sp>
-        <p:nvSpPr>
-          <p:cNvPr id="4" name="Date Placeholder 3">
-            <a:extLst>
-              <a:ext uri="{FF2B5EF4-FFF2-40B4-BE49-F238E27FC236}">
-                <a16:creationId xmlns:a16="http://schemas.microsoft.com/office/drawing/2014/main" id="{21103597-6247-5BFB-4AC7-A9F699137662}"/>
-              </a:ext>
-            </a:extLst>
-          </p:cNvPr>
+            <a:endParaRPr lang="en-US" dirty="0"/>
+          </a:p>
+        </p:txBody>
+      </p:sp>
+      <p:sp>
+        <p:nvSpPr>
+          <p:cNvPr id="4" name="Date Placeholder 3"/>
           <p:cNvSpPr>
             <a:spLocks noGrp="1"/>
           </p:cNvSpPr>
@@ -1605,7 +1652,7 @@
           <a:p>
             <a:fld id="{46EF741B-8F3B-477F-95CC-F41594627B4C}" type="datetimeFigureOut">
               <a:rPr lang="en-US" smtClean="0"/>
-              <a:t>6/26/2024</a:t>
+              <a:t>7/10/2024</a:t>
             </a:fld>
             <a:endParaRPr lang="en-US"/>
           </a:p>
@@ -1613,13 +1660,7 @@
       </p:sp>
       <p:sp>
         <p:nvSpPr>
-          <p:cNvPr id="5" name="Footer Placeholder 4">
-            <a:extLst>
-              <a:ext uri="{FF2B5EF4-FFF2-40B4-BE49-F238E27FC236}">
-                <a16:creationId xmlns:a16="http://schemas.microsoft.com/office/drawing/2014/main" id="{A3618279-5FCC-8375-5E2D-AFA0FC004189}"/>
-              </a:ext>
-            </a:extLst>
-          </p:cNvPr>
+          <p:cNvPr id="5" name="Footer Placeholder 4"/>
           <p:cNvSpPr>
             <a:spLocks noGrp="1"/>
           </p:cNvSpPr>
@@ -1638,13 +1679,7 @@
       </p:sp>
       <p:sp>
         <p:nvSpPr>
-          <p:cNvPr id="6" name="Slide Number Placeholder 5">
-            <a:extLst>
-              <a:ext uri="{FF2B5EF4-FFF2-40B4-BE49-F238E27FC236}">
-                <a16:creationId xmlns:a16="http://schemas.microsoft.com/office/drawing/2014/main" id="{B84799BA-F2D9-99B2-6DF0-AE6E0D4CD409}"/>
-              </a:ext>
-            </a:extLst>
-          </p:cNvPr>
+          <p:cNvPr id="6" name="Slide Number Placeholder 5"/>
           <p:cNvSpPr>
             <a:spLocks noGrp="1"/>
           </p:cNvSpPr>
@@ -1668,7 +1703,7 @@
     </p:spTree>
     <p:extLst>
       <p:ext uri="{BB962C8B-B14F-4D97-AF65-F5344CB8AC3E}">
-        <p14:creationId xmlns:p14="http://schemas.microsoft.com/office/powerpoint/2010/main" val="1927679375"/>
+        <p14:creationId xmlns:p14="http://schemas.microsoft.com/office/powerpoint/2010/main" val="1022614297"/>
       </p:ext>
     </p:extLst>
   </p:cSld>
@@ -1679,6 +1714,2572 @@
 </file>
 
 <file path=ppt/slideLayouts/slideLayout10.xml><?xml version="1.0" encoding="utf-8"?>
+<p:sldLayout xmlns:a="http://schemas.openxmlformats.org/drawingml/2006/main" xmlns:r="http://schemas.openxmlformats.org/officeDocument/2006/relationships" xmlns:p="http://schemas.openxmlformats.org/presentationml/2006/main" preserve="1">
+  <p:cSld name="Panoramic Picture with Caption">
+    <p:spTree>
+      <p:nvGrpSpPr>
+        <p:cNvPr id="1" name=""/>
+        <p:cNvGrpSpPr/>
+        <p:nvPr/>
+      </p:nvGrpSpPr>
+      <p:grpSpPr>
+        <a:xfrm>
+          <a:off x="0" y="0"/>
+          <a:ext cx="0" cy="0"/>
+          <a:chOff x="0" y="0"/>
+          <a:chExt cx="0" cy="0"/>
+        </a:xfrm>
+      </p:grpSpPr>
+      <p:sp>
+        <p:nvSpPr>
+          <p:cNvPr id="2" name="Title 1"/>
+          <p:cNvSpPr>
+            <a:spLocks noGrp="1"/>
+          </p:cNvSpPr>
+          <p:nvPr>
+            <p:ph type="title"/>
+          </p:nvPr>
+        </p:nvSpPr>
+        <p:spPr>
+          <a:xfrm>
+            <a:off x="1154956" y="4800587"/>
+            <a:ext cx="8825657" cy="566738"/>
+          </a:xfrm>
+        </p:spPr>
+        <p:txBody>
+          <a:bodyPr anchor="b">
+            <a:normAutofit/>
+          </a:bodyPr>
+          <a:lstStyle>
+            <a:lvl1pPr algn="l">
+              <a:defRPr sz="2400" b="0"/>
+            </a:lvl1pPr>
+          </a:lstStyle>
+          <a:p>
+            <a:r>
+              <a:rPr lang="en-US"/>
+              <a:t>Click to edit Master title style</a:t>
+            </a:r>
+            <a:endParaRPr lang="en-US" dirty="0"/>
+          </a:p>
+        </p:txBody>
+      </p:sp>
+      <p:sp>
+        <p:nvSpPr>
+          <p:cNvPr id="3" name="Picture Placeholder 2"/>
+          <p:cNvSpPr>
+            <a:spLocks noGrp="1" noChangeAspect="1"/>
+          </p:cNvSpPr>
+          <p:nvPr>
+            <p:ph type="pic" idx="1"/>
+          </p:nvPr>
+        </p:nvSpPr>
+        <p:spPr>
+          <a:xfrm>
+            <a:off x="1154955" y="685800"/>
+            <a:ext cx="8825658" cy="3640666"/>
+          </a:xfrm>
+          <a:prstGeom prst="roundRect">
+            <a:avLst>
+              <a:gd name="adj" fmla="val 1858"/>
+            </a:avLst>
+          </a:prstGeom>
+          <a:effectLst>
+            <a:outerShdw blurRad="50800" dist="50800" dir="5400000" algn="tl" rotWithShape="0">
+              <a:srgbClr val="000000">
+                <a:alpha val="43000"/>
+              </a:srgbClr>
+            </a:outerShdw>
+          </a:effectLst>
+        </p:spPr>
+        <p:txBody>
+          <a:bodyPr anchor="t">
+            <a:normAutofit/>
+          </a:bodyPr>
+          <a:lstStyle>
+            <a:lvl1pPr marL="0" indent="0" algn="ctr">
+              <a:buNone/>
+              <a:defRPr sz="1600"/>
+            </a:lvl1pPr>
+            <a:lvl2pPr marL="457200" indent="0">
+              <a:buNone/>
+              <a:defRPr sz="1600"/>
+            </a:lvl2pPr>
+            <a:lvl3pPr marL="914400" indent="0">
+              <a:buNone/>
+              <a:defRPr sz="1600"/>
+            </a:lvl3pPr>
+            <a:lvl4pPr marL="1371600" indent="0">
+              <a:buNone/>
+              <a:defRPr sz="1600"/>
+            </a:lvl4pPr>
+            <a:lvl5pPr marL="1828800" indent="0">
+              <a:buNone/>
+              <a:defRPr sz="1600"/>
+            </a:lvl5pPr>
+            <a:lvl6pPr marL="2286000" indent="0">
+              <a:buNone/>
+              <a:defRPr sz="1600"/>
+            </a:lvl6pPr>
+            <a:lvl7pPr marL="2743200" indent="0">
+              <a:buNone/>
+              <a:defRPr sz="1600"/>
+            </a:lvl7pPr>
+            <a:lvl8pPr marL="3200400" indent="0">
+              <a:buNone/>
+              <a:defRPr sz="1600"/>
+            </a:lvl8pPr>
+            <a:lvl9pPr marL="3657600" indent="0">
+              <a:buNone/>
+              <a:defRPr sz="1600"/>
+            </a:lvl9pPr>
+          </a:lstStyle>
+          <a:p>
+            <a:r>
+              <a:rPr lang="en-US"/>
+              <a:t>Click icon to add picture</a:t>
+            </a:r>
+            <a:endParaRPr lang="en-US" dirty="0"/>
+          </a:p>
+        </p:txBody>
+      </p:sp>
+      <p:sp>
+        <p:nvSpPr>
+          <p:cNvPr id="4" name="Text Placeholder 3"/>
+          <p:cNvSpPr>
+            <a:spLocks noGrp="1"/>
+          </p:cNvSpPr>
+          <p:nvPr>
+            <p:ph type="body" sz="half" idx="2"/>
+          </p:nvPr>
+        </p:nvSpPr>
+        <p:spPr>
+          <a:xfrm>
+            <a:off x="1154956" y="5367325"/>
+            <a:ext cx="8825656" cy="493712"/>
+          </a:xfrm>
+        </p:spPr>
+        <p:txBody>
+          <a:bodyPr>
+            <a:normAutofit/>
+          </a:bodyPr>
+          <a:lstStyle>
+            <a:lvl1pPr marL="0" indent="0">
+              <a:buNone/>
+              <a:defRPr sz="1200"/>
+            </a:lvl1pPr>
+            <a:lvl2pPr marL="457200" indent="0">
+              <a:buNone/>
+              <a:defRPr sz="1200"/>
+            </a:lvl2pPr>
+            <a:lvl3pPr marL="914400" indent="0">
+              <a:buNone/>
+              <a:defRPr sz="1000"/>
+            </a:lvl3pPr>
+            <a:lvl4pPr marL="1371600" indent="0">
+              <a:buNone/>
+              <a:defRPr sz="900"/>
+            </a:lvl4pPr>
+            <a:lvl5pPr marL="1828800" indent="0">
+              <a:buNone/>
+              <a:defRPr sz="900"/>
+            </a:lvl5pPr>
+            <a:lvl6pPr marL="2286000" indent="0">
+              <a:buNone/>
+              <a:defRPr sz="900"/>
+            </a:lvl6pPr>
+            <a:lvl7pPr marL="2743200" indent="0">
+              <a:buNone/>
+              <a:defRPr sz="900"/>
+            </a:lvl7pPr>
+            <a:lvl8pPr marL="3200400" indent="0">
+              <a:buNone/>
+              <a:defRPr sz="900"/>
+            </a:lvl8pPr>
+            <a:lvl9pPr marL="3657600" indent="0">
+              <a:buNone/>
+              <a:defRPr sz="900"/>
+            </a:lvl9pPr>
+          </a:lstStyle>
+          <a:p>
+            <a:pPr lvl="0"/>
+            <a:r>
+              <a:rPr lang="en-US"/>
+              <a:t>Click to edit Master text styles</a:t>
+            </a:r>
+          </a:p>
+        </p:txBody>
+      </p:sp>
+      <p:sp>
+        <p:nvSpPr>
+          <p:cNvPr id="5" name="Date Placeholder 4"/>
+          <p:cNvSpPr>
+            <a:spLocks noGrp="1"/>
+          </p:cNvSpPr>
+          <p:nvPr>
+            <p:ph type="dt" sz="half" idx="10"/>
+          </p:nvPr>
+        </p:nvSpPr>
+        <p:spPr/>
+        <p:txBody>
+          <a:bodyPr/>
+          <a:lstStyle/>
+          <a:p>
+            <a:fld id="{46EF741B-8F3B-477F-95CC-F41594627B4C}" type="datetimeFigureOut">
+              <a:rPr lang="en-US" smtClean="0"/>
+              <a:t>7/10/2024</a:t>
+            </a:fld>
+            <a:endParaRPr lang="en-US"/>
+          </a:p>
+        </p:txBody>
+      </p:sp>
+      <p:sp>
+        <p:nvSpPr>
+          <p:cNvPr id="6" name="Footer Placeholder 5"/>
+          <p:cNvSpPr>
+            <a:spLocks noGrp="1"/>
+          </p:cNvSpPr>
+          <p:nvPr>
+            <p:ph type="ftr" sz="quarter" idx="11"/>
+          </p:nvPr>
+        </p:nvSpPr>
+        <p:spPr/>
+        <p:txBody>
+          <a:bodyPr/>
+          <a:lstStyle/>
+          <a:p>
+            <a:endParaRPr lang="en-US"/>
+          </a:p>
+        </p:txBody>
+      </p:sp>
+      <p:sp>
+        <p:nvSpPr>
+          <p:cNvPr id="7" name="Slide Number Placeholder 6"/>
+          <p:cNvSpPr>
+            <a:spLocks noGrp="1"/>
+          </p:cNvSpPr>
+          <p:nvPr>
+            <p:ph type="sldNum" sz="quarter" idx="12"/>
+          </p:nvPr>
+        </p:nvSpPr>
+        <p:spPr/>
+        <p:txBody>
+          <a:bodyPr/>
+          <a:lstStyle/>
+          <a:p>
+            <a:fld id="{DC567816-7F31-4B5B-A1CD-B4D9F90C20C3}" type="slidenum">
+              <a:rPr lang="en-US" smtClean="0"/>
+              <a:t>‹#›</a:t>
+            </a:fld>
+            <a:endParaRPr lang="en-US"/>
+          </a:p>
+        </p:txBody>
+      </p:sp>
+    </p:spTree>
+    <p:extLst>
+      <p:ext uri="{BB962C8B-B14F-4D97-AF65-F5344CB8AC3E}">
+        <p14:creationId xmlns:p14="http://schemas.microsoft.com/office/powerpoint/2010/main" val="1923639106"/>
+      </p:ext>
+    </p:extLst>
+  </p:cSld>
+  <p:clrMapOvr>
+    <a:masterClrMapping/>
+  </p:clrMapOvr>
+</p:sldLayout>
+</file>
+
+<file path=ppt/slideLayouts/slideLayout11.xml><?xml version="1.0" encoding="utf-8"?>
+<p:sldLayout xmlns:a="http://schemas.openxmlformats.org/drawingml/2006/main" xmlns:r="http://schemas.openxmlformats.org/officeDocument/2006/relationships" xmlns:p="http://schemas.openxmlformats.org/presentationml/2006/main" preserve="1">
+  <p:cSld name="Title and Caption">
+    <p:spTree>
+      <p:nvGrpSpPr>
+        <p:cNvPr id="1" name=""/>
+        <p:cNvGrpSpPr/>
+        <p:nvPr/>
+      </p:nvGrpSpPr>
+      <p:grpSpPr>
+        <a:xfrm>
+          <a:off x="0" y="0"/>
+          <a:ext cx="0" cy="0"/>
+          <a:chOff x="0" y="0"/>
+          <a:chExt cx="0" cy="0"/>
+        </a:xfrm>
+      </p:grpSpPr>
+      <p:sp>
+        <p:nvSpPr>
+          <p:cNvPr id="2" name="Title 1"/>
+          <p:cNvSpPr>
+            <a:spLocks noGrp="1"/>
+          </p:cNvSpPr>
+          <p:nvPr>
+            <p:ph type="title"/>
+          </p:nvPr>
+        </p:nvSpPr>
+        <p:spPr>
+          <a:xfrm>
+            <a:off x="1154954" y="1447800"/>
+            <a:ext cx="8825659" cy="1981200"/>
+          </a:xfrm>
+        </p:spPr>
+        <p:txBody>
+          <a:bodyPr/>
+          <a:lstStyle>
+            <a:lvl1pPr>
+              <a:defRPr sz="4800"/>
+            </a:lvl1pPr>
+          </a:lstStyle>
+          <a:p>
+            <a:r>
+              <a:rPr lang="en-US"/>
+              <a:t>Click to edit Master title style</a:t>
+            </a:r>
+            <a:endParaRPr lang="en-US" dirty="0"/>
+          </a:p>
+        </p:txBody>
+      </p:sp>
+      <p:sp>
+        <p:nvSpPr>
+          <p:cNvPr id="8" name="Text Placeholder 3"/>
+          <p:cNvSpPr>
+            <a:spLocks noGrp="1"/>
+          </p:cNvSpPr>
+          <p:nvPr>
+            <p:ph type="body" sz="half" idx="2"/>
+          </p:nvPr>
+        </p:nvSpPr>
+        <p:spPr>
+          <a:xfrm>
+            <a:off x="1154954" y="3657600"/>
+            <a:ext cx="8825659" cy="2362200"/>
+          </a:xfrm>
+        </p:spPr>
+        <p:txBody>
+          <a:bodyPr anchor="ctr">
+            <a:normAutofit/>
+          </a:bodyPr>
+          <a:lstStyle>
+            <a:lvl1pPr marL="0" indent="0">
+              <a:buNone/>
+              <a:defRPr sz="1800"/>
+            </a:lvl1pPr>
+            <a:lvl2pPr marL="457200" indent="0">
+              <a:buNone/>
+              <a:defRPr sz="1200"/>
+            </a:lvl2pPr>
+            <a:lvl3pPr marL="914400" indent="0">
+              <a:buNone/>
+              <a:defRPr sz="1000"/>
+            </a:lvl3pPr>
+            <a:lvl4pPr marL="1371600" indent="0">
+              <a:buNone/>
+              <a:defRPr sz="900"/>
+            </a:lvl4pPr>
+            <a:lvl5pPr marL="1828800" indent="0">
+              <a:buNone/>
+              <a:defRPr sz="900"/>
+            </a:lvl5pPr>
+            <a:lvl6pPr marL="2286000" indent="0">
+              <a:buNone/>
+              <a:defRPr sz="900"/>
+            </a:lvl6pPr>
+            <a:lvl7pPr marL="2743200" indent="0">
+              <a:buNone/>
+              <a:defRPr sz="900"/>
+            </a:lvl7pPr>
+            <a:lvl8pPr marL="3200400" indent="0">
+              <a:buNone/>
+              <a:defRPr sz="900"/>
+            </a:lvl8pPr>
+            <a:lvl9pPr marL="3657600" indent="0">
+              <a:buNone/>
+              <a:defRPr sz="900"/>
+            </a:lvl9pPr>
+          </a:lstStyle>
+          <a:p>
+            <a:pPr lvl="0"/>
+            <a:r>
+              <a:rPr lang="en-US"/>
+              <a:t>Click to edit Master text styles</a:t>
+            </a:r>
+          </a:p>
+        </p:txBody>
+      </p:sp>
+      <p:sp>
+        <p:nvSpPr>
+          <p:cNvPr id="4" name="Date Placeholder 3"/>
+          <p:cNvSpPr>
+            <a:spLocks noGrp="1"/>
+          </p:cNvSpPr>
+          <p:nvPr>
+            <p:ph type="dt" sz="half" idx="10"/>
+          </p:nvPr>
+        </p:nvSpPr>
+        <p:spPr/>
+        <p:txBody>
+          <a:bodyPr/>
+          <a:lstStyle/>
+          <a:p>
+            <a:fld id="{46EF741B-8F3B-477F-95CC-F41594627B4C}" type="datetimeFigureOut">
+              <a:rPr lang="en-US" smtClean="0"/>
+              <a:t>7/10/2024</a:t>
+            </a:fld>
+            <a:endParaRPr lang="en-US"/>
+          </a:p>
+        </p:txBody>
+      </p:sp>
+      <p:sp>
+        <p:nvSpPr>
+          <p:cNvPr id="5" name="Footer Placeholder 4"/>
+          <p:cNvSpPr>
+            <a:spLocks noGrp="1"/>
+          </p:cNvSpPr>
+          <p:nvPr>
+            <p:ph type="ftr" sz="quarter" idx="11"/>
+          </p:nvPr>
+        </p:nvSpPr>
+        <p:spPr/>
+        <p:txBody>
+          <a:bodyPr/>
+          <a:lstStyle/>
+          <a:p>
+            <a:endParaRPr lang="en-US"/>
+          </a:p>
+        </p:txBody>
+      </p:sp>
+      <p:sp>
+        <p:nvSpPr>
+          <p:cNvPr id="6" name="Slide Number Placeholder 5"/>
+          <p:cNvSpPr>
+            <a:spLocks noGrp="1"/>
+          </p:cNvSpPr>
+          <p:nvPr>
+            <p:ph type="sldNum" sz="quarter" idx="12"/>
+          </p:nvPr>
+        </p:nvSpPr>
+        <p:spPr/>
+        <p:txBody>
+          <a:bodyPr/>
+          <a:lstStyle/>
+          <a:p>
+            <a:fld id="{DC567816-7F31-4B5B-A1CD-B4D9F90C20C3}" type="slidenum">
+              <a:rPr lang="en-US" smtClean="0"/>
+              <a:t>‹#›</a:t>
+            </a:fld>
+            <a:endParaRPr lang="en-US"/>
+          </a:p>
+        </p:txBody>
+      </p:sp>
+    </p:spTree>
+    <p:extLst>
+      <p:ext uri="{BB962C8B-B14F-4D97-AF65-F5344CB8AC3E}">
+        <p14:creationId xmlns:p14="http://schemas.microsoft.com/office/powerpoint/2010/main" val="4042514356"/>
+      </p:ext>
+    </p:extLst>
+  </p:cSld>
+  <p:clrMapOvr>
+    <a:masterClrMapping/>
+  </p:clrMapOvr>
+</p:sldLayout>
+</file>
+
+<file path=ppt/slideLayouts/slideLayout12.xml><?xml version="1.0" encoding="utf-8"?>
+<p:sldLayout xmlns:a="http://schemas.openxmlformats.org/drawingml/2006/main" xmlns:r="http://schemas.openxmlformats.org/officeDocument/2006/relationships" xmlns:p="http://schemas.openxmlformats.org/presentationml/2006/main" preserve="1">
+  <p:cSld name="Quote with Caption">
+    <p:spTree>
+      <p:nvGrpSpPr>
+        <p:cNvPr id="1" name=""/>
+        <p:cNvGrpSpPr/>
+        <p:nvPr/>
+      </p:nvGrpSpPr>
+      <p:grpSpPr>
+        <a:xfrm>
+          <a:off x="0" y="0"/>
+          <a:ext cx="0" cy="0"/>
+          <a:chOff x="0" y="0"/>
+          <a:chExt cx="0" cy="0"/>
+        </a:xfrm>
+      </p:grpSpPr>
+      <p:sp>
+        <p:nvSpPr>
+          <p:cNvPr id="2" name="Title 1"/>
+          <p:cNvSpPr>
+            <a:spLocks noGrp="1"/>
+          </p:cNvSpPr>
+          <p:nvPr>
+            <p:ph type="title"/>
+          </p:nvPr>
+        </p:nvSpPr>
+        <p:spPr>
+          <a:xfrm>
+            <a:off x="1574801" y="1447800"/>
+            <a:ext cx="7999315" cy="2323374"/>
+          </a:xfrm>
+        </p:spPr>
+        <p:txBody>
+          <a:bodyPr/>
+          <a:lstStyle>
+            <a:lvl1pPr>
+              <a:defRPr sz="4800"/>
+            </a:lvl1pPr>
+          </a:lstStyle>
+          <a:p>
+            <a:r>
+              <a:rPr lang="en-US"/>
+              <a:t>Click to edit Master title style</a:t>
+            </a:r>
+            <a:endParaRPr lang="en-US" dirty="0"/>
+          </a:p>
+        </p:txBody>
+      </p:sp>
+      <p:sp>
+        <p:nvSpPr>
+          <p:cNvPr id="11" name="Text Placeholder 3"/>
+          <p:cNvSpPr>
+            <a:spLocks noGrp="1"/>
+          </p:cNvSpPr>
+          <p:nvPr>
+            <p:ph type="body" sz="half" idx="14"/>
+          </p:nvPr>
+        </p:nvSpPr>
+        <p:spPr>
+          <a:xfrm>
+            <a:off x="1930400" y="3771174"/>
+            <a:ext cx="7279649" cy="342174"/>
+          </a:xfrm>
+        </p:spPr>
+        <p:txBody>
+          <a:bodyPr vert="horz" lIns="91440" tIns="45720" rIns="91440" bIns="45720" rtlCol="0" anchor="t">
+            <a:normAutofit/>
+          </a:bodyPr>
+          <a:lstStyle>
+            <a:lvl1pPr marL="0" indent="0">
+              <a:buNone/>
+              <a:defRPr lang="en-US" sz="1400" b="0" i="0" kern="1200" cap="small" dirty="0">
+                <a:solidFill>
+                  <a:schemeClr val="bg2">
+                    <a:lumMod val="40000"/>
+                    <a:lumOff val="60000"/>
+                  </a:schemeClr>
+                </a:solidFill>
+                <a:latin typeface="+mj-lt"/>
+                <a:ea typeface="+mj-ea"/>
+                <a:cs typeface="+mj-cs"/>
+              </a:defRPr>
+            </a:lvl1pPr>
+            <a:lvl2pPr marL="457200" indent="0">
+              <a:buNone/>
+              <a:defRPr sz="1200"/>
+            </a:lvl2pPr>
+            <a:lvl3pPr marL="914400" indent="0">
+              <a:buNone/>
+              <a:defRPr sz="1000"/>
+            </a:lvl3pPr>
+            <a:lvl4pPr marL="1371600" indent="0">
+              <a:buNone/>
+              <a:defRPr sz="900"/>
+            </a:lvl4pPr>
+            <a:lvl5pPr marL="1828800" indent="0">
+              <a:buNone/>
+              <a:defRPr sz="900"/>
+            </a:lvl5pPr>
+            <a:lvl6pPr marL="2286000" indent="0">
+              <a:buNone/>
+              <a:defRPr sz="900"/>
+            </a:lvl6pPr>
+            <a:lvl7pPr marL="2743200" indent="0">
+              <a:buNone/>
+              <a:defRPr sz="900"/>
+            </a:lvl7pPr>
+            <a:lvl8pPr marL="3200400" indent="0">
+              <a:buNone/>
+              <a:defRPr sz="900"/>
+            </a:lvl8pPr>
+            <a:lvl9pPr marL="3657600" indent="0">
+              <a:buNone/>
+              <a:defRPr sz="900"/>
+            </a:lvl9pPr>
+          </a:lstStyle>
+          <a:p>
+            <a:pPr marL="0" lvl="0" indent="0">
+              <a:buNone/>
+            </a:pPr>
+            <a:r>
+              <a:rPr lang="en-US"/>
+              <a:t>Click to edit Master text styles</a:t>
+            </a:r>
+          </a:p>
+        </p:txBody>
+      </p:sp>
+      <p:sp>
+        <p:nvSpPr>
+          <p:cNvPr id="10" name="Text Placeholder 3"/>
+          <p:cNvSpPr>
+            <a:spLocks noGrp="1"/>
+          </p:cNvSpPr>
+          <p:nvPr>
+            <p:ph type="body" sz="half" idx="2"/>
+          </p:nvPr>
+        </p:nvSpPr>
+        <p:spPr>
+          <a:xfrm>
+            <a:off x="1154954" y="4350657"/>
+            <a:ext cx="8825659" cy="1676400"/>
+          </a:xfrm>
+        </p:spPr>
+        <p:txBody>
+          <a:bodyPr anchor="ctr">
+            <a:normAutofit/>
+          </a:bodyPr>
+          <a:lstStyle>
+            <a:lvl1pPr marL="0" indent="0">
+              <a:buNone/>
+              <a:defRPr sz="1800"/>
+            </a:lvl1pPr>
+            <a:lvl2pPr marL="457200" indent="0">
+              <a:buNone/>
+              <a:defRPr sz="1200"/>
+            </a:lvl2pPr>
+            <a:lvl3pPr marL="914400" indent="0">
+              <a:buNone/>
+              <a:defRPr sz="1000"/>
+            </a:lvl3pPr>
+            <a:lvl4pPr marL="1371600" indent="0">
+              <a:buNone/>
+              <a:defRPr sz="900"/>
+            </a:lvl4pPr>
+            <a:lvl5pPr marL="1828800" indent="0">
+              <a:buNone/>
+              <a:defRPr sz="900"/>
+            </a:lvl5pPr>
+            <a:lvl6pPr marL="2286000" indent="0">
+              <a:buNone/>
+              <a:defRPr sz="900"/>
+            </a:lvl6pPr>
+            <a:lvl7pPr marL="2743200" indent="0">
+              <a:buNone/>
+              <a:defRPr sz="900"/>
+            </a:lvl7pPr>
+            <a:lvl8pPr marL="3200400" indent="0">
+              <a:buNone/>
+              <a:defRPr sz="900"/>
+            </a:lvl8pPr>
+            <a:lvl9pPr marL="3657600" indent="0">
+              <a:buNone/>
+              <a:defRPr sz="900"/>
+            </a:lvl9pPr>
+          </a:lstStyle>
+          <a:p>
+            <a:pPr lvl="0"/>
+            <a:r>
+              <a:rPr lang="en-US"/>
+              <a:t>Click to edit Master text styles</a:t>
+            </a:r>
+          </a:p>
+        </p:txBody>
+      </p:sp>
+      <p:sp>
+        <p:nvSpPr>
+          <p:cNvPr id="4" name="Date Placeholder 3"/>
+          <p:cNvSpPr>
+            <a:spLocks noGrp="1"/>
+          </p:cNvSpPr>
+          <p:nvPr>
+            <p:ph type="dt" sz="half" idx="10"/>
+          </p:nvPr>
+        </p:nvSpPr>
+        <p:spPr/>
+        <p:txBody>
+          <a:bodyPr/>
+          <a:lstStyle/>
+          <a:p>
+            <a:fld id="{46EF741B-8F3B-477F-95CC-F41594627B4C}" type="datetimeFigureOut">
+              <a:rPr lang="en-US" smtClean="0"/>
+              <a:t>7/10/2024</a:t>
+            </a:fld>
+            <a:endParaRPr lang="en-US"/>
+          </a:p>
+        </p:txBody>
+      </p:sp>
+      <p:sp>
+        <p:nvSpPr>
+          <p:cNvPr id="5" name="Footer Placeholder 4"/>
+          <p:cNvSpPr>
+            <a:spLocks noGrp="1"/>
+          </p:cNvSpPr>
+          <p:nvPr>
+            <p:ph type="ftr" sz="quarter" idx="11"/>
+          </p:nvPr>
+        </p:nvSpPr>
+        <p:spPr/>
+        <p:txBody>
+          <a:bodyPr/>
+          <a:lstStyle/>
+          <a:p>
+            <a:endParaRPr lang="en-US"/>
+          </a:p>
+        </p:txBody>
+      </p:sp>
+      <p:sp>
+        <p:nvSpPr>
+          <p:cNvPr id="6" name="Slide Number Placeholder 5"/>
+          <p:cNvSpPr>
+            <a:spLocks noGrp="1"/>
+          </p:cNvSpPr>
+          <p:nvPr>
+            <p:ph type="sldNum" sz="quarter" idx="12"/>
+          </p:nvPr>
+        </p:nvSpPr>
+        <p:spPr/>
+        <p:txBody>
+          <a:bodyPr/>
+          <a:lstStyle/>
+          <a:p>
+            <a:fld id="{DC567816-7F31-4B5B-A1CD-B4D9F90C20C3}" type="slidenum">
+              <a:rPr lang="en-US" smtClean="0"/>
+              <a:t>‹#›</a:t>
+            </a:fld>
+            <a:endParaRPr lang="en-US"/>
+          </a:p>
+        </p:txBody>
+      </p:sp>
+      <p:sp>
+        <p:nvSpPr>
+          <p:cNvPr id="12" name="TextBox 11"/>
+          <p:cNvSpPr txBox="1"/>
+          <p:nvPr/>
+        </p:nvSpPr>
+        <p:spPr>
+          <a:xfrm>
+            <a:off x="898295" y="971253"/>
+            <a:ext cx="801912" cy="1969770"/>
+          </a:xfrm>
+          <a:prstGeom prst="rect">
+            <a:avLst/>
+          </a:prstGeom>
+          <a:noFill/>
+        </p:spPr>
+        <p:txBody>
+          <a:bodyPr wrap="square" rtlCol="0">
+            <a:spAutoFit/>
+          </a:bodyPr>
+          <a:lstStyle>
+            <a:defPPr>
+              <a:defRPr lang="en-US"/>
+            </a:defPPr>
+            <a:lvl1pPr algn="r">
+              <a:defRPr sz="12200" b="0" i="0">
+                <a:solidFill>
+                  <a:schemeClr val="bg2">
+                    <a:lumMod val="40000"/>
+                    <a:lumOff val="60000"/>
+                  </a:schemeClr>
+                </a:solidFill>
+                <a:latin typeface="Arial"/>
+                <a:ea typeface="+mj-ea"/>
+                <a:cs typeface="+mj-cs"/>
+              </a:defRPr>
+            </a:lvl1pPr>
+          </a:lstStyle>
+          <a:p>
+            <a:pPr lvl="0"/>
+            <a:r>
+              <a:rPr lang="en-US" dirty="0"/>
+              <a:t>“</a:t>
+            </a:r>
+          </a:p>
+        </p:txBody>
+      </p:sp>
+      <p:sp>
+        <p:nvSpPr>
+          <p:cNvPr id="15" name="TextBox 14"/>
+          <p:cNvSpPr txBox="1"/>
+          <p:nvPr/>
+        </p:nvSpPr>
+        <p:spPr>
+          <a:xfrm>
+            <a:off x="9330490" y="2613787"/>
+            <a:ext cx="801912" cy="1969770"/>
+          </a:xfrm>
+          <a:prstGeom prst="rect">
+            <a:avLst/>
+          </a:prstGeom>
+          <a:noFill/>
+        </p:spPr>
+        <p:txBody>
+          <a:bodyPr wrap="square" rtlCol="0">
+            <a:spAutoFit/>
+          </a:bodyPr>
+          <a:lstStyle>
+            <a:defPPr>
+              <a:defRPr lang="en-US"/>
+            </a:defPPr>
+            <a:lvl1pPr algn="r">
+              <a:defRPr sz="12200" b="0" i="0">
+                <a:solidFill>
+                  <a:schemeClr val="bg2">
+                    <a:lumMod val="40000"/>
+                    <a:lumOff val="60000"/>
+                  </a:schemeClr>
+                </a:solidFill>
+                <a:latin typeface="Arial"/>
+                <a:ea typeface="+mj-ea"/>
+                <a:cs typeface="+mj-cs"/>
+              </a:defRPr>
+            </a:lvl1pPr>
+          </a:lstStyle>
+          <a:p>
+            <a:pPr lvl="0"/>
+            <a:r>
+              <a:rPr lang="en-US" dirty="0"/>
+              <a:t>”</a:t>
+            </a:r>
+          </a:p>
+        </p:txBody>
+      </p:sp>
+    </p:spTree>
+    <p:extLst>
+      <p:ext uri="{BB962C8B-B14F-4D97-AF65-F5344CB8AC3E}">
+        <p14:creationId xmlns:p14="http://schemas.microsoft.com/office/powerpoint/2010/main" val="2448023308"/>
+      </p:ext>
+    </p:extLst>
+  </p:cSld>
+  <p:clrMapOvr>
+    <a:masterClrMapping/>
+  </p:clrMapOvr>
+</p:sldLayout>
+</file>
+
+<file path=ppt/slideLayouts/slideLayout13.xml><?xml version="1.0" encoding="utf-8"?>
+<p:sldLayout xmlns:a="http://schemas.openxmlformats.org/drawingml/2006/main" xmlns:r="http://schemas.openxmlformats.org/officeDocument/2006/relationships" xmlns:p="http://schemas.openxmlformats.org/presentationml/2006/main" preserve="1">
+  <p:cSld name="Name Card">
+    <p:spTree>
+      <p:nvGrpSpPr>
+        <p:cNvPr id="1" name=""/>
+        <p:cNvGrpSpPr/>
+        <p:nvPr/>
+      </p:nvGrpSpPr>
+      <p:grpSpPr>
+        <a:xfrm>
+          <a:off x="0" y="0"/>
+          <a:ext cx="0" cy="0"/>
+          <a:chOff x="0" y="0"/>
+          <a:chExt cx="0" cy="0"/>
+        </a:xfrm>
+      </p:grpSpPr>
+      <p:sp>
+        <p:nvSpPr>
+          <p:cNvPr id="2" name="Title 1"/>
+          <p:cNvSpPr>
+            <a:spLocks noGrp="1"/>
+          </p:cNvSpPr>
+          <p:nvPr>
+            <p:ph type="title"/>
+          </p:nvPr>
+        </p:nvSpPr>
+        <p:spPr>
+          <a:xfrm>
+            <a:off x="1154954" y="3124201"/>
+            <a:ext cx="8825660" cy="1653180"/>
+          </a:xfrm>
+        </p:spPr>
+        <p:txBody>
+          <a:bodyPr anchor="b"/>
+          <a:lstStyle>
+            <a:lvl1pPr algn="l">
+              <a:defRPr sz="4000" b="0" cap="none"/>
+            </a:lvl1pPr>
+          </a:lstStyle>
+          <a:p>
+            <a:r>
+              <a:rPr lang="en-US"/>
+              <a:t>Click to edit Master title style</a:t>
+            </a:r>
+            <a:endParaRPr lang="en-US" dirty="0"/>
+          </a:p>
+        </p:txBody>
+      </p:sp>
+      <p:sp>
+        <p:nvSpPr>
+          <p:cNvPr id="3" name="Text Placeholder 2"/>
+          <p:cNvSpPr>
+            <a:spLocks noGrp="1"/>
+          </p:cNvSpPr>
+          <p:nvPr>
+            <p:ph type="body" idx="1"/>
+          </p:nvPr>
+        </p:nvSpPr>
+        <p:spPr>
+          <a:xfrm>
+            <a:off x="1154954" y="4777381"/>
+            <a:ext cx="8825659" cy="860400"/>
+          </a:xfrm>
+        </p:spPr>
+        <p:txBody>
+          <a:bodyPr anchor="t"/>
+          <a:lstStyle>
+            <a:lvl1pPr marL="0" indent="0" algn="l">
+              <a:buNone/>
+              <a:defRPr sz="2000" cap="none">
+                <a:solidFill>
+                  <a:schemeClr val="bg2">
+                    <a:lumMod val="40000"/>
+                    <a:lumOff val="60000"/>
+                  </a:schemeClr>
+                </a:solidFill>
+              </a:defRPr>
+            </a:lvl1pPr>
+            <a:lvl2pPr marL="457200" indent="0">
+              <a:buNone/>
+              <a:defRPr sz="1800">
+                <a:solidFill>
+                  <a:schemeClr val="tx1">
+                    <a:tint val="75000"/>
+                  </a:schemeClr>
+                </a:solidFill>
+              </a:defRPr>
+            </a:lvl2pPr>
+            <a:lvl3pPr marL="914400" indent="0">
+              <a:buNone/>
+              <a:defRPr sz="1600">
+                <a:solidFill>
+                  <a:schemeClr val="tx1">
+                    <a:tint val="75000"/>
+                  </a:schemeClr>
+                </a:solidFill>
+              </a:defRPr>
+            </a:lvl3pPr>
+            <a:lvl4pPr marL="1371600" indent="0">
+              <a:buNone/>
+              <a:defRPr sz="1400">
+                <a:solidFill>
+                  <a:schemeClr val="tx1">
+                    <a:tint val="75000"/>
+                  </a:schemeClr>
+                </a:solidFill>
+              </a:defRPr>
+            </a:lvl4pPr>
+            <a:lvl5pPr marL="1828800" indent="0">
+              <a:buNone/>
+              <a:defRPr sz="1400">
+                <a:solidFill>
+                  <a:schemeClr val="tx1">
+                    <a:tint val="75000"/>
+                  </a:schemeClr>
+                </a:solidFill>
+              </a:defRPr>
+            </a:lvl5pPr>
+            <a:lvl6pPr marL="2286000" indent="0">
+              <a:buNone/>
+              <a:defRPr sz="1400">
+                <a:solidFill>
+                  <a:schemeClr val="tx1">
+                    <a:tint val="75000"/>
+                  </a:schemeClr>
+                </a:solidFill>
+              </a:defRPr>
+            </a:lvl6pPr>
+            <a:lvl7pPr marL="2743200" indent="0">
+              <a:buNone/>
+              <a:defRPr sz="1400">
+                <a:solidFill>
+                  <a:schemeClr val="tx1">
+                    <a:tint val="75000"/>
+                  </a:schemeClr>
+                </a:solidFill>
+              </a:defRPr>
+            </a:lvl7pPr>
+            <a:lvl8pPr marL="3200400" indent="0">
+              <a:buNone/>
+              <a:defRPr sz="1400">
+                <a:solidFill>
+                  <a:schemeClr val="tx1">
+                    <a:tint val="75000"/>
+                  </a:schemeClr>
+                </a:solidFill>
+              </a:defRPr>
+            </a:lvl8pPr>
+            <a:lvl9pPr marL="3657600" indent="0">
+              <a:buNone/>
+              <a:defRPr sz="1400">
+                <a:solidFill>
+                  <a:schemeClr val="tx1">
+                    <a:tint val="75000"/>
+                  </a:schemeClr>
+                </a:solidFill>
+              </a:defRPr>
+            </a:lvl9pPr>
+          </a:lstStyle>
+          <a:p>
+            <a:pPr lvl="0"/>
+            <a:r>
+              <a:rPr lang="en-US"/>
+              <a:t>Click to edit Master text styles</a:t>
+            </a:r>
+          </a:p>
+        </p:txBody>
+      </p:sp>
+      <p:sp>
+        <p:nvSpPr>
+          <p:cNvPr id="4" name="Date Placeholder 3"/>
+          <p:cNvSpPr>
+            <a:spLocks noGrp="1"/>
+          </p:cNvSpPr>
+          <p:nvPr>
+            <p:ph type="dt" sz="half" idx="10"/>
+          </p:nvPr>
+        </p:nvSpPr>
+        <p:spPr/>
+        <p:txBody>
+          <a:bodyPr/>
+          <a:lstStyle/>
+          <a:p>
+            <a:fld id="{46EF741B-8F3B-477F-95CC-F41594627B4C}" type="datetimeFigureOut">
+              <a:rPr lang="en-US" smtClean="0"/>
+              <a:t>7/10/2024</a:t>
+            </a:fld>
+            <a:endParaRPr lang="en-US"/>
+          </a:p>
+        </p:txBody>
+      </p:sp>
+      <p:sp>
+        <p:nvSpPr>
+          <p:cNvPr id="5" name="Footer Placeholder 4"/>
+          <p:cNvSpPr>
+            <a:spLocks noGrp="1"/>
+          </p:cNvSpPr>
+          <p:nvPr>
+            <p:ph type="ftr" sz="quarter" idx="11"/>
+          </p:nvPr>
+        </p:nvSpPr>
+        <p:spPr/>
+        <p:txBody>
+          <a:bodyPr/>
+          <a:lstStyle/>
+          <a:p>
+            <a:endParaRPr lang="en-US"/>
+          </a:p>
+        </p:txBody>
+      </p:sp>
+      <p:sp>
+        <p:nvSpPr>
+          <p:cNvPr id="6" name="Slide Number Placeholder 5"/>
+          <p:cNvSpPr>
+            <a:spLocks noGrp="1"/>
+          </p:cNvSpPr>
+          <p:nvPr>
+            <p:ph type="sldNum" sz="quarter" idx="12"/>
+          </p:nvPr>
+        </p:nvSpPr>
+        <p:spPr/>
+        <p:txBody>
+          <a:bodyPr/>
+          <a:lstStyle/>
+          <a:p>
+            <a:fld id="{DC567816-7F31-4B5B-A1CD-B4D9F90C20C3}" type="slidenum">
+              <a:rPr lang="en-US" smtClean="0"/>
+              <a:t>‹#›</a:t>
+            </a:fld>
+            <a:endParaRPr lang="en-US"/>
+          </a:p>
+        </p:txBody>
+      </p:sp>
+    </p:spTree>
+    <p:extLst>
+      <p:ext uri="{BB962C8B-B14F-4D97-AF65-F5344CB8AC3E}">
+        <p14:creationId xmlns:p14="http://schemas.microsoft.com/office/powerpoint/2010/main" val="2445483981"/>
+      </p:ext>
+    </p:extLst>
+  </p:cSld>
+  <p:clrMapOvr>
+    <a:masterClrMapping/>
+  </p:clrMapOvr>
+</p:sldLayout>
+</file>
+
+<file path=ppt/slideLayouts/slideLayout14.xml><?xml version="1.0" encoding="utf-8"?>
+<p:sldLayout xmlns:a="http://schemas.openxmlformats.org/drawingml/2006/main" xmlns:r="http://schemas.openxmlformats.org/officeDocument/2006/relationships" xmlns:p="http://schemas.openxmlformats.org/presentationml/2006/main" preserve="1">
+  <p:cSld name="3 Column">
+    <p:spTree>
+      <p:nvGrpSpPr>
+        <p:cNvPr id="1" name=""/>
+        <p:cNvGrpSpPr/>
+        <p:nvPr/>
+      </p:nvGrpSpPr>
+      <p:grpSpPr>
+        <a:xfrm>
+          <a:off x="0" y="0"/>
+          <a:ext cx="0" cy="0"/>
+          <a:chOff x="0" y="0"/>
+          <a:chExt cx="0" cy="0"/>
+        </a:xfrm>
+      </p:grpSpPr>
+      <p:sp>
+        <p:nvSpPr>
+          <p:cNvPr id="2" name="Title 1"/>
+          <p:cNvSpPr>
+            <a:spLocks noGrp="1"/>
+          </p:cNvSpPr>
+          <p:nvPr>
+            <p:ph type="title"/>
+          </p:nvPr>
+        </p:nvSpPr>
+        <p:spPr/>
+        <p:txBody>
+          <a:bodyPr/>
+          <a:lstStyle>
+            <a:lvl1pPr>
+              <a:defRPr sz="4200"/>
+            </a:lvl1pPr>
+          </a:lstStyle>
+          <a:p>
+            <a:r>
+              <a:rPr lang="en-US"/>
+              <a:t>Click to edit Master title style</a:t>
+            </a:r>
+            <a:endParaRPr lang="en-US" dirty="0"/>
+          </a:p>
+        </p:txBody>
+      </p:sp>
+      <p:sp>
+        <p:nvSpPr>
+          <p:cNvPr id="3" name="Text Placeholder 2"/>
+          <p:cNvSpPr>
+            <a:spLocks noGrp="1"/>
+          </p:cNvSpPr>
+          <p:nvPr>
+            <p:ph type="body" idx="1"/>
+          </p:nvPr>
+        </p:nvSpPr>
+        <p:spPr>
+          <a:xfrm>
+            <a:off x="632947" y="1981200"/>
+            <a:ext cx="2946866" cy="576262"/>
+          </a:xfrm>
+        </p:spPr>
+        <p:txBody>
+          <a:bodyPr anchor="b">
+            <a:noAutofit/>
+          </a:bodyPr>
+          <a:lstStyle>
+            <a:lvl1pPr marL="0" indent="0">
+              <a:buNone/>
+              <a:defRPr sz="2400" b="0">
+                <a:solidFill>
+                  <a:schemeClr val="bg2">
+                    <a:lumMod val="40000"/>
+                    <a:lumOff val="60000"/>
+                  </a:schemeClr>
+                </a:solidFill>
+              </a:defRPr>
+            </a:lvl1pPr>
+            <a:lvl2pPr marL="457200" indent="0">
+              <a:buNone/>
+              <a:defRPr sz="2000" b="1"/>
+            </a:lvl2pPr>
+            <a:lvl3pPr marL="914400" indent="0">
+              <a:buNone/>
+              <a:defRPr sz="1800" b="1"/>
+            </a:lvl3pPr>
+            <a:lvl4pPr marL="1371600" indent="0">
+              <a:buNone/>
+              <a:defRPr sz="1600" b="1"/>
+            </a:lvl4pPr>
+            <a:lvl5pPr marL="1828800" indent="0">
+              <a:buNone/>
+              <a:defRPr sz="1600" b="1"/>
+            </a:lvl5pPr>
+            <a:lvl6pPr marL="2286000" indent="0">
+              <a:buNone/>
+              <a:defRPr sz="1600" b="1"/>
+            </a:lvl6pPr>
+            <a:lvl7pPr marL="2743200" indent="0">
+              <a:buNone/>
+              <a:defRPr sz="1600" b="1"/>
+            </a:lvl7pPr>
+            <a:lvl8pPr marL="3200400" indent="0">
+              <a:buNone/>
+              <a:defRPr sz="1600" b="1"/>
+            </a:lvl8pPr>
+            <a:lvl9pPr marL="3657600" indent="0">
+              <a:buNone/>
+              <a:defRPr sz="1600" b="1"/>
+            </a:lvl9pPr>
+          </a:lstStyle>
+          <a:p>
+            <a:pPr lvl="0"/>
+            <a:r>
+              <a:rPr lang="en-US"/>
+              <a:t>Click to edit Master text styles</a:t>
+            </a:r>
+          </a:p>
+        </p:txBody>
+      </p:sp>
+      <p:sp>
+        <p:nvSpPr>
+          <p:cNvPr id="16" name="Text Placeholder 3"/>
+          <p:cNvSpPr>
+            <a:spLocks noGrp="1"/>
+          </p:cNvSpPr>
+          <p:nvPr>
+            <p:ph type="body" sz="half" idx="15"/>
+          </p:nvPr>
+        </p:nvSpPr>
+        <p:spPr>
+          <a:xfrm>
+            <a:off x="652463" y="2667000"/>
+            <a:ext cx="2927350" cy="3589338"/>
+          </a:xfrm>
+        </p:spPr>
+        <p:txBody>
+          <a:bodyPr anchor="t">
+            <a:normAutofit/>
+          </a:bodyPr>
+          <a:lstStyle>
+            <a:lvl1pPr marL="0" indent="0">
+              <a:buNone/>
+              <a:defRPr sz="1400"/>
+            </a:lvl1pPr>
+            <a:lvl2pPr marL="457200" indent="0">
+              <a:buNone/>
+              <a:defRPr sz="1200"/>
+            </a:lvl2pPr>
+            <a:lvl3pPr marL="914400" indent="0">
+              <a:buNone/>
+              <a:defRPr sz="1000"/>
+            </a:lvl3pPr>
+            <a:lvl4pPr marL="1371600" indent="0">
+              <a:buNone/>
+              <a:defRPr sz="900"/>
+            </a:lvl4pPr>
+            <a:lvl5pPr marL="1828800" indent="0">
+              <a:buNone/>
+              <a:defRPr sz="900"/>
+            </a:lvl5pPr>
+            <a:lvl6pPr marL="2286000" indent="0">
+              <a:buNone/>
+              <a:defRPr sz="900"/>
+            </a:lvl6pPr>
+            <a:lvl7pPr marL="2743200" indent="0">
+              <a:buNone/>
+              <a:defRPr sz="900"/>
+            </a:lvl7pPr>
+            <a:lvl8pPr marL="3200400" indent="0">
+              <a:buNone/>
+              <a:defRPr sz="900"/>
+            </a:lvl8pPr>
+            <a:lvl9pPr marL="3657600" indent="0">
+              <a:buNone/>
+              <a:defRPr sz="900"/>
+            </a:lvl9pPr>
+          </a:lstStyle>
+          <a:p>
+            <a:pPr lvl="0"/>
+            <a:r>
+              <a:rPr lang="en-US"/>
+              <a:t>Click to edit Master text styles</a:t>
+            </a:r>
+          </a:p>
+        </p:txBody>
+      </p:sp>
+      <p:sp>
+        <p:nvSpPr>
+          <p:cNvPr id="5" name="Text Placeholder 4"/>
+          <p:cNvSpPr>
+            <a:spLocks noGrp="1"/>
+          </p:cNvSpPr>
+          <p:nvPr>
+            <p:ph type="body" sz="quarter" idx="3"/>
+          </p:nvPr>
+        </p:nvSpPr>
+        <p:spPr>
+          <a:xfrm>
+            <a:off x="3883659" y="1981200"/>
+            <a:ext cx="2936241" cy="576262"/>
+          </a:xfrm>
+        </p:spPr>
+        <p:txBody>
+          <a:bodyPr anchor="b">
+            <a:noAutofit/>
+          </a:bodyPr>
+          <a:lstStyle>
+            <a:lvl1pPr marL="0" indent="0">
+              <a:buNone/>
+              <a:defRPr sz="2400" b="0">
+                <a:solidFill>
+                  <a:schemeClr val="bg2">
+                    <a:lumMod val="40000"/>
+                    <a:lumOff val="60000"/>
+                  </a:schemeClr>
+                </a:solidFill>
+              </a:defRPr>
+            </a:lvl1pPr>
+            <a:lvl2pPr marL="457200" indent="0">
+              <a:buNone/>
+              <a:defRPr sz="2000" b="1"/>
+            </a:lvl2pPr>
+            <a:lvl3pPr marL="914400" indent="0">
+              <a:buNone/>
+              <a:defRPr sz="1800" b="1"/>
+            </a:lvl3pPr>
+            <a:lvl4pPr marL="1371600" indent="0">
+              <a:buNone/>
+              <a:defRPr sz="1600" b="1"/>
+            </a:lvl4pPr>
+            <a:lvl5pPr marL="1828800" indent="0">
+              <a:buNone/>
+              <a:defRPr sz="1600" b="1"/>
+            </a:lvl5pPr>
+            <a:lvl6pPr marL="2286000" indent="0">
+              <a:buNone/>
+              <a:defRPr sz="1600" b="1"/>
+            </a:lvl6pPr>
+            <a:lvl7pPr marL="2743200" indent="0">
+              <a:buNone/>
+              <a:defRPr sz="1600" b="1"/>
+            </a:lvl7pPr>
+            <a:lvl8pPr marL="3200400" indent="0">
+              <a:buNone/>
+              <a:defRPr sz="1600" b="1"/>
+            </a:lvl8pPr>
+            <a:lvl9pPr marL="3657600" indent="0">
+              <a:buNone/>
+              <a:defRPr sz="1600" b="1"/>
+            </a:lvl9pPr>
+          </a:lstStyle>
+          <a:p>
+            <a:pPr lvl="0"/>
+            <a:r>
+              <a:rPr lang="en-US"/>
+              <a:t>Click to edit Master text styles</a:t>
+            </a:r>
+          </a:p>
+        </p:txBody>
+      </p:sp>
+      <p:sp>
+        <p:nvSpPr>
+          <p:cNvPr id="19" name="Text Placeholder 3"/>
+          <p:cNvSpPr>
+            <a:spLocks noGrp="1"/>
+          </p:cNvSpPr>
+          <p:nvPr>
+            <p:ph type="body" sz="half" idx="16"/>
+          </p:nvPr>
+        </p:nvSpPr>
+        <p:spPr>
+          <a:xfrm>
+            <a:off x="3873106" y="2667000"/>
+            <a:ext cx="2946794" cy="3589338"/>
+          </a:xfrm>
+        </p:spPr>
+        <p:txBody>
+          <a:bodyPr anchor="t">
+            <a:normAutofit/>
+          </a:bodyPr>
+          <a:lstStyle>
+            <a:lvl1pPr marL="0" indent="0">
+              <a:buNone/>
+              <a:defRPr sz="1400"/>
+            </a:lvl1pPr>
+            <a:lvl2pPr marL="457200" indent="0">
+              <a:buNone/>
+              <a:defRPr sz="1200"/>
+            </a:lvl2pPr>
+            <a:lvl3pPr marL="914400" indent="0">
+              <a:buNone/>
+              <a:defRPr sz="1000"/>
+            </a:lvl3pPr>
+            <a:lvl4pPr marL="1371600" indent="0">
+              <a:buNone/>
+              <a:defRPr sz="900"/>
+            </a:lvl4pPr>
+            <a:lvl5pPr marL="1828800" indent="0">
+              <a:buNone/>
+              <a:defRPr sz="900"/>
+            </a:lvl5pPr>
+            <a:lvl6pPr marL="2286000" indent="0">
+              <a:buNone/>
+              <a:defRPr sz="900"/>
+            </a:lvl6pPr>
+            <a:lvl7pPr marL="2743200" indent="0">
+              <a:buNone/>
+              <a:defRPr sz="900"/>
+            </a:lvl7pPr>
+            <a:lvl8pPr marL="3200400" indent="0">
+              <a:buNone/>
+              <a:defRPr sz="900"/>
+            </a:lvl8pPr>
+            <a:lvl9pPr marL="3657600" indent="0">
+              <a:buNone/>
+              <a:defRPr sz="900"/>
+            </a:lvl9pPr>
+          </a:lstStyle>
+          <a:p>
+            <a:pPr lvl="0"/>
+            <a:r>
+              <a:rPr lang="en-US"/>
+              <a:t>Click to edit Master text styles</a:t>
+            </a:r>
+          </a:p>
+        </p:txBody>
+      </p:sp>
+      <p:sp>
+        <p:nvSpPr>
+          <p:cNvPr id="14" name="Text Placeholder 4"/>
+          <p:cNvSpPr>
+            <a:spLocks noGrp="1"/>
+          </p:cNvSpPr>
+          <p:nvPr>
+            <p:ph type="body" sz="quarter" idx="13"/>
+          </p:nvPr>
+        </p:nvSpPr>
+        <p:spPr>
+          <a:xfrm>
+            <a:off x="7124700" y="1981200"/>
+            <a:ext cx="2932113" cy="576262"/>
+          </a:xfrm>
+        </p:spPr>
+        <p:txBody>
+          <a:bodyPr anchor="b">
+            <a:noAutofit/>
+          </a:bodyPr>
+          <a:lstStyle>
+            <a:lvl1pPr marL="0" indent="0">
+              <a:buNone/>
+              <a:defRPr sz="2400" b="0">
+                <a:solidFill>
+                  <a:schemeClr val="bg2">
+                    <a:lumMod val="40000"/>
+                    <a:lumOff val="60000"/>
+                  </a:schemeClr>
+                </a:solidFill>
+              </a:defRPr>
+            </a:lvl1pPr>
+            <a:lvl2pPr marL="457200" indent="0">
+              <a:buNone/>
+              <a:defRPr sz="2000" b="1"/>
+            </a:lvl2pPr>
+            <a:lvl3pPr marL="914400" indent="0">
+              <a:buNone/>
+              <a:defRPr sz="1800" b="1"/>
+            </a:lvl3pPr>
+            <a:lvl4pPr marL="1371600" indent="0">
+              <a:buNone/>
+              <a:defRPr sz="1600" b="1"/>
+            </a:lvl4pPr>
+            <a:lvl5pPr marL="1828800" indent="0">
+              <a:buNone/>
+              <a:defRPr sz="1600" b="1"/>
+            </a:lvl5pPr>
+            <a:lvl6pPr marL="2286000" indent="0">
+              <a:buNone/>
+              <a:defRPr sz="1600" b="1"/>
+            </a:lvl6pPr>
+            <a:lvl7pPr marL="2743200" indent="0">
+              <a:buNone/>
+              <a:defRPr sz="1600" b="1"/>
+            </a:lvl7pPr>
+            <a:lvl8pPr marL="3200400" indent="0">
+              <a:buNone/>
+              <a:defRPr sz="1600" b="1"/>
+            </a:lvl8pPr>
+            <a:lvl9pPr marL="3657600" indent="0">
+              <a:buNone/>
+              <a:defRPr sz="1600" b="1"/>
+            </a:lvl9pPr>
+          </a:lstStyle>
+          <a:p>
+            <a:pPr lvl="0"/>
+            <a:r>
+              <a:rPr lang="en-US"/>
+              <a:t>Click to edit Master text styles</a:t>
+            </a:r>
+          </a:p>
+        </p:txBody>
+      </p:sp>
+      <p:sp>
+        <p:nvSpPr>
+          <p:cNvPr id="20" name="Text Placeholder 3"/>
+          <p:cNvSpPr>
+            <a:spLocks noGrp="1"/>
+          </p:cNvSpPr>
+          <p:nvPr>
+            <p:ph type="body" sz="half" idx="17"/>
+          </p:nvPr>
+        </p:nvSpPr>
+        <p:spPr>
+          <a:xfrm>
+            <a:off x="7124700" y="2667000"/>
+            <a:ext cx="2932113" cy="3589338"/>
+          </a:xfrm>
+        </p:spPr>
+        <p:txBody>
+          <a:bodyPr anchor="t">
+            <a:normAutofit/>
+          </a:bodyPr>
+          <a:lstStyle>
+            <a:lvl1pPr marL="0" indent="0">
+              <a:buNone/>
+              <a:defRPr sz="1400"/>
+            </a:lvl1pPr>
+            <a:lvl2pPr marL="457200" indent="0">
+              <a:buNone/>
+              <a:defRPr sz="1200"/>
+            </a:lvl2pPr>
+            <a:lvl3pPr marL="914400" indent="0">
+              <a:buNone/>
+              <a:defRPr sz="1000"/>
+            </a:lvl3pPr>
+            <a:lvl4pPr marL="1371600" indent="0">
+              <a:buNone/>
+              <a:defRPr sz="900"/>
+            </a:lvl4pPr>
+            <a:lvl5pPr marL="1828800" indent="0">
+              <a:buNone/>
+              <a:defRPr sz="900"/>
+            </a:lvl5pPr>
+            <a:lvl6pPr marL="2286000" indent="0">
+              <a:buNone/>
+              <a:defRPr sz="900"/>
+            </a:lvl6pPr>
+            <a:lvl7pPr marL="2743200" indent="0">
+              <a:buNone/>
+              <a:defRPr sz="900"/>
+            </a:lvl7pPr>
+            <a:lvl8pPr marL="3200400" indent="0">
+              <a:buNone/>
+              <a:defRPr sz="900"/>
+            </a:lvl8pPr>
+            <a:lvl9pPr marL="3657600" indent="0">
+              <a:buNone/>
+              <a:defRPr sz="900"/>
+            </a:lvl9pPr>
+          </a:lstStyle>
+          <a:p>
+            <a:pPr lvl="0"/>
+            <a:r>
+              <a:rPr lang="en-US"/>
+              <a:t>Click to edit Master text styles</a:t>
+            </a:r>
+          </a:p>
+        </p:txBody>
+      </p:sp>
+      <p:cxnSp>
+        <p:nvCxnSpPr>
+          <p:cNvPr id="17" name="Straight Connector 16"/>
+          <p:cNvCxnSpPr/>
+          <p:nvPr/>
+        </p:nvCxnSpPr>
+        <p:spPr>
+          <a:xfrm>
+            <a:off x="3726142" y="2133600"/>
+            <a:ext cx="0" cy="3962400"/>
+          </a:xfrm>
+          <a:prstGeom prst="line">
+            <a:avLst/>
+          </a:prstGeom>
+          <a:ln w="12700" cmpd="sng">
+            <a:solidFill>
+              <a:schemeClr val="bg2">
+                <a:lumMod val="40000"/>
+                <a:lumOff val="60000"/>
+                <a:alpha val="40000"/>
+              </a:schemeClr>
+            </a:solidFill>
+          </a:ln>
+        </p:spPr>
+        <p:style>
+          <a:lnRef idx="2">
+            <a:schemeClr val="accent1"/>
+          </a:lnRef>
+          <a:fillRef idx="0">
+            <a:schemeClr val="accent1"/>
+          </a:fillRef>
+          <a:effectRef idx="1">
+            <a:schemeClr val="accent1"/>
+          </a:effectRef>
+          <a:fontRef idx="minor">
+            <a:schemeClr val="tx1"/>
+          </a:fontRef>
+        </p:style>
+      </p:cxnSp>
+      <p:cxnSp>
+        <p:nvCxnSpPr>
+          <p:cNvPr id="18" name="Straight Connector 17"/>
+          <p:cNvCxnSpPr/>
+          <p:nvPr/>
+        </p:nvCxnSpPr>
+        <p:spPr>
+          <a:xfrm>
+            <a:off x="6962227" y="2133600"/>
+            <a:ext cx="0" cy="3966882"/>
+          </a:xfrm>
+          <a:prstGeom prst="line">
+            <a:avLst/>
+          </a:prstGeom>
+          <a:ln w="12700" cmpd="sng">
+            <a:solidFill>
+              <a:schemeClr val="bg2">
+                <a:lumMod val="40000"/>
+                <a:lumOff val="60000"/>
+                <a:alpha val="40000"/>
+              </a:schemeClr>
+            </a:solidFill>
+          </a:ln>
+        </p:spPr>
+        <p:style>
+          <a:lnRef idx="2">
+            <a:schemeClr val="accent1"/>
+          </a:lnRef>
+          <a:fillRef idx="0">
+            <a:schemeClr val="accent1"/>
+          </a:fillRef>
+          <a:effectRef idx="1">
+            <a:schemeClr val="accent1"/>
+          </a:effectRef>
+          <a:fontRef idx="minor">
+            <a:schemeClr val="tx1"/>
+          </a:fontRef>
+        </p:style>
+      </p:cxnSp>
+      <p:sp>
+        <p:nvSpPr>
+          <p:cNvPr id="7" name="Date Placeholder 3"/>
+          <p:cNvSpPr>
+            <a:spLocks noGrp="1"/>
+          </p:cNvSpPr>
+          <p:nvPr>
+            <p:ph type="dt" sz="half" idx="10"/>
+          </p:nvPr>
+        </p:nvSpPr>
+        <p:spPr/>
+        <p:txBody>
+          <a:bodyPr/>
+          <a:lstStyle/>
+          <a:p>
+            <a:fld id="{46EF741B-8F3B-477F-95CC-F41594627B4C}" type="datetimeFigureOut">
+              <a:rPr lang="en-US" smtClean="0"/>
+              <a:t>7/10/2024</a:t>
+            </a:fld>
+            <a:endParaRPr lang="en-US"/>
+          </a:p>
+        </p:txBody>
+      </p:sp>
+      <p:sp>
+        <p:nvSpPr>
+          <p:cNvPr id="4" name="Footer Placeholder 4"/>
+          <p:cNvSpPr>
+            <a:spLocks noGrp="1"/>
+          </p:cNvSpPr>
+          <p:nvPr>
+            <p:ph type="ftr" sz="quarter" idx="11"/>
+          </p:nvPr>
+        </p:nvSpPr>
+        <p:spPr/>
+        <p:txBody>
+          <a:bodyPr/>
+          <a:lstStyle/>
+          <a:p>
+            <a:endParaRPr lang="en-US"/>
+          </a:p>
+        </p:txBody>
+      </p:sp>
+      <p:sp>
+        <p:nvSpPr>
+          <p:cNvPr id="6" name="Slide Number Placeholder 5"/>
+          <p:cNvSpPr>
+            <a:spLocks noGrp="1"/>
+          </p:cNvSpPr>
+          <p:nvPr>
+            <p:ph type="sldNum" sz="quarter" idx="12"/>
+          </p:nvPr>
+        </p:nvSpPr>
+        <p:spPr/>
+        <p:txBody>
+          <a:bodyPr/>
+          <a:lstStyle/>
+          <a:p>
+            <a:fld id="{DC567816-7F31-4B5B-A1CD-B4D9F90C20C3}" type="slidenum">
+              <a:rPr lang="en-US" smtClean="0"/>
+              <a:t>‹#›</a:t>
+            </a:fld>
+            <a:endParaRPr lang="en-US"/>
+          </a:p>
+        </p:txBody>
+      </p:sp>
+    </p:spTree>
+    <p:extLst>
+      <p:ext uri="{BB962C8B-B14F-4D97-AF65-F5344CB8AC3E}">
+        <p14:creationId xmlns:p14="http://schemas.microsoft.com/office/powerpoint/2010/main" val="2922206940"/>
+      </p:ext>
+    </p:extLst>
+  </p:cSld>
+  <p:clrMapOvr>
+    <a:masterClrMapping/>
+  </p:clrMapOvr>
+</p:sldLayout>
+</file>
+
+<file path=ppt/slideLayouts/slideLayout15.xml><?xml version="1.0" encoding="utf-8"?>
+<p:sldLayout xmlns:a="http://schemas.openxmlformats.org/drawingml/2006/main" xmlns:r="http://schemas.openxmlformats.org/officeDocument/2006/relationships" xmlns:p="http://schemas.openxmlformats.org/presentationml/2006/main" preserve="1">
+  <p:cSld name="3 Picture Column">
+    <p:spTree>
+      <p:nvGrpSpPr>
+        <p:cNvPr id="1" name=""/>
+        <p:cNvGrpSpPr/>
+        <p:nvPr/>
+      </p:nvGrpSpPr>
+      <p:grpSpPr>
+        <a:xfrm>
+          <a:off x="0" y="0"/>
+          <a:ext cx="0" cy="0"/>
+          <a:chOff x="0" y="0"/>
+          <a:chExt cx="0" cy="0"/>
+        </a:xfrm>
+      </p:grpSpPr>
+      <p:sp>
+        <p:nvSpPr>
+          <p:cNvPr id="2" name="Title 1"/>
+          <p:cNvSpPr>
+            <a:spLocks noGrp="1"/>
+          </p:cNvSpPr>
+          <p:nvPr>
+            <p:ph type="title"/>
+          </p:nvPr>
+        </p:nvSpPr>
+        <p:spPr/>
+        <p:txBody>
+          <a:bodyPr/>
+          <a:lstStyle>
+            <a:lvl1pPr>
+              <a:defRPr sz="4200"/>
+            </a:lvl1pPr>
+          </a:lstStyle>
+          <a:p>
+            <a:r>
+              <a:rPr lang="en-US"/>
+              <a:t>Click to edit Master title style</a:t>
+            </a:r>
+            <a:endParaRPr lang="en-US" dirty="0"/>
+          </a:p>
+        </p:txBody>
+      </p:sp>
+      <p:sp>
+        <p:nvSpPr>
+          <p:cNvPr id="3" name="Text Placeholder 2"/>
+          <p:cNvSpPr>
+            <a:spLocks noGrp="1"/>
+          </p:cNvSpPr>
+          <p:nvPr>
+            <p:ph type="body" idx="1"/>
+          </p:nvPr>
+        </p:nvSpPr>
+        <p:spPr>
+          <a:xfrm>
+            <a:off x="652463" y="4250949"/>
+            <a:ext cx="2940050" cy="576262"/>
+          </a:xfrm>
+        </p:spPr>
+        <p:txBody>
+          <a:bodyPr anchor="b">
+            <a:noAutofit/>
+          </a:bodyPr>
+          <a:lstStyle>
+            <a:lvl1pPr marL="0" indent="0">
+              <a:buNone/>
+              <a:defRPr sz="2400" b="0">
+                <a:solidFill>
+                  <a:schemeClr val="bg2">
+                    <a:lumMod val="40000"/>
+                    <a:lumOff val="60000"/>
+                  </a:schemeClr>
+                </a:solidFill>
+              </a:defRPr>
+            </a:lvl1pPr>
+            <a:lvl2pPr marL="457200" indent="0">
+              <a:buNone/>
+              <a:defRPr sz="2000" b="1"/>
+            </a:lvl2pPr>
+            <a:lvl3pPr marL="914400" indent="0">
+              <a:buNone/>
+              <a:defRPr sz="1800" b="1"/>
+            </a:lvl3pPr>
+            <a:lvl4pPr marL="1371600" indent="0">
+              <a:buNone/>
+              <a:defRPr sz="1600" b="1"/>
+            </a:lvl4pPr>
+            <a:lvl5pPr marL="1828800" indent="0">
+              <a:buNone/>
+              <a:defRPr sz="1600" b="1"/>
+            </a:lvl5pPr>
+            <a:lvl6pPr marL="2286000" indent="0">
+              <a:buNone/>
+              <a:defRPr sz="1600" b="1"/>
+            </a:lvl6pPr>
+            <a:lvl7pPr marL="2743200" indent="0">
+              <a:buNone/>
+              <a:defRPr sz="1600" b="1"/>
+            </a:lvl7pPr>
+            <a:lvl8pPr marL="3200400" indent="0">
+              <a:buNone/>
+              <a:defRPr sz="1600" b="1"/>
+            </a:lvl8pPr>
+            <a:lvl9pPr marL="3657600" indent="0">
+              <a:buNone/>
+              <a:defRPr sz="1600" b="1"/>
+            </a:lvl9pPr>
+          </a:lstStyle>
+          <a:p>
+            <a:pPr lvl="0"/>
+            <a:r>
+              <a:rPr lang="en-US"/>
+              <a:t>Click to edit Master text styles</a:t>
+            </a:r>
+          </a:p>
+        </p:txBody>
+      </p:sp>
+      <p:sp>
+        <p:nvSpPr>
+          <p:cNvPr id="29" name="Picture Placeholder 2"/>
+          <p:cNvSpPr>
+            <a:spLocks noGrp="1" noChangeAspect="1"/>
+          </p:cNvSpPr>
+          <p:nvPr>
+            <p:ph type="pic" idx="15"/>
+          </p:nvPr>
+        </p:nvSpPr>
+        <p:spPr>
+          <a:xfrm>
+            <a:off x="652463" y="2209800"/>
+            <a:ext cx="2940050" cy="1524000"/>
+          </a:xfrm>
+          <a:prstGeom prst="roundRect">
+            <a:avLst>
+              <a:gd name="adj" fmla="val 1858"/>
+            </a:avLst>
+          </a:prstGeom>
+          <a:effectLst>
+            <a:outerShdw blurRad="50800" dist="50800" dir="5400000" algn="tl" rotWithShape="0">
+              <a:srgbClr val="000000">
+                <a:alpha val="43000"/>
+              </a:srgbClr>
+            </a:outerShdw>
+          </a:effectLst>
+        </p:spPr>
+        <p:txBody>
+          <a:bodyPr anchor="t">
+            <a:normAutofit/>
+          </a:bodyPr>
+          <a:lstStyle>
+            <a:lvl1pPr marL="0" indent="0" algn="ctr">
+              <a:buNone/>
+              <a:defRPr sz="1600"/>
+            </a:lvl1pPr>
+            <a:lvl2pPr marL="457200" indent="0">
+              <a:buNone/>
+              <a:defRPr sz="1600"/>
+            </a:lvl2pPr>
+            <a:lvl3pPr marL="914400" indent="0">
+              <a:buNone/>
+              <a:defRPr sz="1600"/>
+            </a:lvl3pPr>
+            <a:lvl4pPr marL="1371600" indent="0">
+              <a:buNone/>
+              <a:defRPr sz="1600"/>
+            </a:lvl4pPr>
+            <a:lvl5pPr marL="1828800" indent="0">
+              <a:buNone/>
+              <a:defRPr sz="1600"/>
+            </a:lvl5pPr>
+            <a:lvl6pPr marL="2286000" indent="0">
+              <a:buNone/>
+              <a:defRPr sz="1600"/>
+            </a:lvl6pPr>
+            <a:lvl7pPr marL="2743200" indent="0">
+              <a:buNone/>
+              <a:defRPr sz="1600"/>
+            </a:lvl7pPr>
+            <a:lvl8pPr marL="3200400" indent="0">
+              <a:buNone/>
+              <a:defRPr sz="1600"/>
+            </a:lvl8pPr>
+            <a:lvl9pPr marL="3657600" indent="0">
+              <a:buNone/>
+              <a:defRPr sz="1600"/>
+            </a:lvl9pPr>
+          </a:lstStyle>
+          <a:p>
+            <a:r>
+              <a:rPr lang="en-US"/>
+              <a:t>Click icon to add picture</a:t>
+            </a:r>
+            <a:endParaRPr lang="en-US" dirty="0"/>
+          </a:p>
+        </p:txBody>
+      </p:sp>
+      <p:sp>
+        <p:nvSpPr>
+          <p:cNvPr id="22" name="Text Placeholder 3"/>
+          <p:cNvSpPr>
+            <a:spLocks noGrp="1"/>
+          </p:cNvSpPr>
+          <p:nvPr>
+            <p:ph type="body" sz="half" idx="18"/>
+          </p:nvPr>
+        </p:nvSpPr>
+        <p:spPr>
+          <a:xfrm>
+            <a:off x="652463" y="4827211"/>
+            <a:ext cx="2940050" cy="659189"/>
+          </a:xfrm>
+        </p:spPr>
+        <p:txBody>
+          <a:bodyPr anchor="t">
+            <a:normAutofit/>
+          </a:bodyPr>
+          <a:lstStyle>
+            <a:lvl1pPr marL="0" indent="0">
+              <a:buNone/>
+              <a:defRPr sz="1400"/>
+            </a:lvl1pPr>
+            <a:lvl2pPr marL="457200" indent="0">
+              <a:buNone/>
+              <a:defRPr sz="1200"/>
+            </a:lvl2pPr>
+            <a:lvl3pPr marL="914400" indent="0">
+              <a:buNone/>
+              <a:defRPr sz="1000"/>
+            </a:lvl3pPr>
+            <a:lvl4pPr marL="1371600" indent="0">
+              <a:buNone/>
+              <a:defRPr sz="900"/>
+            </a:lvl4pPr>
+            <a:lvl5pPr marL="1828800" indent="0">
+              <a:buNone/>
+              <a:defRPr sz="900"/>
+            </a:lvl5pPr>
+            <a:lvl6pPr marL="2286000" indent="0">
+              <a:buNone/>
+              <a:defRPr sz="900"/>
+            </a:lvl6pPr>
+            <a:lvl7pPr marL="2743200" indent="0">
+              <a:buNone/>
+              <a:defRPr sz="900"/>
+            </a:lvl7pPr>
+            <a:lvl8pPr marL="3200400" indent="0">
+              <a:buNone/>
+              <a:defRPr sz="900"/>
+            </a:lvl8pPr>
+            <a:lvl9pPr marL="3657600" indent="0">
+              <a:buNone/>
+              <a:defRPr sz="900"/>
+            </a:lvl9pPr>
+          </a:lstStyle>
+          <a:p>
+            <a:pPr lvl="0"/>
+            <a:r>
+              <a:rPr lang="en-US"/>
+              <a:t>Click to edit Master text styles</a:t>
+            </a:r>
+          </a:p>
+        </p:txBody>
+      </p:sp>
+      <p:sp>
+        <p:nvSpPr>
+          <p:cNvPr id="5" name="Text Placeholder 4"/>
+          <p:cNvSpPr>
+            <a:spLocks noGrp="1"/>
+          </p:cNvSpPr>
+          <p:nvPr>
+            <p:ph type="body" sz="quarter" idx="3"/>
+          </p:nvPr>
+        </p:nvSpPr>
+        <p:spPr>
+          <a:xfrm>
+            <a:off x="3889375" y="4250949"/>
+            <a:ext cx="2930525" cy="576262"/>
+          </a:xfrm>
+        </p:spPr>
+        <p:txBody>
+          <a:bodyPr anchor="b">
+            <a:noAutofit/>
+          </a:bodyPr>
+          <a:lstStyle>
+            <a:lvl1pPr marL="0" indent="0">
+              <a:buNone/>
+              <a:defRPr sz="2400" b="0">
+                <a:solidFill>
+                  <a:schemeClr val="bg2">
+                    <a:lumMod val="40000"/>
+                    <a:lumOff val="60000"/>
+                  </a:schemeClr>
+                </a:solidFill>
+              </a:defRPr>
+            </a:lvl1pPr>
+            <a:lvl2pPr marL="457200" indent="0">
+              <a:buNone/>
+              <a:defRPr sz="2000" b="1"/>
+            </a:lvl2pPr>
+            <a:lvl3pPr marL="914400" indent="0">
+              <a:buNone/>
+              <a:defRPr sz="1800" b="1"/>
+            </a:lvl3pPr>
+            <a:lvl4pPr marL="1371600" indent="0">
+              <a:buNone/>
+              <a:defRPr sz="1600" b="1"/>
+            </a:lvl4pPr>
+            <a:lvl5pPr marL="1828800" indent="0">
+              <a:buNone/>
+              <a:defRPr sz="1600" b="1"/>
+            </a:lvl5pPr>
+            <a:lvl6pPr marL="2286000" indent="0">
+              <a:buNone/>
+              <a:defRPr sz="1600" b="1"/>
+            </a:lvl6pPr>
+            <a:lvl7pPr marL="2743200" indent="0">
+              <a:buNone/>
+              <a:defRPr sz="1600" b="1"/>
+            </a:lvl7pPr>
+            <a:lvl8pPr marL="3200400" indent="0">
+              <a:buNone/>
+              <a:defRPr sz="1600" b="1"/>
+            </a:lvl8pPr>
+            <a:lvl9pPr marL="3657600" indent="0">
+              <a:buNone/>
+              <a:defRPr sz="1600" b="1"/>
+            </a:lvl9pPr>
+          </a:lstStyle>
+          <a:p>
+            <a:pPr lvl="0"/>
+            <a:r>
+              <a:rPr lang="en-US"/>
+              <a:t>Click to edit Master text styles</a:t>
+            </a:r>
+          </a:p>
+        </p:txBody>
+      </p:sp>
+      <p:sp>
+        <p:nvSpPr>
+          <p:cNvPr id="30" name="Picture Placeholder 2"/>
+          <p:cNvSpPr>
+            <a:spLocks noGrp="1" noChangeAspect="1"/>
+          </p:cNvSpPr>
+          <p:nvPr>
+            <p:ph type="pic" idx="21"/>
+          </p:nvPr>
+        </p:nvSpPr>
+        <p:spPr>
+          <a:xfrm>
+            <a:off x="3889374" y="2209800"/>
+            <a:ext cx="2930525" cy="1524000"/>
+          </a:xfrm>
+          <a:prstGeom prst="roundRect">
+            <a:avLst>
+              <a:gd name="adj" fmla="val 1858"/>
+            </a:avLst>
+          </a:prstGeom>
+          <a:effectLst>
+            <a:outerShdw blurRad="50800" dist="50800" dir="5400000" algn="tl" rotWithShape="0">
+              <a:srgbClr val="000000">
+                <a:alpha val="43000"/>
+              </a:srgbClr>
+            </a:outerShdw>
+          </a:effectLst>
+        </p:spPr>
+        <p:txBody>
+          <a:bodyPr anchor="t">
+            <a:normAutofit/>
+          </a:bodyPr>
+          <a:lstStyle>
+            <a:lvl1pPr marL="0" indent="0" algn="ctr">
+              <a:buNone/>
+              <a:defRPr sz="1600"/>
+            </a:lvl1pPr>
+            <a:lvl2pPr marL="457200" indent="0">
+              <a:buNone/>
+              <a:defRPr sz="1600"/>
+            </a:lvl2pPr>
+            <a:lvl3pPr marL="914400" indent="0">
+              <a:buNone/>
+              <a:defRPr sz="1600"/>
+            </a:lvl3pPr>
+            <a:lvl4pPr marL="1371600" indent="0">
+              <a:buNone/>
+              <a:defRPr sz="1600"/>
+            </a:lvl4pPr>
+            <a:lvl5pPr marL="1828800" indent="0">
+              <a:buNone/>
+              <a:defRPr sz="1600"/>
+            </a:lvl5pPr>
+            <a:lvl6pPr marL="2286000" indent="0">
+              <a:buNone/>
+              <a:defRPr sz="1600"/>
+            </a:lvl6pPr>
+            <a:lvl7pPr marL="2743200" indent="0">
+              <a:buNone/>
+              <a:defRPr sz="1600"/>
+            </a:lvl7pPr>
+            <a:lvl8pPr marL="3200400" indent="0">
+              <a:buNone/>
+              <a:defRPr sz="1600"/>
+            </a:lvl8pPr>
+            <a:lvl9pPr marL="3657600" indent="0">
+              <a:buNone/>
+              <a:defRPr sz="1600"/>
+            </a:lvl9pPr>
+          </a:lstStyle>
+          <a:p>
+            <a:r>
+              <a:rPr lang="en-US"/>
+              <a:t>Click icon to add picture</a:t>
+            </a:r>
+            <a:endParaRPr lang="en-US" dirty="0"/>
+          </a:p>
+        </p:txBody>
+      </p:sp>
+      <p:sp>
+        <p:nvSpPr>
+          <p:cNvPr id="23" name="Text Placeholder 3"/>
+          <p:cNvSpPr>
+            <a:spLocks noGrp="1"/>
+          </p:cNvSpPr>
+          <p:nvPr>
+            <p:ph type="body" sz="half" idx="19"/>
+          </p:nvPr>
+        </p:nvSpPr>
+        <p:spPr>
+          <a:xfrm>
+            <a:off x="3888022" y="4827210"/>
+            <a:ext cx="2934406" cy="659189"/>
+          </a:xfrm>
+        </p:spPr>
+        <p:txBody>
+          <a:bodyPr anchor="t">
+            <a:normAutofit/>
+          </a:bodyPr>
+          <a:lstStyle>
+            <a:lvl1pPr marL="0" indent="0">
+              <a:buNone/>
+              <a:defRPr sz="1400"/>
+            </a:lvl1pPr>
+            <a:lvl2pPr marL="457200" indent="0">
+              <a:buNone/>
+              <a:defRPr sz="1200"/>
+            </a:lvl2pPr>
+            <a:lvl3pPr marL="914400" indent="0">
+              <a:buNone/>
+              <a:defRPr sz="1000"/>
+            </a:lvl3pPr>
+            <a:lvl4pPr marL="1371600" indent="0">
+              <a:buNone/>
+              <a:defRPr sz="900"/>
+            </a:lvl4pPr>
+            <a:lvl5pPr marL="1828800" indent="0">
+              <a:buNone/>
+              <a:defRPr sz="900"/>
+            </a:lvl5pPr>
+            <a:lvl6pPr marL="2286000" indent="0">
+              <a:buNone/>
+              <a:defRPr sz="900"/>
+            </a:lvl6pPr>
+            <a:lvl7pPr marL="2743200" indent="0">
+              <a:buNone/>
+              <a:defRPr sz="900"/>
+            </a:lvl7pPr>
+            <a:lvl8pPr marL="3200400" indent="0">
+              <a:buNone/>
+              <a:defRPr sz="900"/>
+            </a:lvl8pPr>
+            <a:lvl9pPr marL="3657600" indent="0">
+              <a:buNone/>
+              <a:defRPr sz="900"/>
+            </a:lvl9pPr>
+          </a:lstStyle>
+          <a:p>
+            <a:pPr lvl="0"/>
+            <a:r>
+              <a:rPr lang="en-US"/>
+              <a:t>Click to edit Master text styles</a:t>
+            </a:r>
+          </a:p>
+        </p:txBody>
+      </p:sp>
+      <p:sp>
+        <p:nvSpPr>
+          <p:cNvPr id="14" name="Text Placeholder 4"/>
+          <p:cNvSpPr>
+            <a:spLocks noGrp="1"/>
+          </p:cNvSpPr>
+          <p:nvPr>
+            <p:ph type="body" sz="quarter" idx="13"/>
+          </p:nvPr>
+        </p:nvSpPr>
+        <p:spPr>
+          <a:xfrm>
+            <a:off x="7124700" y="4250949"/>
+            <a:ext cx="2932113" cy="576262"/>
+          </a:xfrm>
+        </p:spPr>
+        <p:txBody>
+          <a:bodyPr anchor="b">
+            <a:noAutofit/>
+          </a:bodyPr>
+          <a:lstStyle>
+            <a:lvl1pPr marL="0" indent="0">
+              <a:buNone/>
+              <a:defRPr sz="2400" b="0">
+                <a:solidFill>
+                  <a:schemeClr val="bg2">
+                    <a:lumMod val="40000"/>
+                    <a:lumOff val="60000"/>
+                  </a:schemeClr>
+                </a:solidFill>
+              </a:defRPr>
+            </a:lvl1pPr>
+            <a:lvl2pPr marL="457200" indent="0">
+              <a:buNone/>
+              <a:defRPr sz="2000" b="1"/>
+            </a:lvl2pPr>
+            <a:lvl3pPr marL="914400" indent="0">
+              <a:buNone/>
+              <a:defRPr sz="1800" b="1"/>
+            </a:lvl3pPr>
+            <a:lvl4pPr marL="1371600" indent="0">
+              <a:buNone/>
+              <a:defRPr sz="1600" b="1"/>
+            </a:lvl4pPr>
+            <a:lvl5pPr marL="1828800" indent="0">
+              <a:buNone/>
+              <a:defRPr sz="1600" b="1"/>
+            </a:lvl5pPr>
+            <a:lvl6pPr marL="2286000" indent="0">
+              <a:buNone/>
+              <a:defRPr sz="1600" b="1"/>
+            </a:lvl6pPr>
+            <a:lvl7pPr marL="2743200" indent="0">
+              <a:buNone/>
+              <a:defRPr sz="1600" b="1"/>
+            </a:lvl7pPr>
+            <a:lvl8pPr marL="3200400" indent="0">
+              <a:buNone/>
+              <a:defRPr sz="1600" b="1"/>
+            </a:lvl8pPr>
+            <a:lvl9pPr marL="3657600" indent="0">
+              <a:buNone/>
+              <a:defRPr sz="1600" b="1"/>
+            </a:lvl9pPr>
+          </a:lstStyle>
+          <a:p>
+            <a:pPr lvl="0"/>
+            <a:r>
+              <a:rPr lang="en-US"/>
+              <a:t>Click to edit Master text styles</a:t>
+            </a:r>
+          </a:p>
+        </p:txBody>
+      </p:sp>
+      <p:sp>
+        <p:nvSpPr>
+          <p:cNvPr id="31" name="Picture Placeholder 2"/>
+          <p:cNvSpPr>
+            <a:spLocks noGrp="1" noChangeAspect="1"/>
+          </p:cNvSpPr>
+          <p:nvPr>
+            <p:ph type="pic" idx="22"/>
+          </p:nvPr>
+        </p:nvSpPr>
+        <p:spPr>
+          <a:xfrm>
+            <a:off x="7124699" y="2209800"/>
+            <a:ext cx="2932113" cy="1524000"/>
+          </a:xfrm>
+          <a:prstGeom prst="roundRect">
+            <a:avLst>
+              <a:gd name="adj" fmla="val 1858"/>
+            </a:avLst>
+          </a:prstGeom>
+          <a:effectLst>
+            <a:outerShdw blurRad="50800" dist="50800" dir="5400000" algn="tl" rotWithShape="0">
+              <a:srgbClr val="000000">
+                <a:alpha val="43000"/>
+              </a:srgbClr>
+            </a:outerShdw>
+          </a:effectLst>
+        </p:spPr>
+        <p:txBody>
+          <a:bodyPr anchor="t">
+            <a:normAutofit/>
+          </a:bodyPr>
+          <a:lstStyle>
+            <a:lvl1pPr marL="0" indent="0" algn="ctr">
+              <a:buNone/>
+              <a:defRPr sz="1600"/>
+            </a:lvl1pPr>
+            <a:lvl2pPr marL="457200" indent="0">
+              <a:buNone/>
+              <a:defRPr sz="1600"/>
+            </a:lvl2pPr>
+            <a:lvl3pPr marL="914400" indent="0">
+              <a:buNone/>
+              <a:defRPr sz="1600"/>
+            </a:lvl3pPr>
+            <a:lvl4pPr marL="1371600" indent="0">
+              <a:buNone/>
+              <a:defRPr sz="1600"/>
+            </a:lvl4pPr>
+            <a:lvl5pPr marL="1828800" indent="0">
+              <a:buNone/>
+              <a:defRPr sz="1600"/>
+            </a:lvl5pPr>
+            <a:lvl6pPr marL="2286000" indent="0">
+              <a:buNone/>
+              <a:defRPr sz="1600"/>
+            </a:lvl6pPr>
+            <a:lvl7pPr marL="2743200" indent="0">
+              <a:buNone/>
+              <a:defRPr sz="1600"/>
+            </a:lvl7pPr>
+            <a:lvl8pPr marL="3200400" indent="0">
+              <a:buNone/>
+              <a:defRPr sz="1600"/>
+            </a:lvl8pPr>
+            <a:lvl9pPr marL="3657600" indent="0">
+              <a:buNone/>
+              <a:defRPr sz="1600"/>
+            </a:lvl9pPr>
+          </a:lstStyle>
+          <a:p>
+            <a:r>
+              <a:rPr lang="en-US"/>
+              <a:t>Click icon to add picture</a:t>
+            </a:r>
+            <a:endParaRPr lang="en-US" dirty="0"/>
+          </a:p>
+        </p:txBody>
+      </p:sp>
+      <p:sp>
+        <p:nvSpPr>
+          <p:cNvPr id="24" name="Text Placeholder 3"/>
+          <p:cNvSpPr>
+            <a:spLocks noGrp="1"/>
+          </p:cNvSpPr>
+          <p:nvPr>
+            <p:ph type="body" sz="half" idx="20"/>
+          </p:nvPr>
+        </p:nvSpPr>
+        <p:spPr>
+          <a:xfrm>
+            <a:off x="7124575" y="4827208"/>
+            <a:ext cx="2935997" cy="659189"/>
+          </a:xfrm>
+        </p:spPr>
+        <p:txBody>
+          <a:bodyPr anchor="t">
+            <a:normAutofit/>
+          </a:bodyPr>
+          <a:lstStyle>
+            <a:lvl1pPr marL="0" indent="0">
+              <a:buNone/>
+              <a:defRPr sz="1400"/>
+            </a:lvl1pPr>
+            <a:lvl2pPr marL="457200" indent="0">
+              <a:buNone/>
+              <a:defRPr sz="1200"/>
+            </a:lvl2pPr>
+            <a:lvl3pPr marL="914400" indent="0">
+              <a:buNone/>
+              <a:defRPr sz="1000"/>
+            </a:lvl3pPr>
+            <a:lvl4pPr marL="1371600" indent="0">
+              <a:buNone/>
+              <a:defRPr sz="900"/>
+            </a:lvl4pPr>
+            <a:lvl5pPr marL="1828800" indent="0">
+              <a:buNone/>
+              <a:defRPr sz="900"/>
+            </a:lvl5pPr>
+            <a:lvl6pPr marL="2286000" indent="0">
+              <a:buNone/>
+              <a:defRPr sz="900"/>
+            </a:lvl6pPr>
+            <a:lvl7pPr marL="2743200" indent="0">
+              <a:buNone/>
+              <a:defRPr sz="900"/>
+            </a:lvl7pPr>
+            <a:lvl8pPr marL="3200400" indent="0">
+              <a:buNone/>
+              <a:defRPr sz="900"/>
+            </a:lvl8pPr>
+            <a:lvl9pPr marL="3657600" indent="0">
+              <a:buNone/>
+              <a:defRPr sz="900"/>
+            </a:lvl9pPr>
+          </a:lstStyle>
+          <a:p>
+            <a:pPr lvl="0"/>
+            <a:r>
+              <a:rPr lang="en-US"/>
+              <a:t>Click to edit Master text styles</a:t>
+            </a:r>
+          </a:p>
+        </p:txBody>
+      </p:sp>
+      <p:cxnSp>
+        <p:nvCxnSpPr>
+          <p:cNvPr id="19" name="Straight Connector 18"/>
+          <p:cNvCxnSpPr/>
+          <p:nvPr/>
+        </p:nvCxnSpPr>
+        <p:spPr>
+          <a:xfrm>
+            <a:off x="3726142" y="2133600"/>
+            <a:ext cx="0" cy="3962400"/>
+          </a:xfrm>
+          <a:prstGeom prst="line">
+            <a:avLst/>
+          </a:prstGeom>
+          <a:ln w="12700" cmpd="sng">
+            <a:solidFill>
+              <a:schemeClr val="bg2">
+                <a:lumMod val="40000"/>
+                <a:lumOff val="60000"/>
+                <a:alpha val="40000"/>
+              </a:schemeClr>
+            </a:solidFill>
+          </a:ln>
+        </p:spPr>
+        <p:style>
+          <a:lnRef idx="2">
+            <a:schemeClr val="accent1"/>
+          </a:lnRef>
+          <a:fillRef idx="0">
+            <a:schemeClr val="accent1"/>
+          </a:fillRef>
+          <a:effectRef idx="1">
+            <a:schemeClr val="accent1"/>
+          </a:effectRef>
+          <a:fontRef idx="minor">
+            <a:schemeClr val="tx1"/>
+          </a:fontRef>
+        </p:style>
+      </p:cxnSp>
+      <p:cxnSp>
+        <p:nvCxnSpPr>
+          <p:cNvPr id="20" name="Straight Connector 19"/>
+          <p:cNvCxnSpPr/>
+          <p:nvPr/>
+        </p:nvCxnSpPr>
+        <p:spPr>
+          <a:xfrm>
+            <a:off x="6962227" y="2133600"/>
+            <a:ext cx="0" cy="3966882"/>
+          </a:xfrm>
+          <a:prstGeom prst="line">
+            <a:avLst/>
+          </a:prstGeom>
+          <a:ln w="12700" cmpd="sng">
+            <a:solidFill>
+              <a:schemeClr val="bg2">
+                <a:lumMod val="40000"/>
+                <a:lumOff val="60000"/>
+                <a:alpha val="40000"/>
+              </a:schemeClr>
+            </a:solidFill>
+          </a:ln>
+        </p:spPr>
+        <p:style>
+          <a:lnRef idx="2">
+            <a:schemeClr val="accent1"/>
+          </a:lnRef>
+          <a:fillRef idx="0">
+            <a:schemeClr val="accent1"/>
+          </a:fillRef>
+          <a:effectRef idx="1">
+            <a:schemeClr val="accent1"/>
+          </a:effectRef>
+          <a:fontRef idx="minor">
+            <a:schemeClr val="tx1"/>
+          </a:fontRef>
+        </p:style>
+      </p:cxnSp>
+      <p:sp>
+        <p:nvSpPr>
+          <p:cNvPr id="7" name="Date Placeholder 3"/>
+          <p:cNvSpPr>
+            <a:spLocks noGrp="1"/>
+          </p:cNvSpPr>
+          <p:nvPr>
+            <p:ph type="dt" sz="half" idx="10"/>
+          </p:nvPr>
+        </p:nvSpPr>
+        <p:spPr/>
+        <p:txBody>
+          <a:bodyPr/>
+          <a:lstStyle/>
+          <a:p>
+            <a:fld id="{46EF741B-8F3B-477F-95CC-F41594627B4C}" type="datetimeFigureOut">
+              <a:rPr lang="en-US" smtClean="0"/>
+              <a:t>7/10/2024</a:t>
+            </a:fld>
+            <a:endParaRPr lang="en-US"/>
+          </a:p>
+        </p:txBody>
+      </p:sp>
+      <p:sp>
+        <p:nvSpPr>
+          <p:cNvPr id="4" name="Footer Placeholder 4"/>
+          <p:cNvSpPr>
+            <a:spLocks noGrp="1"/>
+          </p:cNvSpPr>
+          <p:nvPr>
+            <p:ph type="ftr" sz="quarter" idx="11"/>
+          </p:nvPr>
+        </p:nvSpPr>
+        <p:spPr/>
+        <p:txBody>
+          <a:bodyPr/>
+          <a:lstStyle/>
+          <a:p>
+            <a:endParaRPr lang="en-US"/>
+          </a:p>
+        </p:txBody>
+      </p:sp>
+      <p:sp>
+        <p:nvSpPr>
+          <p:cNvPr id="6" name="Slide Number Placeholder 5"/>
+          <p:cNvSpPr>
+            <a:spLocks noGrp="1"/>
+          </p:cNvSpPr>
+          <p:nvPr>
+            <p:ph type="sldNum" sz="quarter" idx="12"/>
+          </p:nvPr>
+        </p:nvSpPr>
+        <p:spPr/>
+        <p:txBody>
+          <a:bodyPr/>
+          <a:lstStyle/>
+          <a:p>
+            <a:fld id="{DC567816-7F31-4B5B-A1CD-B4D9F90C20C3}" type="slidenum">
+              <a:rPr lang="en-US" smtClean="0"/>
+              <a:t>‹#›</a:t>
+            </a:fld>
+            <a:endParaRPr lang="en-US"/>
+          </a:p>
+        </p:txBody>
+      </p:sp>
+    </p:spTree>
+    <p:extLst>
+      <p:ext uri="{BB962C8B-B14F-4D97-AF65-F5344CB8AC3E}">
+        <p14:creationId xmlns:p14="http://schemas.microsoft.com/office/powerpoint/2010/main" val="3757582114"/>
+      </p:ext>
+    </p:extLst>
+  </p:cSld>
+  <p:clrMapOvr>
+    <a:masterClrMapping/>
+  </p:clrMapOvr>
+</p:sldLayout>
+</file>
+
+<file path=ppt/slideLayouts/slideLayout16.xml><?xml version="1.0" encoding="utf-8"?>
 <p:sldLayout xmlns:a="http://schemas.openxmlformats.org/drawingml/2006/main" xmlns:r="http://schemas.openxmlformats.org/officeDocument/2006/relationships" xmlns:p="http://schemas.openxmlformats.org/presentationml/2006/main" type="vertTx" preserve="1">
   <p:cSld name="Title and Vertical Text">
     <p:spTree>
@@ -1697,13 +4298,7 @@
       </p:grpSpPr>
       <p:sp>
         <p:nvSpPr>
-          <p:cNvPr id="2" name="Title 1">
-            <a:extLst>
-              <a:ext uri="{FF2B5EF4-FFF2-40B4-BE49-F238E27FC236}">
-                <a16:creationId xmlns:a16="http://schemas.microsoft.com/office/drawing/2014/main" id="{8C791A2E-CD58-41E5-F1BD-32AC03626F00}"/>
-              </a:ext>
-            </a:extLst>
-          </p:cNvPr>
+          <p:cNvPr id="2" name="Title 1"/>
           <p:cNvSpPr>
             <a:spLocks noGrp="1"/>
           </p:cNvSpPr>
@@ -1720,18 +4315,13 @@
               <a:rPr lang="en-US"/>
               <a:t>Click to edit Master title style</a:t>
             </a:r>
-          </a:p>
-        </p:txBody>
-      </p:sp>
-      <p:sp>
-        <p:nvSpPr>
-          <p:cNvPr id="3" name="Vertical Text Placeholder 2">
-            <a:extLst>
-              <a:ext uri="{FF2B5EF4-FFF2-40B4-BE49-F238E27FC236}">
-                <a16:creationId xmlns:a16="http://schemas.microsoft.com/office/drawing/2014/main" id="{6DF0A484-DA83-E75E-3B16-73114FDC2AE0}"/>
-              </a:ext>
-            </a:extLst>
-          </p:cNvPr>
+            <a:endParaRPr lang="en-US" dirty="0"/>
+          </a:p>
+        </p:txBody>
+      </p:sp>
+      <p:sp>
+        <p:nvSpPr>
+          <p:cNvPr id="3" name="Vertical Text Placeholder 2"/>
           <p:cNvSpPr>
             <a:spLocks noGrp="1"/>
           </p:cNvSpPr>
@@ -1741,7 +4331,7 @@
         </p:nvSpPr>
         <p:spPr/>
         <p:txBody>
-          <a:bodyPr vert="eaVert"/>
+          <a:bodyPr vert="eaVert" anchor="t" anchorCtr="0"/>
           <a:lstStyle/>
           <a:p>
             <a:pPr lvl="0"/>
@@ -1777,18 +4367,13 @@
               <a:rPr lang="en-US"/>
               <a:t>Fifth level</a:t>
             </a:r>
-          </a:p>
-        </p:txBody>
-      </p:sp>
-      <p:sp>
-        <p:nvSpPr>
-          <p:cNvPr id="4" name="Date Placeholder 3">
-            <a:extLst>
-              <a:ext uri="{FF2B5EF4-FFF2-40B4-BE49-F238E27FC236}">
-                <a16:creationId xmlns:a16="http://schemas.microsoft.com/office/drawing/2014/main" id="{F0B1A885-BB2E-E59F-BB6A-4B341BA8D3EC}"/>
-              </a:ext>
-            </a:extLst>
-          </p:cNvPr>
+            <a:endParaRPr lang="en-US" dirty="0"/>
+          </a:p>
+        </p:txBody>
+      </p:sp>
+      <p:sp>
+        <p:nvSpPr>
+          <p:cNvPr id="4" name="Date Placeholder 3"/>
           <p:cNvSpPr>
             <a:spLocks noGrp="1"/>
           </p:cNvSpPr>
@@ -1803,7 +4388,7 @@
           <a:p>
             <a:fld id="{46EF741B-8F3B-477F-95CC-F41594627B4C}" type="datetimeFigureOut">
               <a:rPr lang="en-US" smtClean="0"/>
-              <a:t>6/26/2024</a:t>
+              <a:t>7/10/2024</a:t>
             </a:fld>
             <a:endParaRPr lang="en-US"/>
           </a:p>
@@ -1811,13 +4396,7 @@
       </p:sp>
       <p:sp>
         <p:nvSpPr>
-          <p:cNvPr id="5" name="Footer Placeholder 4">
-            <a:extLst>
-              <a:ext uri="{FF2B5EF4-FFF2-40B4-BE49-F238E27FC236}">
-                <a16:creationId xmlns:a16="http://schemas.microsoft.com/office/drawing/2014/main" id="{3D30413C-ED3A-0C27-79BC-7CB31A3675CA}"/>
-              </a:ext>
-            </a:extLst>
-          </p:cNvPr>
+          <p:cNvPr id="5" name="Footer Placeholder 4"/>
           <p:cNvSpPr>
             <a:spLocks noGrp="1"/>
           </p:cNvSpPr>
@@ -1836,13 +4415,7 @@
       </p:sp>
       <p:sp>
         <p:nvSpPr>
-          <p:cNvPr id="6" name="Slide Number Placeholder 5">
-            <a:extLst>
-              <a:ext uri="{FF2B5EF4-FFF2-40B4-BE49-F238E27FC236}">
-                <a16:creationId xmlns:a16="http://schemas.microsoft.com/office/drawing/2014/main" id="{4851FF7B-D65F-441B-9D04-9C51C8A51DAC}"/>
-              </a:ext>
-            </a:extLst>
-          </p:cNvPr>
+          <p:cNvPr id="6" name="Slide Number Placeholder 5"/>
           <p:cNvSpPr>
             <a:spLocks noGrp="1"/>
           </p:cNvSpPr>
@@ -1866,7 +4439,7 @@
     </p:spTree>
     <p:extLst>
       <p:ext uri="{BB962C8B-B14F-4D97-AF65-F5344CB8AC3E}">
-        <p14:creationId xmlns:p14="http://schemas.microsoft.com/office/powerpoint/2010/main" val="711079453"/>
+        <p14:creationId xmlns:p14="http://schemas.microsoft.com/office/powerpoint/2010/main" val="1316454031"/>
       </p:ext>
     </p:extLst>
   </p:cSld>
@@ -1876,7 +4449,7 @@
 </p:sldLayout>
 </file>
 
-<file path=ppt/slideLayouts/slideLayout11.xml><?xml version="1.0" encoding="utf-8"?>
+<file path=ppt/slideLayouts/slideLayout17.xml><?xml version="1.0" encoding="utf-8"?>
 <p:sldLayout xmlns:a="http://schemas.openxmlformats.org/drawingml/2006/main" xmlns:r="http://schemas.openxmlformats.org/officeDocument/2006/relationships" xmlns:p="http://schemas.openxmlformats.org/presentationml/2006/main" type="vertTitleAndTx" preserve="1">
   <p:cSld name="Vertical Title and Text">
     <p:spTree>
@@ -1895,13 +4468,7 @@
       </p:grpSpPr>
       <p:sp>
         <p:nvSpPr>
-          <p:cNvPr id="2" name="Vertical Title 1">
-            <a:extLst>
-              <a:ext uri="{FF2B5EF4-FFF2-40B4-BE49-F238E27FC236}">
-                <a16:creationId xmlns:a16="http://schemas.microsoft.com/office/drawing/2014/main" id="{E20A72F1-4367-1D0B-3598-1B6547E450A6}"/>
-              </a:ext>
-            </a:extLst>
-          </p:cNvPr>
+          <p:cNvPr id="2" name="Vertical Title 1"/>
           <p:cNvSpPr>
             <a:spLocks noGrp="1"/>
           </p:cNvSpPr>
@@ -1911,30 +4478,25 @@
         </p:nvSpPr>
         <p:spPr>
           <a:xfrm>
-            <a:off x="8724900" y="365125"/>
-            <a:ext cx="2628900" cy="5811838"/>
+            <a:off x="8304212" y="430213"/>
+            <a:ext cx="1752601" cy="5826125"/>
           </a:xfrm>
         </p:spPr>
         <p:txBody>
-          <a:bodyPr vert="eaVert"/>
+          <a:bodyPr vert="eaVert" anchor="b" anchorCtr="0"/>
           <a:lstStyle/>
           <a:p>
             <a:r>
               <a:rPr lang="en-US"/>
               <a:t>Click to edit Master title style</a:t>
             </a:r>
-          </a:p>
-        </p:txBody>
-      </p:sp>
-      <p:sp>
-        <p:nvSpPr>
-          <p:cNvPr id="3" name="Vertical Text Placeholder 2">
-            <a:extLst>
-              <a:ext uri="{FF2B5EF4-FFF2-40B4-BE49-F238E27FC236}">
-                <a16:creationId xmlns:a16="http://schemas.microsoft.com/office/drawing/2014/main" id="{EAEDC2D1-9090-AA50-022D-D9F00E47A40E}"/>
-              </a:ext>
-            </a:extLst>
-          </p:cNvPr>
+            <a:endParaRPr lang="en-US" dirty="0"/>
+          </a:p>
+        </p:txBody>
+      </p:sp>
+      <p:sp>
+        <p:nvSpPr>
+          <p:cNvPr id="3" name="Vertical Text Placeholder 2"/>
           <p:cNvSpPr>
             <a:spLocks noGrp="1"/>
           </p:cNvSpPr>
@@ -1944,8 +4506,8 @@
         </p:nvSpPr>
         <p:spPr>
           <a:xfrm>
-            <a:off x="838200" y="365125"/>
-            <a:ext cx="7734300" cy="5811838"/>
+            <a:off x="652463" y="887414"/>
+            <a:ext cx="7423149" cy="5368924"/>
           </a:xfrm>
         </p:spPr>
         <p:txBody>
@@ -1985,18 +4547,13 @@
               <a:rPr lang="en-US"/>
               <a:t>Fifth level</a:t>
             </a:r>
-          </a:p>
-        </p:txBody>
-      </p:sp>
-      <p:sp>
-        <p:nvSpPr>
-          <p:cNvPr id="4" name="Date Placeholder 3">
-            <a:extLst>
-              <a:ext uri="{FF2B5EF4-FFF2-40B4-BE49-F238E27FC236}">
-                <a16:creationId xmlns:a16="http://schemas.microsoft.com/office/drawing/2014/main" id="{057B0D7F-2C66-15C7-9C04-E69C740DBEEB}"/>
-              </a:ext>
-            </a:extLst>
-          </p:cNvPr>
+            <a:endParaRPr lang="en-US" dirty="0"/>
+          </a:p>
+        </p:txBody>
+      </p:sp>
+      <p:sp>
+        <p:nvSpPr>
+          <p:cNvPr id="4" name="Date Placeholder 3"/>
           <p:cNvSpPr>
             <a:spLocks noGrp="1"/>
           </p:cNvSpPr>
@@ -2011,7 +4568,7 @@
           <a:p>
             <a:fld id="{46EF741B-8F3B-477F-95CC-F41594627B4C}" type="datetimeFigureOut">
               <a:rPr lang="en-US" smtClean="0"/>
-              <a:t>6/26/2024</a:t>
+              <a:t>7/10/2024</a:t>
             </a:fld>
             <a:endParaRPr lang="en-US"/>
           </a:p>
@@ -2019,13 +4576,7 @@
       </p:sp>
       <p:sp>
         <p:nvSpPr>
-          <p:cNvPr id="5" name="Footer Placeholder 4">
-            <a:extLst>
-              <a:ext uri="{FF2B5EF4-FFF2-40B4-BE49-F238E27FC236}">
-                <a16:creationId xmlns:a16="http://schemas.microsoft.com/office/drawing/2014/main" id="{DA889D09-9E1F-3720-657E-0A12A4829F2A}"/>
-              </a:ext>
-            </a:extLst>
-          </p:cNvPr>
+          <p:cNvPr id="5" name="Footer Placeholder 4"/>
           <p:cNvSpPr>
             <a:spLocks noGrp="1"/>
           </p:cNvSpPr>
@@ -2044,13 +4595,7 @@
       </p:sp>
       <p:sp>
         <p:nvSpPr>
-          <p:cNvPr id="6" name="Slide Number Placeholder 5">
-            <a:extLst>
-              <a:ext uri="{FF2B5EF4-FFF2-40B4-BE49-F238E27FC236}">
-                <a16:creationId xmlns:a16="http://schemas.microsoft.com/office/drawing/2014/main" id="{156C494E-306B-3BED-1FB1-6965E1D66912}"/>
-              </a:ext>
-            </a:extLst>
-          </p:cNvPr>
+          <p:cNvPr id="6" name="Slide Number Placeholder 5"/>
           <p:cNvSpPr>
             <a:spLocks noGrp="1"/>
           </p:cNvSpPr>
@@ -2074,7 +4619,7 @@
     </p:spTree>
     <p:extLst>
       <p:ext uri="{BB962C8B-B14F-4D97-AF65-F5344CB8AC3E}">
-        <p14:creationId xmlns:p14="http://schemas.microsoft.com/office/powerpoint/2010/main" val="2799583990"/>
+        <p14:creationId xmlns:p14="http://schemas.microsoft.com/office/powerpoint/2010/main" val="3567954420"/>
       </p:ext>
     </p:extLst>
   </p:cSld>
@@ -2103,13 +4648,7 @@
       </p:grpSpPr>
       <p:sp>
         <p:nvSpPr>
-          <p:cNvPr id="2" name="Title 1">
-            <a:extLst>
-              <a:ext uri="{FF2B5EF4-FFF2-40B4-BE49-F238E27FC236}">
-                <a16:creationId xmlns:a16="http://schemas.microsoft.com/office/drawing/2014/main" id="{D85ED9EA-00A7-82D6-A9F3-668F5A20E4B1}"/>
-              </a:ext>
-            </a:extLst>
-          </p:cNvPr>
+          <p:cNvPr id="2" name="Title 1"/>
           <p:cNvSpPr>
             <a:spLocks noGrp="1"/>
           </p:cNvSpPr>
@@ -2126,18 +4665,13 @@
               <a:rPr lang="en-US"/>
               <a:t>Click to edit Master title style</a:t>
             </a:r>
-          </a:p>
-        </p:txBody>
-      </p:sp>
-      <p:sp>
-        <p:nvSpPr>
-          <p:cNvPr id="3" name="Content Placeholder 2">
-            <a:extLst>
-              <a:ext uri="{FF2B5EF4-FFF2-40B4-BE49-F238E27FC236}">
-                <a16:creationId xmlns:a16="http://schemas.microsoft.com/office/drawing/2014/main" id="{0E168E30-47DD-7C9B-652F-6AE54AC111CA}"/>
-              </a:ext>
-            </a:extLst>
-          </p:cNvPr>
+            <a:endParaRPr lang="en-US" dirty="0"/>
+          </a:p>
+        </p:txBody>
+      </p:sp>
+      <p:sp>
+        <p:nvSpPr>
+          <p:cNvPr id="3" name="Content Placeholder 2"/>
           <p:cNvSpPr>
             <a:spLocks noGrp="1"/>
           </p:cNvSpPr>
@@ -2183,18 +4717,13 @@
               <a:rPr lang="en-US"/>
               <a:t>Fifth level</a:t>
             </a:r>
-          </a:p>
-        </p:txBody>
-      </p:sp>
-      <p:sp>
-        <p:nvSpPr>
-          <p:cNvPr id="4" name="Date Placeholder 3">
-            <a:extLst>
-              <a:ext uri="{FF2B5EF4-FFF2-40B4-BE49-F238E27FC236}">
-                <a16:creationId xmlns:a16="http://schemas.microsoft.com/office/drawing/2014/main" id="{F5A640F4-C4D2-2ABD-0CAD-AD9657AFA164}"/>
-              </a:ext>
-            </a:extLst>
-          </p:cNvPr>
+            <a:endParaRPr lang="en-US" dirty="0"/>
+          </a:p>
+        </p:txBody>
+      </p:sp>
+      <p:sp>
+        <p:nvSpPr>
+          <p:cNvPr id="7" name="Date Placeholder 3"/>
           <p:cNvSpPr>
             <a:spLocks noGrp="1"/>
           </p:cNvSpPr>
@@ -2209,7 +4738,7 @@
           <a:p>
             <a:fld id="{46EF741B-8F3B-477F-95CC-F41594627B4C}" type="datetimeFigureOut">
               <a:rPr lang="en-US" smtClean="0"/>
-              <a:t>6/26/2024</a:t>
+              <a:t>7/10/2024</a:t>
             </a:fld>
             <a:endParaRPr lang="en-US"/>
           </a:p>
@@ -2217,13 +4746,7 @@
       </p:sp>
       <p:sp>
         <p:nvSpPr>
-          <p:cNvPr id="5" name="Footer Placeholder 4">
-            <a:extLst>
-              <a:ext uri="{FF2B5EF4-FFF2-40B4-BE49-F238E27FC236}">
-                <a16:creationId xmlns:a16="http://schemas.microsoft.com/office/drawing/2014/main" id="{DE278386-D1B5-7381-851D-0234B75B86FA}"/>
-              </a:ext>
-            </a:extLst>
-          </p:cNvPr>
+          <p:cNvPr id="5" name="Footer Placeholder 4"/>
           <p:cNvSpPr>
             <a:spLocks noGrp="1"/>
           </p:cNvSpPr>
@@ -2242,13 +4765,7 @@
       </p:sp>
       <p:sp>
         <p:nvSpPr>
-          <p:cNvPr id="6" name="Slide Number Placeholder 5">
-            <a:extLst>
-              <a:ext uri="{FF2B5EF4-FFF2-40B4-BE49-F238E27FC236}">
-                <a16:creationId xmlns:a16="http://schemas.microsoft.com/office/drawing/2014/main" id="{C1247934-840B-F3AD-4C73-768DD8D8ADAD}"/>
-              </a:ext>
-            </a:extLst>
-          </p:cNvPr>
+          <p:cNvPr id="6" name="Slide Number Placeholder 5"/>
           <p:cNvSpPr>
             <a:spLocks noGrp="1"/>
           </p:cNvSpPr>
@@ -2272,7 +4789,7 @@
     </p:spTree>
     <p:extLst>
       <p:ext uri="{BB962C8B-B14F-4D97-AF65-F5344CB8AC3E}">
-        <p14:creationId xmlns:p14="http://schemas.microsoft.com/office/powerpoint/2010/main" val="3035860552"/>
+        <p14:creationId xmlns:p14="http://schemas.microsoft.com/office/powerpoint/2010/main" val="2082934045"/>
       </p:ext>
     </p:extLst>
   </p:cSld>
@@ -2301,13 +4818,7 @@
       </p:grpSpPr>
       <p:sp>
         <p:nvSpPr>
-          <p:cNvPr id="2" name="Title 1">
-            <a:extLst>
-              <a:ext uri="{FF2B5EF4-FFF2-40B4-BE49-F238E27FC236}">
-                <a16:creationId xmlns:a16="http://schemas.microsoft.com/office/drawing/2014/main" id="{3C1979E3-6052-7B11-BFE2-B140EA6AE28A}"/>
-              </a:ext>
-            </a:extLst>
-          </p:cNvPr>
+          <p:cNvPr id="2" name="Title 1"/>
           <p:cNvSpPr>
             <a:spLocks noGrp="1"/>
           </p:cNvSpPr>
@@ -2317,15 +4828,15 @@
         </p:nvSpPr>
         <p:spPr>
           <a:xfrm>
-            <a:off x="831850" y="1709738"/>
-            <a:ext cx="10515600" cy="2852737"/>
+            <a:off x="1154956" y="2861733"/>
+            <a:ext cx="8825657" cy="1915647"/>
           </a:xfrm>
         </p:spPr>
         <p:txBody>
           <a:bodyPr anchor="b"/>
           <a:lstStyle>
-            <a:lvl1pPr>
-              <a:defRPr sz="6000"/>
+            <a:lvl1pPr algn="l">
+              <a:defRPr sz="4000" b="0" cap="none"/>
             </a:lvl1pPr>
           </a:lstStyle>
           <a:p>
@@ -2333,18 +4844,13 @@
               <a:rPr lang="en-US"/>
               <a:t>Click to edit Master title style</a:t>
             </a:r>
-          </a:p>
-        </p:txBody>
-      </p:sp>
-      <p:sp>
-        <p:nvSpPr>
-          <p:cNvPr id="3" name="Text Placeholder 2">
-            <a:extLst>
-              <a:ext uri="{FF2B5EF4-FFF2-40B4-BE49-F238E27FC236}">
-                <a16:creationId xmlns:a16="http://schemas.microsoft.com/office/drawing/2014/main" id="{391B00B8-DB97-4180-728C-2E13B07AB7CA}"/>
-              </a:ext>
-            </a:extLst>
-          </p:cNvPr>
+            <a:endParaRPr lang="en-US" dirty="0"/>
+          </a:p>
+        </p:txBody>
+      </p:sp>
+      <p:sp>
+        <p:nvSpPr>
+          <p:cNvPr id="3" name="Text Placeholder 2"/>
           <p:cNvSpPr>
             <a:spLocks noGrp="1"/>
           </p:cNvSpPr>
@@ -2354,99 +4860,100 @@
         </p:nvSpPr>
         <p:spPr>
           <a:xfrm>
-            <a:off x="831850" y="4589463"/>
-            <a:ext cx="10515600" cy="1500187"/>
+            <a:off x="1154955" y="4777381"/>
+            <a:ext cx="8825658" cy="860400"/>
           </a:xfrm>
         </p:spPr>
         <p:txBody>
-          <a:bodyPr/>
+          <a:bodyPr anchor="t"/>
           <a:lstStyle>
-            <a:lvl1pPr marL="0" indent="0">
-              <a:buNone/>
-              <a:defRPr sz="2400">
+            <a:lvl1pPr marL="0" indent="0" algn="l">
+              <a:buNone/>
+              <a:defRPr sz="2000" cap="all">
                 <a:solidFill>
-                  <a:schemeClr val="tx1">
-                    <a:tint val="82000"/>
+                  <a:schemeClr val="bg2">
+                    <a:lumMod val="40000"/>
+                    <a:lumOff val="60000"/>
                   </a:schemeClr>
                 </a:solidFill>
               </a:defRPr>
             </a:lvl1pPr>
             <a:lvl2pPr marL="457200" indent="0">
               <a:buNone/>
-              <a:defRPr sz="2000">
+              <a:defRPr sz="1800">
                 <a:solidFill>
                   <a:schemeClr val="tx1">
-                    <a:tint val="82000"/>
+                    <a:tint val="75000"/>
                   </a:schemeClr>
                 </a:solidFill>
               </a:defRPr>
             </a:lvl2pPr>
             <a:lvl3pPr marL="914400" indent="0">
               <a:buNone/>
-              <a:defRPr sz="1800">
+              <a:defRPr sz="1600">
                 <a:solidFill>
                   <a:schemeClr val="tx1">
-                    <a:tint val="82000"/>
+                    <a:tint val="75000"/>
                   </a:schemeClr>
                 </a:solidFill>
               </a:defRPr>
             </a:lvl3pPr>
             <a:lvl4pPr marL="1371600" indent="0">
               <a:buNone/>
-              <a:defRPr sz="1600">
+              <a:defRPr sz="1400">
                 <a:solidFill>
                   <a:schemeClr val="tx1">
-                    <a:tint val="82000"/>
+                    <a:tint val="75000"/>
                   </a:schemeClr>
                 </a:solidFill>
               </a:defRPr>
             </a:lvl4pPr>
             <a:lvl5pPr marL="1828800" indent="0">
               <a:buNone/>
-              <a:defRPr sz="1600">
+              <a:defRPr sz="1400">
                 <a:solidFill>
                   <a:schemeClr val="tx1">
-                    <a:tint val="82000"/>
+                    <a:tint val="75000"/>
                   </a:schemeClr>
                 </a:solidFill>
               </a:defRPr>
             </a:lvl5pPr>
             <a:lvl6pPr marL="2286000" indent="0">
               <a:buNone/>
-              <a:defRPr sz="1600">
+              <a:defRPr sz="1400">
                 <a:solidFill>
                   <a:schemeClr val="tx1">
-                    <a:tint val="82000"/>
+                    <a:tint val="75000"/>
                   </a:schemeClr>
                 </a:solidFill>
               </a:defRPr>
             </a:lvl6pPr>
             <a:lvl7pPr marL="2743200" indent="0">
               <a:buNone/>
-              <a:defRPr sz="1600">
+              <a:defRPr sz="1400">
                 <a:solidFill>
                   <a:schemeClr val="tx1">
-                    <a:tint val="82000"/>
+                    <a:tint val="75000"/>
                   </a:schemeClr>
                 </a:solidFill>
               </a:defRPr>
             </a:lvl7pPr>
             <a:lvl8pPr marL="3200400" indent="0">
               <a:buNone/>
-              <a:defRPr sz="1600">
+              <a:defRPr sz="1400">
                 <a:solidFill>
                   <a:schemeClr val="tx1">
-                    <a:tint val="82000"/>
+                    <a:tint val="75000"/>
                   </a:schemeClr>
                 </a:solidFill>
               </a:defRPr>
             </a:lvl8pPr>
             <a:lvl9pPr marL="3657600" indent="0">
               <a:buNone/>
-              <a:defRPr sz="1600">
+              <a:defRPr sz="1400">
                 <a:solidFill>
                   <a:schemeClr val="tx1">
-                    <a:tint val="82000"/>
+                    <a:tint val="75000"/>
                   </a:schemeClr>
                 </a:solidFill>
               </a:defRPr>
@@ -2463,13 +4970,7 @@
       </p:sp>
       <p:sp>
         <p:nvSpPr>
-          <p:cNvPr id="4" name="Date Placeholder 3">
-            <a:extLst>
-              <a:ext uri="{FF2B5EF4-FFF2-40B4-BE49-F238E27FC236}">
-                <a16:creationId xmlns:a16="http://schemas.microsoft.com/office/drawing/2014/main" id="{0C6DBA7E-E448-CC41-03C1-F837ACC54B0D}"/>
-              </a:ext>
-            </a:extLst>
-          </p:cNvPr>
+          <p:cNvPr id="4" name="Date Placeholder 3"/>
           <p:cNvSpPr>
             <a:spLocks noGrp="1"/>
           </p:cNvSpPr>
@@ -2484,7 +4985,7 @@
           <a:p>
             <a:fld id="{46EF741B-8F3B-477F-95CC-F41594627B4C}" type="datetimeFigureOut">
               <a:rPr lang="en-US" smtClean="0"/>
-              <a:t>6/26/2024</a:t>
+              <a:t>7/10/2024</a:t>
             </a:fld>
             <a:endParaRPr lang="en-US"/>
           </a:p>
@@ -2492,13 +4993,7 @@
       </p:sp>
       <p:sp>
         <p:nvSpPr>
-          <p:cNvPr id="5" name="Footer Placeholder 4">
-            <a:extLst>
-              <a:ext uri="{FF2B5EF4-FFF2-40B4-BE49-F238E27FC236}">
-                <a16:creationId xmlns:a16="http://schemas.microsoft.com/office/drawing/2014/main" id="{15DAFDE9-413F-AA1D-5B1E-F593168A631D}"/>
-              </a:ext>
-            </a:extLst>
-          </p:cNvPr>
+          <p:cNvPr id="5" name="Footer Placeholder 4"/>
           <p:cNvSpPr>
             <a:spLocks noGrp="1"/>
           </p:cNvSpPr>
@@ -2517,13 +5012,7 @@
       </p:sp>
       <p:sp>
         <p:nvSpPr>
-          <p:cNvPr id="6" name="Slide Number Placeholder 5">
-            <a:extLst>
-              <a:ext uri="{FF2B5EF4-FFF2-40B4-BE49-F238E27FC236}">
-                <a16:creationId xmlns:a16="http://schemas.microsoft.com/office/drawing/2014/main" id="{FC5CB981-540C-9E71-D45D-AAD54FDC3787}"/>
-              </a:ext>
-            </a:extLst>
-          </p:cNvPr>
+          <p:cNvPr id="6" name="Slide Number Placeholder 5"/>
           <p:cNvSpPr>
             <a:spLocks noGrp="1"/>
           </p:cNvSpPr>
@@ -2547,7 +5036,7 @@
     </p:spTree>
     <p:extLst>
       <p:ext uri="{BB962C8B-B14F-4D97-AF65-F5344CB8AC3E}">
-        <p14:creationId xmlns:p14="http://schemas.microsoft.com/office/powerpoint/2010/main" val="3166053723"/>
+        <p14:creationId xmlns:p14="http://schemas.microsoft.com/office/powerpoint/2010/main" val="3051927995"/>
       </p:ext>
     </p:extLst>
   </p:cSld>
@@ -2576,13 +5065,7 @@
       </p:grpSpPr>
       <p:sp>
         <p:nvSpPr>
-          <p:cNvPr id="2" name="Title 1">
-            <a:extLst>
-              <a:ext uri="{FF2B5EF4-FFF2-40B4-BE49-F238E27FC236}">
-                <a16:creationId xmlns:a16="http://schemas.microsoft.com/office/drawing/2014/main" id="{1A2A8995-8A57-F2A3-C4C6-A4A595156BF8}"/>
-              </a:ext>
-            </a:extLst>
-          </p:cNvPr>
+          <p:cNvPr id="2" name="Title 1"/>
           <p:cNvSpPr>
             <a:spLocks noGrp="1"/>
           </p:cNvSpPr>
@@ -2599,18 +5082,13 @@
               <a:rPr lang="en-US"/>
               <a:t>Click to edit Master title style</a:t>
             </a:r>
-          </a:p>
-        </p:txBody>
-      </p:sp>
-      <p:sp>
-        <p:nvSpPr>
-          <p:cNvPr id="3" name="Content Placeholder 2">
-            <a:extLst>
-              <a:ext uri="{FF2B5EF4-FFF2-40B4-BE49-F238E27FC236}">
-                <a16:creationId xmlns:a16="http://schemas.microsoft.com/office/drawing/2014/main" id="{E80555CE-9FCC-3640-4D2E-188DF4A08323}"/>
-              </a:ext>
-            </a:extLst>
-          </p:cNvPr>
+            <a:endParaRPr lang="en-US" dirty="0"/>
+          </a:p>
+        </p:txBody>
+      </p:sp>
+      <p:sp>
+        <p:nvSpPr>
+          <p:cNvPr id="3" name="Content Placeholder 2"/>
           <p:cNvSpPr>
             <a:spLocks noGrp="1"/>
           </p:cNvSpPr>
@@ -2620,13 +5098,43 @@
         </p:nvSpPr>
         <p:spPr>
           <a:xfrm>
-            <a:off x="838200" y="1825625"/>
-            <a:ext cx="5181600" cy="4351338"/>
+            <a:off x="1103312" y="2060575"/>
+            <a:ext cx="4396339" cy="4195763"/>
           </a:xfrm>
         </p:spPr>
         <p:txBody>
-          <a:bodyPr/>
-          <a:lstStyle/>
+          <a:bodyPr>
+            <a:normAutofit/>
+          </a:bodyPr>
+          <a:lstStyle>
+            <a:lvl1pPr>
+              <a:defRPr sz="1800"/>
+            </a:lvl1pPr>
+            <a:lvl2pPr>
+              <a:defRPr sz="1600"/>
+            </a:lvl2pPr>
+            <a:lvl3pPr>
+              <a:defRPr sz="1400"/>
+            </a:lvl3pPr>
+            <a:lvl4pPr>
+              <a:defRPr sz="1200"/>
+            </a:lvl4pPr>
+            <a:lvl5pPr>
+              <a:defRPr sz="1200"/>
+            </a:lvl5pPr>
+            <a:lvl6pPr>
+              <a:defRPr sz="1200"/>
+            </a:lvl6pPr>
+            <a:lvl7pPr>
+              <a:defRPr sz="1200"/>
+            </a:lvl7pPr>
+            <a:lvl8pPr>
+              <a:defRPr sz="1200"/>
+            </a:lvl8pPr>
+            <a:lvl9pPr>
+              <a:defRPr sz="1200"/>
+            </a:lvl9pPr>
+          </a:lstStyle>
           <a:p>
             <a:pPr lvl="0"/>
             <a:r>
@@ -2661,18 +5169,13 @@
               <a:rPr lang="en-US"/>
               <a:t>Fifth level</a:t>
             </a:r>
-          </a:p>
-        </p:txBody>
-      </p:sp>
-      <p:sp>
-        <p:nvSpPr>
-          <p:cNvPr id="4" name="Content Placeholder 3">
-            <a:extLst>
-              <a:ext uri="{FF2B5EF4-FFF2-40B4-BE49-F238E27FC236}">
-                <a16:creationId xmlns:a16="http://schemas.microsoft.com/office/drawing/2014/main" id="{3B32554A-6BEC-B8E1-B924-931B088F2A8B}"/>
-              </a:ext>
-            </a:extLst>
-          </p:cNvPr>
+            <a:endParaRPr lang="en-US" dirty="0"/>
+          </a:p>
+        </p:txBody>
+      </p:sp>
+      <p:sp>
+        <p:nvSpPr>
+          <p:cNvPr id="4" name="Content Placeholder 3"/>
           <p:cNvSpPr>
             <a:spLocks noGrp="1"/>
           </p:cNvSpPr>
@@ -2682,13 +5185,43 @@
         </p:nvSpPr>
         <p:spPr>
           <a:xfrm>
-            <a:off x="6172200" y="1825625"/>
-            <a:ext cx="5181600" cy="4351338"/>
+            <a:off x="5654493" y="2056092"/>
+            <a:ext cx="4396341" cy="4200245"/>
           </a:xfrm>
         </p:spPr>
         <p:txBody>
-          <a:bodyPr/>
-          <a:lstStyle/>
+          <a:bodyPr>
+            <a:normAutofit/>
+          </a:bodyPr>
+          <a:lstStyle>
+            <a:lvl1pPr>
+              <a:defRPr sz="1800"/>
+            </a:lvl1pPr>
+            <a:lvl2pPr>
+              <a:defRPr sz="1600"/>
+            </a:lvl2pPr>
+            <a:lvl3pPr>
+              <a:defRPr sz="1400"/>
+            </a:lvl3pPr>
+            <a:lvl4pPr>
+              <a:defRPr sz="1200"/>
+            </a:lvl4pPr>
+            <a:lvl5pPr>
+              <a:defRPr sz="1200"/>
+            </a:lvl5pPr>
+            <a:lvl6pPr>
+              <a:defRPr sz="1200"/>
+            </a:lvl6pPr>
+            <a:lvl7pPr>
+              <a:defRPr sz="1200"/>
+            </a:lvl7pPr>
+            <a:lvl8pPr>
+              <a:defRPr sz="1200"/>
+            </a:lvl8pPr>
+            <a:lvl9pPr>
+              <a:defRPr sz="1200"/>
+            </a:lvl9pPr>
+          </a:lstStyle>
           <a:p>
             <a:pPr lvl="0"/>
             <a:r>
@@ -2723,18 +5256,13 @@
               <a:rPr lang="en-US"/>
               <a:t>Fifth level</a:t>
             </a:r>
-          </a:p>
-        </p:txBody>
-      </p:sp>
-      <p:sp>
-        <p:nvSpPr>
-          <p:cNvPr id="5" name="Date Placeholder 4">
-            <a:extLst>
-              <a:ext uri="{FF2B5EF4-FFF2-40B4-BE49-F238E27FC236}">
-                <a16:creationId xmlns:a16="http://schemas.microsoft.com/office/drawing/2014/main" id="{561B19AD-8800-2FC8-FD5E-7B21CD6F1D61}"/>
-              </a:ext>
-            </a:extLst>
-          </p:cNvPr>
+            <a:endParaRPr lang="en-US" dirty="0"/>
+          </a:p>
+        </p:txBody>
+      </p:sp>
+      <p:sp>
+        <p:nvSpPr>
+          <p:cNvPr id="5" name="Date Placeholder 4"/>
           <p:cNvSpPr>
             <a:spLocks noGrp="1"/>
           </p:cNvSpPr>
@@ -2749,7 +5277,7 @@
           <a:p>
             <a:fld id="{46EF741B-8F3B-477F-95CC-F41594627B4C}" type="datetimeFigureOut">
               <a:rPr lang="en-US" smtClean="0"/>
-              <a:t>6/26/2024</a:t>
+              <a:t>7/10/2024</a:t>
             </a:fld>
             <a:endParaRPr lang="en-US"/>
           </a:p>
@@ -2757,13 +5285,7 @@
       </p:sp>
       <p:sp>
         <p:nvSpPr>
-          <p:cNvPr id="6" name="Footer Placeholder 5">
-            <a:extLst>
-              <a:ext uri="{FF2B5EF4-FFF2-40B4-BE49-F238E27FC236}">
-                <a16:creationId xmlns:a16="http://schemas.microsoft.com/office/drawing/2014/main" id="{E573DA34-BAB7-8803-7B9D-2A8CC67898C5}"/>
-              </a:ext>
-            </a:extLst>
-          </p:cNvPr>
+          <p:cNvPr id="6" name="Footer Placeholder 5"/>
           <p:cNvSpPr>
             <a:spLocks noGrp="1"/>
           </p:cNvSpPr>
@@ -2782,13 +5304,7 @@
       </p:sp>
       <p:sp>
         <p:nvSpPr>
-          <p:cNvPr id="7" name="Slide Number Placeholder 6">
-            <a:extLst>
-              <a:ext uri="{FF2B5EF4-FFF2-40B4-BE49-F238E27FC236}">
-                <a16:creationId xmlns:a16="http://schemas.microsoft.com/office/drawing/2014/main" id="{ED6FA9DE-6F3A-8BD4-20F2-3DC6DD0EC04D}"/>
-              </a:ext>
-            </a:extLst>
-          </p:cNvPr>
+          <p:cNvPr id="7" name="Slide Number Placeholder 6"/>
           <p:cNvSpPr>
             <a:spLocks noGrp="1"/>
           </p:cNvSpPr>
@@ -2812,7 +5328,7 @@
     </p:spTree>
     <p:extLst>
       <p:ext uri="{BB962C8B-B14F-4D97-AF65-F5344CB8AC3E}">
-        <p14:creationId xmlns:p14="http://schemas.microsoft.com/office/powerpoint/2010/main" val="1974020555"/>
+        <p14:creationId xmlns:p14="http://schemas.microsoft.com/office/powerpoint/2010/main" val="1229581778"/>
       </p:ext>
     </p:extLst>
   </p:cSld>
@@ -2841,65 +5357,62 @@
       </p:grpSpPr>
       <p:sp>
         <p:nvSpPr>
-          <p:cNvPr id="2" name="Title 1">
-            <a:extLst>
-              <a:ext uri="{FF2B5EF4-FFF2-40B4-BE49-F238E27FC236}">
-                <a16:creationId xmlns:a16="http://schemas.microsoft.com/office/drawing/2014/main" id="{66214437-CFC4-4F93-1D5B-4D044546A122}"/>
-              </a:ext>
-            </a:extLst>
-          </p:cNvPr>
+          <p:cNvPr id="2" name="Title 1"/>
           <p:cNvSpPr>
             <a:spLocks noGrp="1"/>
           </p:cNvSpPr>
           <p:nvPr>
             <p:ph type="title"/>
+          </p:nvPr>
+        </p:nvSpPr>
+        <p:spPr/>
+        <p:txBody>
+          <a:bodyPr/>
+          <a:lstStyle>
+            <a:lvl1pPr>
+              <a:defRPr/>
+            </a:lvl1pPr>
+          </a:lstStyle>
+          <a:p>
+            <a:r>
+              <a:rPr lang="en-US"/>
+              <a:t>Click to edit Master title style</a:t>
+            </a:r>
+            <a:endParaRPr lang="en-US" dirty="0"/>
+          </a:p>
+        </p:txBody>
+      </p:sp>
+      <p:sp>
+        <p:nvSpPr>
+          <p:cNvPr id="3" name="Text Placeholder 2"/>
+          <p:cNvSpPr>
+            <a:spLocks noGrp="1"/>
+          </p:cNvSpPr>
+          <p:nvPr>
+            <p:ph type="body" idx="1"/>
           </p:nvPr>
         </p:nvSpPr>
         <p:spPr>
           <a:xfrm>
-            <a:off x="839788" y="365125"/>
-            <a:ext cx="10515600" cy="1325563"/>
+            <a:off x="1103313" y="1905000"/>
+            <a:ext cx="4396338" cy="576262"/>
           </a:xfrm>
         </p:spPr>
         <p:txBody>
-          <a:bodyPr/>
-          <a:lstStyle/>
-          <a:p>
-            <a:r>
-              <a:rPr lang="en-US"/>
-              <a:t>Click to edit Master title style</a:t>
-            </a:r>
-          </a:p>
-        </p:txBody>
-      </p:sp>
-      <p:sp>
-        <p:nvSpPr>
-          <p:cNvPr id="3" name="Text Placeholder 2">
-            <a:extLst>
-              <a:ext uri="{FF2B5EF4-FFF2-40B4-BE49-F238E27FC236}">
-                <a16:creationId xmlns:a16="http://schemas.microsoft.com/office/drawing/2014/main" id="{BF7F749B-33B8-D836-BBC4-D1AE9C52D557}"/>
-              </a:ext>
-            </a:extLst>
-          </p:cNvPr>
-          <p:cNvSpPr>
-            <a:spLocks noGrp="1"/>
-          </p:cNvSpPr>
-          <p:nvPr>
-            <p:ph type="body" idx="1"/>
-          </p:nvPr>
-        </p:nvSpPr>
-        <p:spPr>
-          <a:xfrm>
-            <a:off x="839788" y="1681163"/>
-            <a:ext cx="5157787" cy="823912"/>
-          </a:xfrm>
-        </p:spPr>
-        <p:txBody>
-          <a:bodyPr anchor="b"/>
+          <a:bodyPr anchor="b">
+            <a:noAutofit/>
+          </a:bodyPr>
           <a:lstStyle>
             <a:lvl1pPr marL="0" indent="0">
               <a:buNone/>
-              <a:defRPr sz="2400" b="1"/>
+              <a:defRPr sz="2400" b="0">
+                <a:solidFill>
+                  <a:schemeClr val="bg2">
+                    <a:lumMod val="40000"/>
+                    <a:lumOff val="60000"/>
+                  </a:schemeClr>
+                </a:solidFill>
+              </a:defRPr>
             </a:lvl1pPr>
             <a:lvl2pPr marL="457200" indent="0">
               <a:buNone/>
@@ -2945,13 +5458,7 @@
       </p:sp>
       <p:sp>
         <p:nvSpPr>
-          <p:cNvPr id="4" name="Content Placeholder 3">
-            <a:extLst>
-              <a:ext uri="{FF2B5EF4-FFF2-40B4-BE49-F238E27FC236}">
-                <a16:creationId xmlns:a16="http://schemas.microsoft.com/office/drawing/2014/main" id="{516A331B-F5D4-CFE3-3402-916C236301BE}"/>
-              </a:ext>
-            </a:extLst>
-          </p:cNvPr>
+          <p:cNvPr id="4" name="Content Placeholder 3"/>
           <p:cNvSpPr>
             <a:spLocks noGrp="1"/>
           </p:cNvSpPr>
@@ -2961,13 +5468,43 @@
         </p:nvSpPr>
         <p:spPr>
           <a:xfrm>
-            <a:off x="839788" y="2505075"/>
-            <a:ext cx="5157787" cy="3684588"/>
+            <a:off x="1103312" y="2514600"/>
+            <a:ext cx="4396339" cy="3741738"/>
           </a:xfrm>
         </p:spPr>
         <p:txBody>
-          <a:bodyPr/>
-          <a:lstStyle/>
+          <a:bodyPr>
+            <a:normAutofit/>
+          </a:bodyPr>
+          <a:lstStyle>
+            <a:lvl1pPr>
+              <a:defRPr sz="1800"/>
+            </a:lvl1pPr>
+            <a:lvl2pPr>
+              <a:defRPr sz="1600"/>
+            </a:lvl2pPr>
+            <a:lvl3pPr>
+              <a:defRPr sz="1400"/>
+            </a:lvl3pPr>
+            <a:lvl4pPr>
+              <a:defRPr sz="1200"/>
+            </a:lvl4pPr>
+            <a:lvl5pPr>
+              <a:defRPr sz="1200"/>
+            </a:lvl5pPr>
+            <a:lvl6pPr>
+              <a:defRPr sz="1200"/>
+            </a:lvl6pPr>
+            <a:lvl7pPr>
+              <a:defRPr sz="1200"/>
+            </a:lvl7pPr>
+            <a:lvl8pPr>
+              <a:defRPr sz="1200"/>
+            </a:lvl8pPr>
+            <a:lvl9pPr>
+              <a:defRPr sz="1200"/>
+            </a:lvl9pPr>
+          </a:lstStyle>
           <a:p>
             <a:pPr lvl="0"/>
             <a:r>
@@ -3002,18 +5539,13 @@
               <a:rPr lang="en-US"/>
               <a:t>Fifth level</a:t>
             </a:r>
-          </a:p>
-        </p:txBody>
-      </p:sp>
-      <p:sp>
-        <p:nvSpPr>
-          <p:cNvPr id="5" name="Text Placeholder 4">
-            <a:extLst>
-              <a:ext uri="{FF2B5EF4-FFF2-40B4-BE49-F238E27FC236}">
-                <a16:creationId xmlns:a16="http://schemas.microsoft.com/office/drawing/2014/main" id="{B611C513-0F67-B9C4-9F80-AEBD4CC31822}"/>
-              </a:ext>
-            </a:extLst>
-          </p:cNvPr>
+            <a:endParaRPr lang="en-US" dirty="0"/>
+          </a:p>
+        </p:txBody>
+      </p:sp>
+      <p:sp>
+        <p:nvSpPr>
+          <p:cNvPr id="5" name="Text Placeholder 4"/>
           <p:cNvSpPr>
             <a:spLocks noGrp="1"/>
           </p:cNvSpPr>
@@ -3023,16 +5555,25 @@
         </p:nvSpPr>
         <p:spPr>
           <a:xfrm>
-            <a:off x="6172200" y="1681163"/>
-            <a:ext cx="5183188" cy="823912"/>
+            <a:off x="5654495" y="1905000"/>
+            <a:ext cx="4396339" cy="576262"/>
           </a:xfrm>
         </p:spPr>
         <p:txBody>
-          <a:bodyPr anchor="b"/>
+          <a:bodyPr anchor="b">
+            <a:noAutofit/>
+          </a:bodyPr>
           <a:lstStyle>
             <a:lvl1pPr marL="0" indent="0">
               <a:buNone/>
-              <a:defRPr sz="2400" b="1"/>
+              <a:defRPr sz="2400" b="0">
+                <a:solidFill>
+                  <a:schemeClr val="bg2">
+                    <a:lumMod val="40000"/>
+                    <a:lumOff val="60000"/>
+                  </a:schemeClr>
+                </a:solidFill>
+              </a:defRPr>
             </a:lvl1pPr>
             <a:lvl2pPr marL="457200" indent="0">
               <a:buNone/>
@@ -3078,13 +5619,7 @@
       </p:sp>
       <p:sp>
         <p:nvSpPr>
-          <p:cNvPr id="6" name="Content Placeholder 5">
-            <a:extLst>
-              <a:ext uri="{FF2B5EF4-FFF2-40B4-BE49-F238E27FC236}">
-                <a16:creationId xmlns:a16="http://schemas.microsoft.com/office/drawing/2014/main" id="{73E64D81-7306-D50F-5595-24750A954D21}"/>
-              </a:ext>
-            </a:extLst>
-          </p:cNvPr>
+          <p:cNvPr id="6" name="Content Placeholder 5"/>
           <p:cNvSpPr>
             <a:spLocks noGrp="1"/>
           </p:cNvSpPr>
@@ -3094,13 +5629,43 @@
         </p:nvSpPr>
         <p:spPr>
           <a:xfrm>
-            <a:off x="6172200" y="2505075"/>
-            <a:ext cx="5183188" cy="3684588"/>
+            <a:off x="5654495" y="2514600"/>
+            <a:ext cx="4396339" cy="3741738"/>
           </a:xfrm>
         </p:spPr>
         <p:txBody>
-          <a:bodyPr/>
-          <a:lstStyle/>
+          <a:bodyPr>
+            <a:normAutofit/>
+          </a:bodyPr>
+          <a:lstStyle>
+            <a:lvl1pPr>
+              <a:defRPr sz="1800"/>
+            </a:lvl1pPr>
+            <a:lvl2pPr>
+              <a:defRPr sz="1600"/>
+            </a:lvl2pPr>
+            <a:lvl3pPr>
+              <a:defRPr sz="1400"/>
+            </a:lvl3pPr>
+            <a:lvl4pPr>
+              <a:defRPr sz="1200"/>
+            </a:lvl4pPr>
+            <a:lvl5pPr>
+              <a:defRPr sz="1200"/>
+            </a:lvl5pPr>
+            <a:lvl6pPr>
+              <a:defRPr sz="1200"/>
+            </a:lvl6pPr>
+            <a:lvl7pPr>
+              <a:defRPr sz="1200"/>
+            </a:lvl7pPr>
+            <a:lvl8pPr>
+              <a:defRPr sz="1200"/>
+            </a:lvl8pPr>
+            <a:lvl9pPr>
+              <a:defRPr sz="1200"/>
+            </a:lvl9pPr>
+          </a:lstStyle>
           <a:p>
             <a:pPr lvl="0"/>
             <a:r>
@@ -3135,18 +5700,13 @@
               <a:rPr lang="en-US"/>
               <a:t>Fifth level</a:t>
             </a:r>
-          </a:p>
-        </p:txBody>
-      </p:sp>
-      <p:sp>
-        <p:nvSpPr>
-          <p:cNvPr id="7" name="Date Placeholder 6">
-            <a:extLst>
-              <a:ext uri="{FF2B5EF4-FFF2-40B4-BE49-F238E27FC236}">
-                <a16:creationId xmlns:a16="http://schemas.microsoft.com/office/drawing/2014/main" id="{EF24243F-288B-0229-5E10-6F7A6681E6F8}"/>
-              </a:ext>
-            </a:extLst>
-          </p:cNvPr>
+            <a:endParaRPr lang="en-US" dirty="0"/>
+          </a:p>
+        </p:txBody>
+      </p:sp>
+      <p:sp>
+        <p:nvSpPr>
+          <p:cNvPr id="7" name="Date Placeholder 6"/>
           <p:cNvSpPr>
             <a:spLocks noGrp="1"/>
           </p:cNvSpPr>
@@ -3161,7 +5721,7 @@
           <a:p>
             <a:fld id="{46EF741B-8F3B-477F-95CC-F41594627B4C}" type="datetimeFigureOut">
               <a:rPr lang="en-US" smtClean="0"/>
-              <a:t>6/26/2024</a:t>
+              <a:t>7/10/2024</a:t>
             </a:fld>
             <a:endParaRPr lang="en-US"/>
           </a:p>
@@ -3169,13 +5729,7 @@
       </p:sp>
       <p:sp>
         <p:nvSpPr>
-          <p:cNvPr id="8" name="Footer Placeholder 7">
-            <a:extLst>
-              <a:ext uri="{FF2B5EF4-FFF2-40B4-BE49-F238E27FC236}">
-                <a16:creationId xmlns:a16="http://schemas.microsoft.com/office/drawing/2014/main" id="{FC16211E-2073-9521-039C-AA0D147273A6}"/>
-              </a:ext>
-            </a:extLst>
-          </p:cNvPr>
+          <p:cNvPr id="8" name="Footer Placeholder 7"/>
           <p:cNvSpPr>
             <a:spLocks noGrp="1"/>
           </p:cNvSpPr>
@@ -3194,13 +5748,7 @@
       </p:sp>
       <p:sp>
         <p:nvSpPr>
-          <p:cNvPr id="9" name="Slide Number Placeholder 8">
-            <a:extLst>
-              <a:ext uri="{FF2B5EF4-FFF2-40B4-BE49-F238E27FC236}">
-                <a16:creationId xmlns:a16="http://schemas.microsoft.com/office/drawing/2014/main" id="{7E9A5AB4-A49E-A538-7C90-7B7509DD28A5}"/>
-              </a:ext>
-            </a:extLst>
-          </p:cNvPr>
+          <p:cNvPr id="9" name="Slide Number Placeholder 8"/>
           <p:cNvSpPr>
             <a:spLocks noGrp="1"/>
           </p:cNvSpPr>
@@ -3224,7 +5772,7 @@
     </p:spTree>
     <p:extLst>
       <p:ext uri="{BB962C8B-B14F-4D97-AF65-F5344CB8AC3E}">
-        <p14:creationId xmlns:p14="http://schemas.microsoft.com/office/powerpoint/2010/main" val="3140903816"/>
+        <p14:creationId xmlns:p14="http://schemas.microsoft.com/office/powerpoint/2010/main" val="1353692358"/>
       </p:ext>
     </p:extLst>
   </p:cSld>
@@ -3253,13 +5801,7 @@
       </p:grpSpPr>
       <p:sp>
         <p:nvSpPr>
-          <p:cNvPr id="2" name="Title 1">
-            <a:extLst>
-              <a:ext uri="{FF2B5EF4-FFF2-40B4-BE49-F238E27FC236}">
-                <a16:creationId xmlns:a16="http://schemas.microsoft.com/office/drawing/2014/main" id="{1BB5BEC0-B5E0-2E19-1FB9-D2A98EE984F2}"/>
-              </a:ext>
-            </a:extLst>
-          </p:cNvPr>
+          <p:cNvPr id="2" name="Title 1"/>
           <p:cNvSpPr>
             <a:spLocks noGrp="1"/>
           </p:cNvSpPr>
@@ -3276,18 +5818,13 @@
               <a:rPr lang="en-US"/>
               <a:t>Click to edit Master title style</a:t>
             </a:r>
-          </a:p>
-        </p:txBody>
-      </p:sp>
-      <p:sp>
-        <p:nvSpPr>
-          <p:cNvPr id="3" name="Date Placeholder 2">
-            <a:extLst>
-              <a:ext uri="{FF2B5EF4-FFF2-40B4-BE49-F238E27FC236}">
-                <a16:creationId xmlns:a16="http://schemas.microsoft.com/office/drawing/2014/main" id="{687AB12F-CF99-79DD-C89B-2F13526D9049}"/>
-              </a:ext>
-            </a:extLst>
-          </p:cNvPr>
+            <a:endParaRPr lang="en-US" dirty="0"/>
+          </a:p>
+        </p:txBody>
+      </p:sp>
+      <p:sp>
+        <p:nvSpPr>
+          <p:cNvPr id="7" name="Date Placeholder 2"/>
           <p:cNvSpPr>
             <a:spLocks noGrp="1"/>
           </p:cNvSpPr>
@@ -3302,7 +5839,7 @@
           <a:p>
             <a:fld id="{46EF741B-8F3B-477F-95CC-F41594627B4C}" type="datetimeFigureOut">
               <a:rPr lang="en-US" smtClean="0"/>
-              <a:t>6/26/2024</a:t>
+              <a:t>7/10/2024</a:t>
             </a:fld>
             <a:endParaRPr lang="en-US"/>
           </a:p>
@@ -3310,13 +5847,7 @@
       </p:sp>
       <p:sp>
         <p:nvSpPr>
-          <p:cNvPr id="4" name="Footer Placeholder 3">
-            <a:extLst>
-              <a:ext uri="{FF2B5EF4-FFF2-40B4-BE49-F238E27FC236}">
-                <a16:creationId xmlns:a16="http://schemas.microsoft.com/office/drawing/2014/main" id="{F3654533-8A8E-1CD8-9BD3-B3838525B8A1}"/>
-              </a:ext>
-            </a:extLst>
-          </p:cNvPr>
+          <p:cNvPr id="5" name="Footer Placeholder 3"/>
           <p:cNvSpPr>
             <a:spLocks noGrp="1"/>
           </p:cNvSpPr>
@@ -3335,13 +5866,7 @@
       </p:sp>
       <p:sp>
         <p:nvSpPr>
-          <p:cNvPr id="5" name="Slide Number Placeholder 4">
-            <a:extLst>
-              <a:ext uri="{FF2B5EF4-FFF2-40B4-BE49-F238E27FC236}">
-                <a16:creationId xmlns:a16="http://schemas.microsoft.com/office/drawing/2014/main" id="{AB7FF81E-F0CA-50E5-5166-98F8D75CFFF2}"/>
-              </a:ext>
-            </a:extLst>
-          </p:cNvPr>
+          <p:cNvPr id="6" name="Slide Number Placeholder 4"/>
           <p:cNvSpPr>
             <a:spLocks noGrp="1"/>
           </p:cNvSpPr>
@@ -3365,7 +5890,7 @@
     </p:spTree>
     <p:extLst>
       <p:ext uri="{BB962C8B-B14F-4D97-AF65-F5344CB8AC3E}">
-        <p14:creationId xmlns:p14="http://schemas.microsoft.com/office/powerpoint/2010/main" val="1619251262"/>
+        <p14:creationId xmlns:p14="http://schemas.microsoft.com/office/powerpoint/2010/main" val="319259417"/>
       </p:ext>
     </p:extLst>
   </p:cSld>
@@ -3394,13 +5919,7 @@
       </p:grpSpPr>
       <p:sp>
         <p:nvSpPr>
-          <p:cNvPr id="2" name="Date Placeholder 1">
-            <a:extLst>
-              <a:ext uri="{FF2B5EF4-FFF2-40B4-BE49-F238E27FC236}">
-                <a16:creationId xmlns:a16="http://schemas.microsoft.com/office/drawing/2014/main" id="{2E97729D-D90C-243A-3AAE-42EF8900205B}"/>
-              </a:ext>
-            </a:extLst>
-          </p:cNvPr>
+          <p:cNvPr id="7" name="Date Placeholder 1"/>
           <p:cNvSpPr>
             <a:spLocks noGrp="1"/>
           </p:cNvSpPr>
@@ -3415,7 +5934,7 @@
           <a:p>
             <a:fld id="{46EF741B-8F3B-477F-95CC-F41594627B4C}" type="datetimeFigureOut">
               <a:rPr lang="en-US" smtClean="0"/>
-              <a:t>6/26/2024</a:t>
+              <a:t>7/10/2024</a:t>
             </a:fld>
             <a:endParaRPr lang="en-US"/>
           </a:p>
@@ -3423,13 +5942,7 @@
       </p:sp>
       <p:sp>
         <p:nvSpPr>
-          <p:cNvPr id="3" name="Footer Placeholder 2">
-            <a:extLst>
-              <a:ext uri="{FF2B5EF4-FFF2-40B4-BE49-F238E27FC236}">
-                <a16:creationId xmlns:a16="http://schemas.microsoft.com/office/drawing/2014/main" id="{82DB9924-9DC2-AE85-0EEC-7C2D1A4CB527}"/>
-              </a:ext>
-            </a:extLst>
-          </p:cNvPr>
+          <p:cNvPr id="5" name="Footer Placeholder 2"/>
           <p:cNvSpPr>
             <a:spLocks noGrp="1"/>
           </p:cNvSpPr>
@@ -3448,13 +5961,7 @@
       </p:sp>
       <p:sp>
         <p:nvSpPr>
-          <p:cNvPr id="4" name="Slide Number Placeholder 3">
-            <a:extLst>
-              <a:ext uri="{FF2B5EF4-FFF2-40B4-BE49-F238E27FC236}">
-                <a16:creationId xmlns:a16="http://schemas.microsoft.com/office/drawing/2014/main" id="{0D7F163F-404A-7472-0B0E-FF239B7519CF}"/>
-              </a:ext>
-            </a:extLst>
-          </p:cNvPr>
+          <p:cNvPr id="6" name="Slide Number Placeholder 3"/>
           <p:cNvSpPr>
             <a:spLocks noGrp="1"/>
           </p:cNvSpPr>
@@ -3478,7 +5985,7 @@
     </p:spTree>
     <p:extLst>
       <p:ext uri="{BB962C8B-B14F-4D97-AF65-F5344CB8AC3E}">
-        <p14:creationId xmlns:p14="http://schemas.microsoft.com/office/powerpoint/2010/main" val="3179708655"/>
+        <p14:creationId xmlns:p14="http://schemas.microsoft.com/office/powerpoint/2010/main" val="3349896018"/>
       </p:ext>
     </p:extLst>
   </p:cSld>
@@ -3507,13 +6014,7 @@
       </p:grpSpPr>
       <p:sp>
         <p:nvSpPr>
-          <p:cNvPr id="2" name="Title 1">
-            <a:extLst>
-              <a:ext uri="{FF2B5EF4-FFF2-40B4-BE49-F238E27FC236}">
-                <a16:creationId xmlns:a16="http://schemas.microsoft.com/office/drawing/2014/main" id="{0F4B73AE-3142-D60D-F008-040FA05997CC}"/>
-              </a:ext>
-            </a:extLst>
-          </p:cNvPr>
+          <p:cNvPr id="2" name="Title 1"/>
           <p:cNvSpPr>
             <a:spLocks noGrp="1"/>
           </p:cNvSpPr>
@@ -3523,15 +6024,15 @@
         </p:nvSpPr>
         <p:spPr>
           <a:xfrm>
-            <a:off x="839788" y="457200"/>
-            <a:ext cx="3932237" cy="1600200"/>
+            <a:off x="1154953" y="1447800"/>
+            <a:ext cx="3401064" cy="1447800"/>
           </a:xfrm>
         </p:spPr>
         <p:txBody>
           <a:bodyPr anchor="b"/>
           <a:lstStyle>
-            <a:lvl1pPr>
-              <a:defRPr sz="3200"/>
+            <a:lvl1pPr algn="l">
+              <a:defRPr sz="2400" b="0"/>
             </a:lvl1pPr>
           </a:lstStyle>
           <a:p>
@@ -3539,18 +6040,13 @@
               <a:rPr lang="en-US"/>
               <a:t>Click to edit Master title style</a:t>
             </a:r>
-          </a:p>
-        </p:txBody>
-      </p:sp>
-      <p:sp>
-        <p:nvSpPr>
-          <p:cNvPr id="3" name="Content Placeholder 2">
-            <a:extLst>
-              <a:ext uri="{FF2B5EF4-FFF2-40B4-BE49-F238E27FC236}">
-                <a16:creationId xmlns:a16="http://schemas.microsoft.com/office/drawing/2014/main" id="{83A4C89A-66C5-2964-223F-C9790CB8C6C2}"/>
-              </a:ext>
-            </a:extLst>
-          </p:cNvPr>
+            <a:endParaRPr lang="en-US" dirty="0"/>
+          </a:p>
+        </p:txBody>
+      </p:sp>
+      <p:sp>
+        <p:nvSpPr>
+          <p:cNvPr id="3" name="Content Placeholder 2"/>
           <p:cNvSpPr>
             <a:spLocks noGrp="1"/>
           </p:cNvSpPr>
@@ -3560,39 +6056,41 @@
         </p:nvSpPr>
         <p:spPr>
           <a:xfrm>
-            <a:off x="5183188" y="987425"/>
-            <a:ext cx="6172200" cy="4873625"/>
+            <a:off x="4784616" y="1447800"/>
+            <a:ext cx="5195997" cy="4572000"/>
           </a:xfrm>
         </p:spPr>
         <p:txBody>
-          <a:bodyPr/>
+          <a:bodyPr anchor="ctr">
+            <a:normAutofit/>
+          </a:bodyPr>
           <a:lstStyle>
             <a:lvl1pPr>
-              <a:defRPr sz="3200"/>
+              <a:defRPr sz="2000"/>
             </a:lvl1pPr>
             <a:lvl2pPr>
-              <a:defRPr sz="2800"/>
+              <a:defRPr sz="1800"/>
             </a:lvl2pPr>
             <a:lvl3pPr>
-              <a:defRPr sz="2400"/>
+              <a:defRPr sz="1600"/>
             </a:lvl3pPr>
             <a:lvl4pPr>
-              <a:defRPr sz="2000"/>
+              <a:defRPr sz="1400"/>
             </a:lvl4pPr>
             <a:lvl5pPr>
-              <a:defRPr sz="2000"/>
+              <a:defRPr sz="1400"/>
             </a:lvl5pPr>
             <a:lvl6pPr>
-              <a:defRPr sz="2000"/>
+              <a:defRPr sz="1400"/>
             </a:lvl6pPr>
             <a:lvl7pPr>
-              <a:defRPr sz="2000"/>
+              <a:defRPr sz="1400"/>
             </a:lvl7pPr>
             <a:lvl8pPr>
-              <a:defRPr sz="2000"/>
+              <a:defRPr sz="1400"/>
             </a:lvl8pPr>
             <a:lvl9pPr>
-              <a:defRPr sz="2000"/>
+              <a:defRPr sz="1400"/>
             </a:lvl9pPr>
           </a:lstStyle>
           <a:p>
@@ -3629,18 +6127,13 @@
               <a:rPr lang="en-US"/>
               <a:t>Fifth level</a:t>
             </a:r>
-          </a:p>
-        </p:txBody>
-      </p:sp>
-      <p:sp>
-        <p:nvSpPr>
-          <p:cNvPr id="4" name="Text Placeholder 3">
-            <a:extLst>
-              <a:ext uri="{FF2B5EF4-FFF2-40B4-BE49-F238E27FC236}">
-                <a16:creationId xmlns:a16="http://schemas.microsoft.com/office/drawing/2014/main" id="{CCE02342-29BB-DF67-8DC1-10F9DD818716}"/>
-              </a:ext>
-            </a:extLst>
-          </p:cNvPr>
+            <a:endParaRPr lang="en-US" dirty="0"/>
+          </a:p>
+        </p:txBody>
+      </p:sp>
+      <p:sp>
+        <p:nvSpPr>
+          <p:cNvPr id="4" name="Text Placeholder 3"/>
           <p:cNvSpPr>
             <a:spLocks noGrp="1"/>
           </p:cNvSpPr>
@@ -3650,8 +6143,8 @@
         </p:nvSpPr>
         <p:spPr>
           <a:xfrm>
-            <a:off x="839788" y="2057400"/>
-            <a:ext cx="3932237" cy="3811588"/>
+            <a:off x="1154953" y="3129280"/>
+            <a:ext cx="3401063" cy="2895599"/>
           </a:xfrm>
         </p:spPr>
         <p:txBody>
@@ -3659,39 +6152,39 @@
           <a:lstStyle>
             <a:lvl1pPr marL="0" indent="0">
               <a:buNone/>
-              <a:defRPr sz="1600"/>
+              <a:defRPr sz="1400"/>
             </a:lvl1pPr>
             <a:lvl2pPr marL="457200" indent="0">
               <a:buNone/>
-              <a:defRPr sz="1400"/>
+              <a:defRPr sz="1200"/>
             </a:lvl2pPr>
             <a:lvl3pPr marL="914400" indent="0">
               <a:buNone/>
-              <a:defRPr sz="1200"/>
+              <a:defRPr sz="1000"/>
             </a:lvl3pPr>
             <a:lvl4pPr marL="1371600" indent="0">
               <a:buNone/>
-              <a:defRPr sz="1000"/>
+              <a:defRPr sz="900"/>
             </a:lvl4pPr>
             <a:lvl5pPr marL="1828800" indent="0">
               <a:buNone/>
-              <a:defRPr sz="1000"/>
+              <a:defRPr sz="900"/>
             </a:lvl5pPr>
             <a:lvl6pPr marL="2286000" indent="0">
               <a:buNone/>
-              <a:defRPr sz="1000"/>
+              <a:defRPr sz="900"/>
             </a:lvl6pPr>
             <a:lvl7pPr marL="2743200" indent="0">
               <a:buNone/>
-              <a:defRPr sz="1000"/>
+              <a:defRPr sz="900"/>
             </a:lvl7pPr>
             <a:lvl8pPr marL="3200400" indent="0">
               <a:buNone/>
-              <a:defRPr sz="1000"/>
+              <a:defRPr sz="900"/>
             </a:lvl8pPr>
             <a:lvl9pPr marL="3657600" indent="0">
               <a:buNone/>
-              <a:defRPr sz="1000"/>
+              <a:defRPr sz="900"/>
             </a:lvl9pPr>
           </a:lstStyle>
           <a:p>
@@ -3705,13 +6198,7 @@
       </p:sp>
       <p:sp>
         <p:nvSpPr>
-          <p:cNvPr id="5" name="Date Placeholder 4">
-            <a:extLst>
-              <a:ext uri="{FF2B5EF4-FFF2-40B4-BE49-F238E27FC236}">
-                <a16:creationId xmlns:a16="http://schemas.microsoft.com/office/drawing/2014/main" id="{AB28AC1B-CE18-9BCE-B59F-739F376C30A7}"/>
-              </a:ext>
-            </a:extLst>
-          </p:cNvPr>
+          <p:cNvPr id="7" name="Date Placeholder 4"/>
           <p:cNvSpPr>
             <a:spLocks noGrp="1"/>
           </p:cNvSpPr>
@@ -3726,7 +6213,7 @@
           <a:p>
             <a:fld id="{46EF741B-8F3B-477F-95CC-F41594627B4C}" type="datetimeFigureOut">
               <a:rPr lang="en-US" smtClean="0"/>
-              <a:t>6/26/2024</a:t>
+              <a:t>7/10/2024</a:t>
             </a:fld>
             <a:endParaRPr lang="en-US"/>
           </a:p>
@@ -3734,13 +6221,7 @@
       </p:sp>
       <p:sp>
         <p:nvSpPr>
-          <p:cNvPr id="6" name="Footer Placeholder 5">
-            <a:extLst>
-              <a:ext uri="{FF2B5EF4-FFF2-40B4-BE49-F238E27FC236}">
-                <a16:creationId xmlns:a16="http://schemas.microsoft.com/office/drawing/2014/main" id="{B3B4013A-DAB5-BF38-9448-DE0F6DC45CF9}"/>
-              </a:ext>
-            </a:extLst>
-          </p:cNvPr>
+          <p:cNvPr id="5" name="Footer Placeholder 5"/>
           <p:cNvSpPr>
             <a:spLocks noGrp="1"/>
           </p:cNvSpPr>
@@ -3759,13 +6240,7 @@
       </p:sp>
       <p:sp>
         <p:nvSpPr>
-          <p:cNvPr id="7" name="Slide Number Placeholder 6">
-            <a:extLst>
-              <a:ext uri="{FF2B5EF4-FFF2-40B4-BE49-F238E27FC236}">
-                <a16:creationId xmlns:a16="http://schemas.microsoft.com/office/drawing/2014/main" id="{BD70BA3B-B521-E005-94A3-EF975BF3033A}"/>
-              </a:ext>
-            </a:extLst>
-          </p:cNvPr>
+          <p:cNvPr id="6" name="Slide Number Placeholder 6"/>
           <p:cNvSpPr>
             <a:spLocks noGrp="1"/>
           </p:cNvSpPr>
@@ -3789,7 +6264,7 @@
     </p:spTree>
     <p:extLst>
       <p:ext uri="{BB962C8B-B14F-4D97-AF65-F5344CB8AC3E}">
-        <p14:creationId xmlns:p14="http://schemas.microsoft.com/office/powerpoint/2010/main" val="944343757"/>
+        <p14:creationId xmlns:p14="http://schemas.microsoft.com/office/powerpoint/2010/main" val="4225137983"/>
       </p:ext>
     </p:extLst>
   </p:cSld>
@@ -3818,13 +6293,7 @@
       </p:grpSpPr>
       <p:sp>
         <p:nvSpPr>
-          <p:cNvPr id="2" name="Title 1">
-            <a:extLst>
-              <a:ext uri="{FF2B5EF4-FFF2-40B4-BE49-F238E27FC236}">
-                <a16:creationId xmlns:a16="http://schemas.microsoft.com/office/drawing/2014/main" id="{3B89AAC5-1AAA-62A8-AEED-905213216899}"/>
-              </a:ext>
-            </a:extLst>
-          </p:cNvPr>
+          <p:cNvPr id="2" name="Title 1"/>
           <p:cNvSpPr>
             <a:spLocks noGrp="1"/>
           </p:cNvSpPr>
@@ -3834,15 +6303,17 @@
         </p:nvSpPr>
         <p:spPr>
           <a:xfrm>
-            <a:off x="839788" y="457200"/>
-            <a:ext cx="3932237" cy="1600200"/>
+            <a:off x="1153907" y="1854192"/>
+            <a:ext cx="5092906" cy="1574808"/>
           </a:xfrm>
         </p:spPr>
         <p:txBody>
-          <a:bodyPr anchor="b"/>
+          <a:bodyPr anchor="b">
+            <a:normAutofit/>
+          </a:bodyPr>
           <a:lstStyle>
-            <a:lvl1pPr>
-              <a:defRPr sz="3200"/>
+            <a:lvl1pPr algn="l">
+              <a:defRPr sz="3600" b="0"/>
             </a:lvl1pPr>
           </a:lstStyle>
           <a:p>
@@ -3850,20 +6321,15 @@
               <a:rPr lang="en-US"/>
               <a:t>Click to edit Master title style</a:t>
             </a:r>
-          </a:p>
-        </p:txBody>
-      </p:sp>
-      <p:sp>
-        <p:nvSpPr>
-          <p:cNvPr id="3" name="Picture Placeholder 2">
-            <a:extLst>
-              <a:ext uri="{FF2B5EF4-FFF2-40B4-BE49-F238E27FC236}">
-                <a16:creationId xmlns:a16="http://schemas.microsoft.com/office/drawing/2014/main" id="{A51BC5D6-705B-F7E3-5511-84695D6CA63D}"/>
-              </a:ext>
-            </a:extLst>
-          </p:cNvPr>
-          <p:cNvSpPr>
-            <a:spLocks noGrp="1"/>
+            <a:endParaRPr lang="en-US" dirty="0"/>
+          </a:p>
+        </p:txBody>
+      </p:sp>
+      <p:sp>
+        <p:nvSpPr>
+          <p:cNvPr id="3" name="Picture Placeholder 2"/>
+          <p:cNvSpPr>
+            <a:spLocks noGrp="1" noChangeAspect="1"/>
           </p:cNvSpPr>
           <p:nvPr>
             <p:ph type="pic" idx="1"/>
@@ -3871,118 +6337,132 @@
         </p:nvSpPr>
         <p:spPr>
           <a:xfrm>
-            <a:off x="5183188" y="987425"/>
-            <a:ext cx="6172200" cy="4873625"/>
+            <a:off x="6949546" y="1143000"/>
+            <a:ext cx="3200400" cy="4572000"/>
           </a:xfrm>
+          <a:prstGeom prst="roundRect">
+            <a:avLst>
+              <a:gd name="adj" fmla="val 1858"/>
+            </a:avLst>
+          </a:prstGeom>
+          <a:effectLst>
+            <a:outerShdw blurRad="50800" dist="50800" dir="5400000" algn="tl" rotWithShape="0">
+              <a:srgbClr val="000000">
+                <a:alpha val="43000"/>
+              </a:srgbClr>
+            </a:outerShdw>
+          </a:effectLst>
         </p:spPr>
         <p:txBody>
-          <a:bodyPr/>
+          <a:bodyPr anchor="t">
+            <a:normAutofit/>
+          </a:bodyPr>
           <a:lstStyle>
-            <a:lvl1pPr marL="0" indent="0">
-              <a:buNone/>
-              <a:defRPr sz="3200"/>
-            </a:lvl1pPr>
-            <a:lvl2pPr marL="457200" indent="0">
-              <a:buNone/>
-              <a:defRPr sz="2800"/>
-            </a:lvl2pPr>
-            <a:lvl3pPr marL="914400" indent="0">
-              <a:buNone/>
-              <a:defRPr sz="2400"/>
-            </a:lvl3pPr>
-            <a:lvl4pPr marL="1371600" indent="0">
-              <a:buNone/>
-              <a:defRPr sz="2000"/>
-            </a:lvl4pPr>
-            <a:lvl5pPr marL="1828800" indent="0">
-              <a:buNone/>
-              <a:defRPr sz="2000"/>
-            </a:lvl5pPr>
-            <a:lvl6pPr marL="2286000" indent="0">
-              <a:buNone/>
-              <a:defRPr sz="2000"/>
-            </a:lvl6pPr>
-            <a:lvl7pPr marL="2743200" indent="0">
-              <a:buNone/>
-              <a:defRPr sz="2000"/>
-            </a:lvl7pPr>
-            <a:lvl8pPr marL="3200400" indent="0">
-              <a:buNone/>
-              <a:defRPr sz="2000"/>
-            </a:lvl8pPr>
-            <a:lvl9pPr marL="3657600" indent="0">
-              <a:buNone/>
-              <a:defRPr sz="2000"/>
-            </a:lvl9pPr>
-          </a:lstStyle>
-          <a:p>
-            <a:endParaRPr lang="en-US"/>
-          </a:p>
-        </p:txBody>
-      </p:sp>
-      <p:sp>
-        <p:nvSpPr>
-          <p:cNvPr id="4" name="Text Placeholder 3">
-            <a:extLst>
-              <a:ext uri="{FF2B5EF4-FFF2-40B4-BE49-F238E27FC236}">
-                <a16:creationId xmlns:a16="http://schemas.microsoft.com/office/drawing/2014/main" id="{2064143A-A3D0-C78E-2967-5250227E5D02}"/>
-              </a:ext>
-            </a:extLst>
-          </p:cNvPr>
-          <p:cNvSpPr>
-            <a:spLocks noGrp="1"/>
-          </p:cNvSpPr>
-          <p:nvPr>
-            <p:ph type="body" sz="half" idx="2"/>
-          </p:nvPr>
-        </p:nvSpPr>
-        <p:spPr>
-          <a:xfrm>
-            <a:off x="839788" y="2057400"/>
-            <a:ext cx="3932237" cy="3811588"/>
-          </a:xfrm>
-        </p:spPr>
-        <p:txBody>
-          <a:bodyPr/>
-          <a:lstStyle>
-            <a:lvl1pPr marL="0" indent="0">
+            <a:lvl1pPr marL="0" indent="0" algn="ctr">
               <a:buNone/>
               <a:defRPr sz="1600"/>
             </a:lvl1pPr>
             <a:lvl2pPr marL="457200" indent="0">
               <a:buNone/>
-              <a:defRPr sz="1400"/>
+              <a:defRPr sz="1600"/>
             </a:lvl2pPr>
             <a:lvl3pPr marL="914400" indent="0">
               <a:buNone/>
-              <a:defRPr sz="1200"/>
+              <a:defRPr sz="1600"/>
             </a:lvl3pPr>
             <a:lvl4pPr marL="1371600" indent="0">
               <a:buNone/>
-              <a:defRPr sz="1000"/>
+              <a:defRPr sz="1600"/>
             </a:lvl4pPr>
             <a:lvl5pPr marL="1828800" indent="0">
               <a:buNone/>
-              <a:defRPr sz="1000"/>
+              <a:defRPr sz="1600"/>
             </a:lvl5pPr>
             <a:lvl6pPr marL="2286000" indent="0">
               <a:buNone/>
-              <a:defRPr sz="1000"/>
+              <a:defRPr sz="1600"/>
             </a:lvl6pPr>
             <a:lvl7pPr marL="2743200" indent="0">
               <a:buNone/>
-              <a:defRPr sz="1000"/>
+              <a:defRPr sz="1600"/>
             </a:lvl7pPr>
             <a:lvl8pPr marL="3200400" indent="0">
               <a:buNone/>
-              <a:defRPr sz="1000"/>
+              <a:defRPr sz="1600"/>
             </a:lvl8pPr>
             <a:lvl9pPr marL="3657600" indent="0">
               <a:buNone/>
-              <a:defRPr sz="1000"/>
+              <a:defRPr sz="1600"/>
             </a:lvl9pPr>
           </a:lstStyle>
           <a:p>
+            <a:r>
+              <a:rPr lang="en-US"/>
+              <a:t>Click icon to add picture</a:t>
+            </a:r>
+            <a:endParaRPr lang="en-US" dirty="0"/>
+          </a:p>
+        </p:txBody>
+      </p:sp>
+      <p:sp>
+        <p:nvSpPr>
+          <p:cNvPr id="4" name="Text Placeholder 3"/>
+          <p:cNvSpPr>
+            <a:spLocks noGrp="1"/>
+          </p:cNvSpPr>
+          <p:nvPr>
+            <p:ph type="body" sz="half" idx="2"/>
+          </p:nvPr>
+        </p:nvSpPr>
+        <p:spPr>
+          <a:xfrm>
+            <a:off x="1154954" y="3657600"/>
+            <a:ext cx="5084979" cy="1371600"/>
+          </a:xfrm>
+        </p:spPr>
+        <p:txBody>
+          <a:bodyPr>
+            <a:normAutofit/>
+          </a:bodyPr>
+          <a:lstStyle>
+            <a:lvl1pPr marL="0" indent="0">
+              <a:buNone/>
+              <a:defRPr sz="1400"/>
+            </a:lvl1pPr>
+            <a:lvl2pPr marL="457200" indent="0">
+              <a:buNone/>
+              <a:defRPr sz="1200"/>
+            </a:lvl2pPr>
+            <a:lvl3pPr marL="914400" indent="0">
+              <a:buNone/>
+              <a:defRPr sz="1000"/>
+            </a:lvl3pPr>
+            <a:lvl4pPr marL="1371600" indent="0">
+              <a:buNone/>
+              <a:defRPr sz="900"/>
+            </a:lvl4pPr>
+            <a:lvl5pPr marL="1828800" indent="0">
+              <a:buNone/>
+              <a:defRPr sz="900"/>
+            </a:lvl5pPr>
+            <a:lvl6pPr marL="2286000" indent="0">
+              <a:buNone/>
+              <a:defRPr sz="900"/>
+            </a:lvl6pPr>
+            <a:lvl7pPr marL="2743200" indent="0">
+              <a:buNone/>
+              <a:defRPr sz="900"/>
+            </a:lvl7pPr>
+            <a:lvl8pPr marL="3200400" indent="0">
+              <a:buNone/>
+              <a:defRPr sz="900"/>
+            </a:lvl8pPr>
+            <a:lvl9pPr marL="3657600" indent="0">
+              <a:buNone/>
+              <a:defRPr sz="900"/>
+            </a:lvl9pPr>
+          </a:lstStyle>
+          <a:p>
             <a:pPr lvl="0"/>
             <a:r>
               <a:rPr lang="en-US"/>
@@ -3993,13 +6473,7 @@
       </p:sp>
       <p:sp>
         <p:nvSpPr>
-          <p:cNvPr id="5" name="Date Placeholder 4">
-            <a:extLst>
-              <a:ext uri="{FF2B5EF4-FFF2-40B4-BE49-F238E27FC236}">
-                <a16:creationId xmlns:a16="http://schemas.microsoft.com/office/drawing/2014/main" id="{7612F20E-93E9-4E48-F376-8118DDA6B7E0}"/>
-              </a:ext>
-            </a:extLst>
-          </p:cNvPr>
+          <p:cNvPr id="5" name="Date Placeholder 4"/>
           <p:cNvSpPr>
             <a:spLocks noGrp="1"/>
           </p:cNvSpPr>
@@ -4014,7 +6488,7 @@
           <a:p>
             <a:fld id="{46EF741B-8F3B-477F-95CC-F41594627B4C}" type="datetimeFigureOut">
               <a:rPr lang="en-US" smtClean="0"/>
-              <a:t>6/26/2024</a:t>
+              <a:t>7/10/2024</a:t>
             </a:fld>
             <a:endParaRPr lang="en-US"/>
           </a:p>
@@ -4022,13 +6496,7 @@
       </p:sp>
       <p:sp>
         <p:nvSpPr>
-          <p:cNvPr id="6" name="Footer Placeholder 5">
-            <a:extLst>
-              <a:ext uri="{FF2B5EF4-FFF2-40B4-BE49-F238E27FC236}">
-                <a16:creationId xmlns:a16="http://schemas.microsoft.com/office/drawing/2014/main" id="{51CA5886-3D58-F678-2CC1-0E28E3D66334}"/>
-              </a:ext>
-            </a:extLst>
-          </p:cNvPr>
+          <p:cNvPr id="6" name="Footer Placeholder 5"/>
           <p:cNvSpPr>
             <a:spLocks noGrp="1"/>
           </p:cNvSpPr>
@@ -4047,13 +6515,7 @@
       </p:sp>
       <p:sp>
         <p:nvSpPr>
-          <p:cNvPr id="7" name="Slide Number Placeholder 6">
-            <a:extLst>
-              <a:ext uri="{FF2B5EF4-FFF2-40B4-BE49-F238E27FC236}">
-                <a16:creationId xmlns:a16="http://schemas.microsoft.com/office/drawing/2014/main" id="{EDAD816F-3858-209B-3FF9-C56804E8889B}"/>
-              </a:ext>
-            </a:extLst>
-          </p:cNvPr>
+          <p:cNvPr id="7" name="Slide Number Placeholder 6"/>
           <p:cNvSpPr>
             <a:spLocks noGrp="1"/>
           </p:cNvSpPr>
@@ -4077,7 +6539,7 @@
     </p:spTree>
     <p:extLst>
       <p:ext uri="{BB962C8B-B14F-4D97-AF65-F5344CB8AC3E}">
-        <p14:creationId xmlns:p14="http://schemas.microsoft.com/office/powerpoint/2010/main" val="2154172780"/>
+        <p14:creationId xmlns:p14="http://schemas.microsoft.com/office/powerpoint/2010/main" val="880441439"/>
       </p:ext>
     </p:extLst>
   </p:cSld>
@@ -4091,8 +6553,8 @@
 <p:sldMaster xmlns:a="http://schemas.openxmlformats.org/drawingml/2006/main" xmlns:r="http://schemas.openxmlformats.org/officeDocument/2006/relationships" xmlns:p="http://schemas.openxmlformats.org/presentationml/2006/main">
   <p:cSld>
     <p:bg>
-      <p:bgRef idx="1001">
-        <a:schemeClr val="bg1"/>
+      <p:bgRef idx="1003">
+        <a:schemeClr val="bg2"/>
       </p:bgRef>
     </p:bg>
     <p:spTree>
@@ -4109,144 +6571,344 @@
           <a:chExt cx="0" cy="0"/>
         </a:xfrm>
       </p:grpSpPr>
-      <p:sp>
-        <p:nvSpPr>
-          <p:cNvPr id="2" name="Title Placeholder 1">
+      <p:pic>
+        <p:nvPicPr>
+          <p:cNvPr id="8" name="Picture 7"/>
+          <p:cNvPicPr>
+            <a:picLocks noChangeAspect="1"/>
+          </p:cNvPicPr>
+          <p:nvPr/>
+        </p:nvPicPr>
+        <p:blipFill rotWithShape="1">
+          <a:blip r:embed="rId19">
             <a:extLst>
-              <a:ext uri="{FF2B5EF4-FFF2-40B4-BE49-F238E27FC236}">
-                <a16:creationId xmlns:a16="http://schemas.microsoft.com/office/drawing/2014/main" id="{C0AC3298-09E0-BBC8-6321-4DA5D079B4BC}"/>
+              <a:ext uri="{28A0092B-C50C-407E-A947-70E740481C1C}">
+                <a14:useLocalDpi xmlns:a14="http://schemas.microsoft.com/office/drawing/2010/main" val="0"/>
               </a:ext>
             </a:extLst>
-          </p:cNvPr>
-          <p:cNvSpPr>
-            <a:spLocks noGrp="1"/>
-          </p:cNvSpPr>
-          <p:nvPr>
-            <p:ph type="title"/>
-          </p:nvPr>
-        </p:nvSpPr>
+          </a:blip>
+          <a:srcRect l="3613"/>
+          <a:stretch/>
+        </p:blipFill>
         <p:spPr>
           <a:xfrm>
-            <a:off x="838200" y="365125"/>
-            <a:ext cx="10515600" cy="1325563"/>
+            <a:off x="0" y="2669685"/>
+            <a:ext cx="4037012" cy="4188315"/>
           </a:xfrm>
           <a:prstGeom prst="rect">
             <a:avLst/>
           </a:prstGeom>
         </p:spPr>
-        <p:txBody>
-          <a:bodyPr vert="horz" lIns="91440" tIns="45720" rIns="91440" bIns="45720" rtlCol="0" anchor="ctr">
-            <a:normAutofit/>
-          </a:bodyPr>
-          <a:lstStyle/>
-          <a:p>
-            <a:r>
-              <a:rPr lang="en-US"/>
-              <a:t>Click to edit Master title style</a:t>
-            </a:r>
-          </a:p>
-        </p:txBody>
-      </p:sp>
-      <p:sp>
-        <p:nvSpPr>
-          <p:cNvPr id="3" name="Text Placeholder 2">
+      </p:pic>
+      <p:pic>
+        <p:nvPicPr>
+          <p:cNvPr id="7" name="Picture 6"/>
+          <p:cNvPicPr>
+            <a:picLocks noChangeAspect="1"/>
+          </p:cNvPicPr>
+          <p:nvPr/>
+        </p:nvPicPr>
+        <p:blipFill rotWithShape="1">
+          <a:blip r:embed="rId20">
             <a:extLst>
-              <a:ext uri="{FF2B5EF4-FFF2-40B4-BE49-F238E27FC236}">
-                <a16:creationId xmlns:a16="http://schemas.microsoft.com/office/drawing/2014/main" id="{A4088B9F-8739-2959-066F-7E61EBACE977}"/>
+              <a:ext uri="{28A0092B-C50C-407E-A947-70E740481C1C}">
+                <a14:useLocalDpi xmlns:a14="http://schemas.microsoft.com/office/drawing/2010/main" val="0"/>
               </a:ext>
             </a:extLst>
-          </p:cNvPr>
-          <p:cNvSpPr>
-            <a:spLocks noGrp="1"/>
-          </p:cNvSpPr>
-          <p:nvPr>
-            <p:ph type="body" idx="1"/>
-          </p:nvPr>
-        </p:nvSpPr>
+          </a:blip>
+          <a:srcRect l="35640"/>
+          <a:stretch/>
+        </p:blipFill>
         <p:spPr>
           <a:xfrm>
-            <a:off x="838200" y="1825625"/>
-            <a:ext cx="10515600" cy="4351338"/>
+            <a:off x="0" y="2892347"/>
+            <a:ext cx="1522412" cy="2365453"/>
           </a:xfrm>
           <a:prstGeom prst="rect">
             <a:avLst/>
           </a:prstGeom>
         </p:spPr>
-        <p:txBody>
-          <a:bodyPr vert="horz" lIns="91440" tIns="45720" rIns="91440" bIns="45720" rtlCol="0">
-            <a:normAutofit/>
-          </a:bodyPr>
-          <a:lstStyle/>
-          <a:p>
-            <a:pPr lvl="0"/>
-            <a:r>
-              <a:rPr lang="en-US"/>
-              <a:t>Click to edit Master text styles</a:t>
-            </a:r>
-          </a:p>
-          <a:p>
-            <a:pPr lvl="1"/>
-            <a:r>
-              <a:rPr lang="en-US"/>
-              <a:t>Second level</a:t>
-            </a:r>
-          </a:p>
-          <a:p>
-            <a:pPr lvl="2"/>
-            <a:r>
-              <a:rPr lang="en-US"/>
-              <a:t>Third level</a:t>
-            </a:r>
-          </a:p>
-          <a:p>
-            <a:pPr lvl="3"/>
-            <a:r>
-              <a:rPr lang="en-US"/>
-              <a:t>Fourth level</a:t>
-            </a:r>
-          </a:p>
-          <a:p>
-            <a:pPr lvl="4"/>
-            <a:r>
-              <a:rPr lang="en-US"/>
-              <a:t>Fifth level</a:t>
-            </a:r>
-          </a:p>
-        </p:txBody>
-      </p:sp>
-      <p:sp>
-        <p:nvSpPr>
-          <p:cNvPr id="4" name="Date Placeholder 3">
+      </p:pic>
+      <p:sp>
+        <p:nvSpPr>
+          <p:cNvPr id="16" name="Oval 15"/>
+          <p:cNvSpPr/>
+          <p:nvPr/>
+        </p:nvSpPr>
+        <p:spPr>
+          <a:xfrm>
+            <a:off x="8609012" y="1676400"/>
+            <a:ext cx="2819400" cy="2819400"/>
+          </a:xfrm>
+          <a:prstGeom prst="ellipse">
+            <a:avLst/>
+          </a:prstGeom>
+          <a:gradFill flip="none" rotWithShape="1">
+            <a:gsLst>
+              <a:gs pos="0">
+                <a:schemeClr val="bg2">
+                  <a:lumMod val="60000"/>
+                  <a:lumOff val="40000"/>
+                  <a:alpha val="7000"/>
+                </a:schemeClr>
+              </a:gs>
+              <a:gs pos="69000">
+                <a:schemeClr val="bg2">
+                  <a:lumMod val="60000"/>
+                  <a:lumOff val="40000"/>
+                  <a:alpha val="0"/>
+                </a:schemeClr>
+              </a:gs>
+              <a:gs pos="36000">
+                <a:schemeClr val="bg2">
+                  <a:lumMod val="60000"/>
+                  <a:lumOff val="40000"/>
+                  <a:alpha val="6000"/>
+                </a:schemeClr>
+              </a:gs>
+            </a:gsLst>
+            <a:path path="circle">
+              <a:fillToRect l="50000" t="50000" r="50000" b="50000"/>
+            </a:path>
+            <a:tileRect/>
+          </a:gradFill>
+          <a:ln>
+            <a:noFill/>
+          </a:ln>
+          <a:effectLst/>
+        </p:spPr>
+        <p:style>
+          <a:lnRef idx="1">
+            <a:schemeClr val="accent1"/>
+          </a:lnRef>
+          <a:fillRef idx="3">
+            <a:schemeClr val="accent1"/>
+          </a:fillRef>
+          <a:effectRef idx="2">
+            <a:schemeClr val="accent1"/>
+          </a:effectRef>
+          <a:fontRef idx="minor">
+            <a:schemeClr val="lt1"/>
+          </a:fontRef>
+        </p:style>
+      </p:sp>
+      <p:pic>
+        <p:nvPicPr>
+          <p:cNvPr id="9" name="Picture 8"/>
+          <p:cNvPicPr>
+            <a:picLocks noChangeAspect="1"/>
+          </p:cNvPicPr>
+          <p:nvPr/>
+        </p:nvPicPr>
+        <p:blipFill rotWithShape="1">
+          <a:blip r:embed="rId21">
             <a:extLst>
-              <a:ext uri="{FF2B5EF4-FFF2-40B4-BE49-F238E27FC236}">
-                <a16:creationId xmlns:a16="http://schemas.microsoft.com/office/drawing/2014/main" id="{FD3AFEAF-FC17-5FDD-83CA-BA4CD86FC1E9}"/>
+              <a:ext uri="{28A0092B-C50C-407E-A947-70E740481C1C}">
+                <a14:useLocalDpi xmlns:a14="http://schemas.microsoft.com/office/drawing/2010/main" val="0"/>
               </a:ext>
             </a:extLst>
-          </p:cNvPr>
-          <p:cNvSpPr>
-            <a:spLocks noGrp="1"/>
-          </p:cNvSpPr>
-          <p:nvPr>
-            <p:ph type="dt" sz="half" idx="2"/>
-          </p:nvPr>
-        </p:nvSpPr>
+          </a:blip>
+          <a:srcRect t="28813"/>
+          <a:stretch/>
+        </p:blipFill>
         <p:spPr>
           <a:xfrm>
-            <a:off x="838200" y="6356350"/>
-            <a:ext cx="2743200" cy="365125"/>
+            <a:off x="7999412" y="0"/>
+            <a:ext cx="1603387" cy="1141407"/>
           </a:xfrm>
           <a:prstGeom prst="rect">
             <a:avLst/>
           </a:prstGeom>
         </p:spPr>
-        <p:txBody>
-          <a:bodyPr vert="horz" lIns="91440" tIns="45720" rIns="91440" bIns="45720" rtlCol="0" anchor="ctr"/>
+      </p:pic>
+      <p:pic>
+        <p:nvPicPr>
+          <p:cNvPr id="10" name="Picture 9"/>
+          <p:cNvPicPr>
+            <a:picLocks noChangeAspect="1"/>
+          </p:cNvPicPr>
+          <p:nvPr/>
+        </p:nvPicPr>
+        <p:blipFill rotWithShape="1">
+          <a:blip r:embed="rId22">
+            <a:extLst>
+              <a:ext uri="{28A0092B-C50C-407E-A947-70E740481C1C}">
+                <a14:useLocalDpi xmlns:a14="http://schemas.microsoft.com/office/drawing/2010/main" val="0"/>
+              </a:ext>
+            </a:extLst>
+          </a:blip>
+          <a:srcRect b="23320"/>
+          <a:stretch/>
+        </p:blipFill>
+        <p:spPr>
+          <a:xfrm>
+            <a:off x="8605878" y="6096000"/>
+            <a:ext cx="993734" cy="762000"/>
+          </a:xfrm>
+          <a:prstGeom prst="rect">
+            <a:avLst/>
+          </a:prstGeom>
+        </p:spPr>
+      </p:pic>
+      <p:sp>
+        <p:nvSpPr>
+          <p:cNvPr id="14" name="Rectangle 13"/>
+          <p:cNvSpPr/>
+          <p:nvPr/>
+        </p:nvSpPr>
+        <p:spPr>
+          <a:xfrm>
+            <a:off x="10437812" y="0"/>
+            <a:ext cx="685800" cy="1143000"/>
+          </a:xfrm>
+          <a:prstGeom prst="rect">
+            <a:avLst/>
+          </a:prstGeom>
+          <a:solidFill>
+            <a:schemeClr val="accent1"/>
+          </a:solidFill>
+          <a:ln>
+            <a:noFill/>
+          </a:ln>
+        </p:spPr>
+        <p:style>
+          <a:lnRef idx="1">
+            <a:schemeClr val="accent1"/>
+          </a:lnRef>
+          <a:fillRef idx="3">
+            <a:schemeClr val="accent1"/>
+          </a:fillRef>
+          <a:effectRef idx="2">
+            <a:schemeClr val="accent1"/>
+          </a:effectRef>
+          <a:fontRef idx="minor">
+            <a:schemeClr val="lt1"/>
+          </a:fontRef>
+        </p:style>
+      </p:sp>
+      <p:sp>
+        <p:nvSpPr>
+          <p:cNvPr id="2" name="Title Placeholder 1"/>
+          <p:cNvSpPr>
+            <a:spLocks noGrp="1"/>
+          </p:cNvSpPr>
+          <p:nvPr>
+            <p:ph type="title"/>
+          </p:nvPr>
+        </p:nvSpPr>
+        <p:spPr>
+          <a:xfrm>
+            <a:off x="646111" y="452718"/>
+            <a:ext cx="9404723" cy="1400530"/>
+          </a:xfrm>
+          <a:prstGeom prst="rect">
+            <a:avLst/>
+          </a:prstGeom>
+        </p:spPr>
+        <p:txBody>
+          <a:bodyPr vert="horz" lIns="91440" tIns="45720" rIns="91440" bIns="45720" rtlCol="0" anchor="t">
+            <a:noAutofit/>
+          </a:bodyPr>
+          <a:lstStyle/>
+          <a:p>
+            <a:r>
+              <a:rPr lang="en-US"/>
+              <a:t>Click to edit Master title style</a:t>
+            </a:r>
+            <a:endParaRPr lang="en-US" dirty="0"/>
+          </a:p>
+        </p:txBody>
+      </p:sp>
+      <p:sp>
+        <p:nvSpPr>
+          <p:cNvPr id="3" name="Text Placeholder 2"/>
+          <p:cNvSpPr>
+            <a:spLocks noGrp="1"/>
+          </p:cNvSpPr>
+          <p:nvPr>
+            <p:ph type="body" idx="1"/>
+          </p:nvPr>
+        </p:nvSpPr>
+        <p:spPr>
+          <a:xfrm>
+            <a:off x="1103312" y="2052918"/>
+            <a:ext cx="8946541" cy="4195481"/>
+          </a:xfrm>
+          <a:prstGeom prst="rect">
+            <a:avLst/>
+          </a:prstGeom>
+        </p:spPr>
+        <p:txBody>
+          <a:bodyPr vert="horz" lIns="91440" tIns="45720" rIns="91440" bIns="45720" rtlCol="0">
+            <a:normAutofit/>
+          </a:bodyPr>
+          <a:lstStyle/>
+          <a:p>
+            <a:pPr lvl="0"/>
+            <a:r>
+              <a:rPr lang="en-US"/>
+              <a:t>Click to edit Master text styles</a:t>
+            </a:r>
+          </a:p>
+          <a:p>
+            <a:pPr lvl="1"/>
+            <a:r>
+              <a:rPr lang="en-US"/>
+              <a:t>Second level</a:t>
+            </a:r>
+          </a:p>
+          <a:p>
+            <a:pPr lvl="2"/>
+            <a:r>
+              <a:rPr lang="en-US"/>
+              <a:t>Third level</a:t>
+            </a:r>
+          </a:p>
+          <a:p>
+            <a:pPr lvl="3"/>
+            <a:r>
+              <a:rPr lang="en-US"/>
+              <a:t>Fourth level</a:t>
+            </a:r>
+          </a:p>
+          <a:p>
+            <a:pPr lvl="4"/>
+            <a:r>
+              <a:rPr lang="en-US"/>
+              <a:t>Fifth level</a:t>
+            </a:r>
+            <a:endParaRPr lang="en-US" dirty="0"/>
+          </a:p>
+        </p:txBody>
+      </p:sp>
+      <p:sp>
+        <p:nvSpPr>
+          <p:cNvPr id="4" name="Date Placeholder 3"/>
+          <p:cNvSpPr>
+            <a:spLocks noGrp="1"/>
+          </p:cNvSpPr>
+          <p:nvPr>
+            <p:ph type="dt" sz="half" idx="2"/>
+          </p:nvPr>
+        </p:nvSpPr>
+        <p:spPr>
+          <a:xfrm rot="5400000">
+            <a:off x="10155639" y="1790701"/>
+            <a:ext cx="990599" cy="304799"/>
+          </a:xfrm>
+          <a:prstGeom prst="rect">
+            <a:avLst/>
+          </a:prstGeom>
+        </p:spPr>
+        <p:txBody>
+          <a:bodyPr vert="horz" lIns="91440" tIns="45720" rIns="91440" bIns="45720" rtlCol="0" anchor="t"/>
           <a:lstStyle>
             <a:lvl1pPr algn="l">
-              <a:defRPr sz="1200">
+              <a:defRPr sz="1100" b="0" i="0">
                 <a:solidFill>
                   <a:schemeClr val="tx1">
-                    <a:tint val="82000"/>
+                    <a:tint val="75000"/>
+                    <a:alpha val="60000"/>
                   </a:schemeClr>
                 </a:solidFill>
               </a:defRPr>
@@ -4255,7 +6917,7 @@
           <a:p>
             <a:fld id="{46EF741B-8F3B-477F-95CC-F41594627B4C}" type="datetimeFigureOut">
               <a:rPr lang="en-US" smtClean="0"/>
-              <a:t>6/26/2024</a:t>
+              <a:t>7/10/2024</a:t>
             </a:fld>
             <a:endParaRPr lang="en-US"/>
           </a:p>
@@ -4263,13 +6925,7 @@
       </p:sp>
       <p:sp>
         <p:nvSpPr>
-          <p:cNvPr id="5" name="Footer Placeholder 4">
-            <a:extLst>
-              <a:ext uri="{FF2B5EF4-FFF2-40B4-BE49-F238E27FC236}">
-                <a16:creationId xmlns:a16="http://schemas.microsoft.com/office/drawing/2014/main" id="{4C324BCC-5C7A-A2FC-F2DE-626D698B9256}"/>
-              </a:ext>
-            </a:extLst>
-          </p:cNvPr>
+          <p:cNvPr id="5" name="Footer Placeholder 4"/>
           <p:cNvSpPr>
             <a:spLocks noGrp="1"/>
           </p:cNvSpPr>
@@ -4278,22 +6934,23 @@
           </p:nvPr>
         </p:nvSpPr>
         <p:spPr>
-          <a:xfrm>
-            <a:off x="4038600" y="6356350"/>
-            <a:ext cx="4114800" cy="365125"/>
+          <a:xfrm rot="5400000">
+            <a:off x="8951573" y="3225297"/>
+            <a:ext cx="3859795" cy="304801"/>
           </a:xfrm>
           <a:prstGeom prst="rect">
             <a:avLst/>
           </a:prstGeom>
         </p:spPr>
         <p:txBody>
-          <a:bodyPr vert="horz" lIns="91440" tIns="45720" rIns="91440" bIns="45720" rtlCol="0" anchor="ctr"/>
+          <a:bodyPr vert="horz" lIns="91440" tIns="45720" rIns="91440" bIns="45720" rtlCol="0" anchor="b"/>
           <a:lstStyle>
-            <a:lvl1pPr algn="ctr">
-              <a:defRPr sz="1200">
+            <a:lvl1pPr algn="l">
+              <a:defRPr sz="1100" b="0" i="0">
                 <a:solidFill>
                   <a:schemeClr val="tx1">
-                    <a:tint val="82000"/>
+                    <a:tint val="75000"/>
+                    <a:alpha val="60000"/>
                   </a:schemeClr>
                 </a:solidFill>
               </a:defRPr>
@@ -4306,13 +6963,7 @@
       </p:sp>
       <p:sp>
         <p:nvSpPr>
-          <p:cNvPr id="6" name="Slide Number Placeholder 5">
-            <a:extLst>
-              <a:ext uri="{FF2B5EF4-FFF2-40B4-BE49-F238E27FC236}">
-                <a16:creationId xmlns:a16="http://schemas.microsoft.com/office/drawing/2014/main" id="{F72F0A69-9C8B-E0FC-CE65-1E10EE353B19}"/>
-              </a:ext>
-            </a:extLst>
-          </p:cNvPr>
+          <p:cNvPr id="6" name="Slide Number Placeholder 5"/>
           <p:cNvSpPr>
             <a:spLocks noGrp="1"/>
           </p:cNvSpPr>
@@ -4320,23 +6971,23 @@
             <p:ph type="sldNum" sz="quarter" idx="4"/>
           </p:nvPr>
         </p:nvSpPr>
-        <p:spPr>
+        <p:spPr bwMode="gray">
           <a:xfrm>
-            <a:off x="8610600" y="6356350"/>
-            <a:ext cx="2743200" cy="365125"/>
+            <a:off x="10352540" y="295729"/>
+            <a:ext cx="838199" cy="767687"/>
           </a:xfrm>
           <a:prstGeom prst="rect">
             <a:avLst/>
           </a:prstGeom>
         </p:spPr>
         <p:txBody>
-          <a:bodyPr vert="horz" lIns="91440" tIns="45720" rIns="91440" bIns="45720" rtlCol="0" anchor="ctr"/>
+          <a:bodyPr vert="horz" lIns="91440" tIns="45720" rIns="91440" bIns="45720" rtlCol="0" anchor="b"/>
           <a:lstStyle>
-            <a:lvl1pPr algn="r">
-              <a:defRPr sz="1200">
+            <a:lvl1pPr algn="ctr">
+              <a:defRPr sz="2800" b="0" i="0">
                 <a:solidFill>
                   <a:schemeClr val="tx1">
-                    <a:tint val="82000"/>
+                    <a:tint val="75000"/>
                   </a:schemeClr>
                 </a:solidFill>
               </a:defRPr>
@@ -4354,35 +7005,121 @@
     </p:spTree>
     <p:extLst>
       <p:ext uri="{BB962C8B-B14F-4D97-AF65-F5344CB8AC3E}">
-        <p14:creationId xmlns:p14="http://schemas.microsoft.com/office/powerpoint/2010/main" val="1055847455"/>
+        <p14:creationId xmlns:p14="http://schemas.microsoft.com/office/powerpoint/2010/main" val="3528975339"/>
       </p:ext>
     </p:extLst>
   </p:cSld>
-  <p:clrMap bg1="lt1" tx1="dk1" bg2="lt2" tx2="dk2" accent1="accent1" accent2="accent2" accent3="accent3" accent4="accent4" accent5="accent5" accent6="accent6" hlink="hlink" folHlink="folHlink"/>
+  <p:clrMap bg1="dk1" tx1="lt1" bg2="dk2" tx2="lt2" accent1="accent1" accent2="accent2" accent3="accent3" accent4="accent4" accent5="accent5" accent6="accent6" hlink="hlink" folHlink="folHlink"/>
   <p:sldLayoutIdLst>
-    <p:sldLayoutId id="2147483649" r:id="rId1"/>
-    <p:sldLayoutId id="2147483650" r:id="rId2"/>
-    <p:sldLayoutId id="2147483651" r:id="rId3"/>
-    <p:sldLayoutId id="2147483652" r:id="rId4"/>
-    <p:sldLayoutId id="2147483653" r:id="rId5"/>
-    <p:sldLayoutId id="2147483654" r:id="rId6"/>
-    <p:sldLayoutId id="2147483655" r:id="rId7"/>
-    <p:sldLayoutId id="2147483656" r:id="rId8"/>
-    <p:sldLayoutId id="2147483657" r:id="rId9"/>
-    <p:sldLayoutId id="2147483658" r:id="rId10"/>
-    <p:sldLayoutId id="2147483659" r:id="rId11"/>
+    <p:sldLayoutId id="2147483673" r:id="rId1"/>
+    <p:sldLayoutId id="2147483674" r:id="rId2"/>
+    <p:sldLayoutId id="2147483675" r:id="rId3"/>
+    <p:sldLayoutId id="2147483676" r:id="rId4"/>
+    <p:sldLayoutId id="2147483677" r:id="rId5"/>
+    <p:sldLayoutId id="2147483678" r:id="rId6"/>
+    <p:sldLayoutId id="2147483679" r:id="rId7"/>
+    <p:sldLayoutId id="2147483680" r:id="rId8"/>
+    <p:sldLayoutId id="2147483681" r:id="rId9"/>
+    <p:sldLayoutId id="2147483682" r:id="rId10"/>
+    <p:sldLayoutId id="2147483683" r:id="rId11"/>
+    <p:sldLayoutId id="2147483684" r:id="rId12"/>
+    <p:sldLayoutId id="2147483685" r:id="rId13"/>
+    <p:sldLayoutId id="2147483686" r:id="rId14"/>
+    <p:sldLayoutId id="2147483687" r:id="rId15"/>
+    <p:sldLayoutId id="2147483688" r:id="rId16"/>
+    <p:sldLayoutId id="2147483689" r:id="rId17"/>
   </p:sldLayoutIdLst>
   <p:txStyles>
     <p:titleStyle>
-      <a:lvl1pPr algn="l" defTabSz="914400" rtl="0" eaLnBrk="1" latinLnBrk="0" hangingPunct="1">
-        <a:lnSpc>
-          <a:spcPct val="90000"/>
-        </a:lnSpc>
+      <a:lvl1pPr algn="l" defTabSz="457200" rtl="0" eaLnBrk="1" latinLnBrk="0" hangingPunct="1">
         <a:spcBef>
           <a:spcPct val="0"/>
         </a:spcBef>
         <a:buNone/>
-        <a:defRPr sz="4400" kern="1200">
+        <a:defRPr sz="4200" b="0" i="0" kern="1200">
+          <a:solidFill>
+            <a:schemeClr val="tx2"/>
+          </a:solidFill>
+          <a:latin typeface="+mj-lt"/>
+          <a:ea typeface="+mj-ea"/>
+          <a:cs typeface="+mj-cs"/>
+        </a:defRPr>
+      </a:lvl1pPr>
+      <a:lvl2pPr eaLnBrk="1" hangingPunct="1">
+        <a:defRPr>
+          <a:solidFill>
+            <a:schemeClr val="tx2"/>
+          </a:solidFill>
+        </a:defRPr>
+      </a:lvl2pPr>
+      <a:lvl3pPr eaLnBrk="1" hangingPunct="1">
+        <a:defRPr>
+          <a:solidFill>
+            <a:schemeClr val="tx2"/>
+          </a:solidFill>
+        </a:defRPr>
+      </a:lvl3pPr>
+      <a:lvl4pPr eaLnBrk="1" hangingPunct="1">
+        <a:defRPr>
+          <a:solidFill>
+            <a:schemeClr val="tx2"/>
+          </a:solidFill>
+        </a:defRPr>
+      </a:lvl4pPr>
+      <a:lvl5pPr eaLnBrk="1" hangingPunct="1">
+        <a:defRPr>
+          <a:solidFill>
+            <a:schemeClr val="tx2"/>
+          </a:solidFill>
+        </a:defRPr>
+      </a:lvl5pPr>
+      <a:lvl6pPr eaLnBrk="1" hangingPunct="1">
+        <a:defRPr>
+          <a:solidFill>
+            <a:schemeClr val="tx2"/>
+          </a:solidFill>
+        </a:defRPr>
+      </a:lvl6pPr>
+      <a:lvl7pPr eaLnBrk="1" hangingPunct="1">
+        <a:defRPr>
+          <a:solidFill>
+            <a:schemeClr val="tx2"/>
+          </a:solidFill>
+        </a:defRPr>
+      </a:lvl7pPr>
+      <a:lvl8pPr eaLnBrk="1" hangingPunct="1">
+        <a:defRPr>
+          <a:solidFill>
+            <a:schemeClr val="tx2"/>
+          </a:solidFill>
+        </a:defRPr>
+      </a:lvl8pPr>
+      <a:lvl9pPr eaLnBrk="1" hangingPunct="1">
+        <a:defRPr>
+          <a:solidFill>
+            <a:schemeClr val="tx2"/>
+          </a:solidFill>
+        </a:defRPr>
+      </a:lvl9pPr>
+    </p:titleStyle>
+    <p:bodyStyle>
+      <a:lvl1pPr marL="342900" indent="-342900" algn="l" defTabSz="457200" rtl="0" eaLnBrk="1" latinLnBrk="0" hangingPunct="1">
+        <a:spcBef>
+          <a:spcPts val="1000"/>
+        </a:spcBef>
+        <a:spcAft>
+          <a:spcPts val="0"/>
+        </a:spcAft>
+        <a:buClr>
+          <a:schemeClr val="bg2">
+            <a:lumMod val="40000"/>
+            <a:lumOff val="60000"/>
+          </a:schemeClr>
+        </a:buClr>
+        <a:buSzPct val="80000"/>
+        <a:buFont typeface="Wingdings 3" charset="2"/>
+        <a:buChar char=""/>
+        <a:defRPr sz="2000" b="0" i="0" kern="1200">
           <a:solidFill>
             <a:schemeClr val="tx1"/>
           </a:solidFill>
@@ -4391,18 +7128,213 @@
           <a:cs typeface="+mj-cs"/>
         </a:defRPr>
       </a:lvl1pPr>
-    </p:titleStyle>
-    <p:bodyStyle>
-      <a:lvl1pPr marL="228600" indent="-228600" algn="l" defTabSz="914400" rtl="0" eaLnBrk="1" latinLnBrk="0" hangingPunct="1">
-        <a:lnSpc>
-          <a:spcPct val="90000"/>
-        </a:lnSpc>
+      <a:lvl2pPr marL="742950" indent="-285750" algn="l" defTabSz="457200" rtl="0" eaLnBrk="1" latinLnBrk="0" hangingPunct="1">
         <a:spcBef>
           <a:spcPts val="1000"/>
         </a:spcBef>
-        <a:buFont typeface="Arial" panose="020B0604020202020204" pitchFamily="34" charset="0"/>
-        <a:buChar char="•"/>
-        <a:defRPr sz="2800" kern="1200">
+        <a:spcAft>
+          <a:spcPts val="0"/>
+        </a:spcAft>
+        <a:buClr>
+          <a:schemeClr val="bg2">
+            <a:lumMod val="40000"/>
+            <a:lumOff val="60000"/>
+          </a:schemeClr>
+        </a:buClr>
+        <a:buSzPct val="80000"/>
+        <a:buFont typeface="Wingdings 3" charset="2"/>
+        <a:buChar char=""/>
+        <a:defRPr sz="1800" b="0" i="0" kern="1200">
+          <a:solidFill>
+            <a:schemeClr val="tx1"/>
+          </a:solidFill>
+          <a:latin typeface="+mj-lt"/>
+          <a:ea typeface="+mj-ea"/>
+          <a:cs typeface="+mj-cs"/>
+        </a:defRPr>
+      </a:lvl2pPr>
+      <a:lvl3pPr marL="1143000" indent="-228600" algn="l" defTabSz="457200" rtl="0" eaLnBrk="1" latinLnBrk="0" hangingPunct="1">
+        <a:spcBef>
+          <a:spcPts val="1000"/>
+        </a:spcBef>
+        <a:spcAft>
+          <a:spcPts val="0"/>
+        </a:spcAft>
+        <a:buClr>
+          <a:schemeClr val="bg2">
+            <a:lumMod val="40000"/>
+            <a:lumOff val="60000"/>
+          </a:schemeClr>
+        </a:buClr>
+        <a:buSzPct val="80000"/>
+        <a:buFont typeface="Wingdings 3" charset="2"/>
+        <a:buChar char=""/>
+        <a:defRPr sz="1600" b="0" i="0" kern="1200">
+          <a:solidFill>
+            <a:schemeClr val="tx1"/>
+          </a:solidFill>
+          <a:latin typeface="+mj-lt"/>
+          <a:ea typeface="+mj-ea"/>
+          <a:cs typeface="+mj-cs"/>
+        </a:defRPr>
+      </a:lvl3pPr>
+      <a:lvl4pPr marL="1600200" indent="-228600" algn="l" defTabSz="457200" rtl="0" eaLnBrk="1" latinLnBrk="0" hangingPunct="1">
+        <a:spcBef>
+          <a:spcPts val="1000"/>
+        </a:spcBef>
+        <a:spcAft>
+          <a:spcPts val="0"/>
+        </a:spcAft>
+        <a:buClr>
+          <a:schemeClr val="bg2">
+            <a:lumMod val="40000"/>
+            <a:lumOff val="60000"/>
+          </a:schemeClr>
+        </a:buClr>
+        <a:buSzPct val="80000"/>
+        <a:buFont typeface="Wingdings 3" charset="2"/>
+        <a:buChar char=""/>
+        <a:defRPr sz="1400" b="0" i="0" kern="1200">
+          <a:solidFill>
+            <a:schemeClr val="tx1"/>
+          </a:solidFill>
+          <a:latin typeface="+mj-lt"/>
+          <a:ea typeface="+mj-ea"/>
+          <a:cs typeface="+mj-cs"/>
+        </a:defRPr>
+      </a:lvl4pPr>
+      <a:lvl5pPr marL="2057400" indent="-228600" algn="l" defTabSz="457200" rtl="0" eaLnBrk="1" latinLnBrk="0" hangingPunct="1">
+        <a:spcBef>
+          <a:spcPts val="1000"/>
+        </a:spcBef>
+        <a:spcAft>
+          <a:spcPts val="0"/>
+        </a:spcAft>
+        <a:buClr>
+          <a:schemeClr val="bg2">
+            <a:lumMod val="40000"/>
+            <a:lumOff val="60000"/>
+          </a:schemeClr>
+        </a:buClr>
+        <a:buSzPct val="80000"/>
+        <a:buFont typeface="Wingdings 3" charset="2"/>
+        <a:buChar char=""/>
+        <a:defRPr sz="1400" b="0" i="0" kern="1200">
+          <a:solidFill>
+            <a:schemeClr val="tx1"/>
+          </a:solidFill>
+          <a:latin typeface="+mj-lt"/>
+          <a:ea typeface="+mj-ea"/>
+          <a:cs typeface="+mj-cs"/>
+        </a:defRPr>
+      </a:lvl5pPr>
+      <a:lvl6pPr marL="2506000" indent="-228600" algn="l" defTabSz="457200" rtl="0" eaLnBrk="1" latinLnBrk="0" hangingPunct="1">
+        <a:spcBef>
+          <a:spcPts val="1000"/>
+        </a:spcBef>
+        <a:spcAft>
+          <a:spcPts val="0"/>
+        </a:spcAft>
+        <a:buClr>
+          <a:schemeClr val="bg2">
+            <a:lumMod val="40000"/>
+            <a:lumOff val="60000"/>
+          </a:schemeClr>
+        </a:buClr>
+        <a:buSzPct val="80000"/>
+        <a:buFont typeface="Wingdings 3" charset="2"/>
+        <a:buChar char=""/>
+        <a:defRPr sz="1400" b="0" i="0" kern="1200">
+          <a:solidFill>
+            <a:schemeClr val="tx1"/>
+          </a:solidFill>
+          <a:latin typeface="+mj-lt"/>
+          <a:ea typeface="+mj-ea"/>
+          <a:cs typeface="+mj-cs"/>
+        </a:defRPr>
+      </a:lvl6pPr>
+      <a:lvl7pPr marL="2971800" indent="-228600" algn="l" defTabSz="457200" rtl="0" eaLnBrk="1" latinLnBrk="0" hangingPunct="1">
+        <a:spcBef>
+          <a:spcPts val="1000"/>
+        </a:spcBef>
+        <a:spcAft>
+          <a:spcPts val="0"/>
+        </a:spcAft>
+        <a:buClr>
+          <a:schemeClr val="bg2">
+            <a:lumMod val="40000"/>
+            <a:lumOff val="60000"/>
+          </a:schemeClr>
+        </a:buClr>
+        <a:buSzPct val="80000"/>
+        <a:buFont typeface="Wingdings 3" charset="2"/>
+        <a:buChar char=""/>
+        <a:defRPr sz="1400" b="0" i="0" kern="1200">
+          <a:solidFill>
+            <a:schemeClr val="tx1"/>
+          </a:solidFill>
+          <a:latin typeface="+mj-lt"/>
+          <a:ea typeface="+mj-ea"/>
+          <a:cs typeface="+mj-cs"/>
+        </a:defRPr>
+      </a:lvl7pPr>
+      <a:lvl8pPr marL="3429000" indent="-228600" algn="l" defTabSz="457200" rtl="0" eaLnBrk="1" latinLnBrk="0" hangingPunct="1">
+        <a:spcBef>
+          <a:spcPts val="1000"/>
+        </a:spcBef>
+        <a:spcAft>
+          <a:spcPts val="0"/>
+        </a:spcAft>
+        <a:buClr>
+          <a:schemeClr val="bg2">
+            <a:lumMod val="40000"/>
+            <a:lumOff val="60000"/>
+          </a:schemeClr>
+        </a:buClr>
+        <a:buSzPct val="80000"/>
+        <a:buFont typeface="Wingdings 3" charset="2"/>
+        <a:buChar char=""/>
+        <a:defRPr sz="1400" b="0" i="0" kern="1200">
+          <a:solidFill>
+            <a:schemeClr val="tx1"/>
+          </a:solidFill>
+          <a:latin typeface="+mj-lt"/>
+          <a:ea typeface="+mj-ea"/>
+          <a:cs typeface="+mj-cs"/>
+        </a:defRPr>
+      </a:lvl8pPr>
+      <a:lvl9pPr marL="3886200" indent="-228600" algn="l" defTabSz="457200" rtl="0" eaLnBrk="1" latinLnBrk="0" hangingPunct="1">
+        <a:spcBef>
+          <a:spcPts val="1000"/>
+        </a:spcBef>
+        <a:spcAft>
+          <a:spcPts val="0"/>
+        </a:spcAft>
+        <a:buClr>
+          <a:schemeClr val="bg2">
+            <a:lumMod val="40000"/>
+            <a:lumOff val="60000"/>
+          </a:schemeClr>
+        </a:buClr>
+        <a:buSzPct val="80000"/>
+        <a:buFont typeface="Wingdings 3" charset="2"/>
+        <a:buChar char=""/>
+        <a:defRPr sz="1400" b="0" i="0" kern="1200">
+          <a:solidFill>
+            <a:schemeClr val="tx1"/>
+          </a:solidFill>
+          <a:latin typeface="+mj-lt"/>
+          <a:ea typeface="+mj-ea"/>
+          <a:cs typeface="+mj-cs"/>
+        </a:defRPr>
+      </a:lvl9pPr>
+    </p:bodyStyle>
+    <p:otherStyle>
+      <a:defPPr>
+        <a:defRPr lang="en-US"/>
+      </a:defPPr>
+      <a:lvl1pPr marL="0" algn="l" defTabSz="457200" rtl="0" eaLnBrk="1" latinLnBrk="0" hangingPunct="1">
+        <a:defRPr sz="1800" kern="1200">
           <a:solidFill>
             <a:schemeClr val="tx1"/>
           </a:solidFill>
@@ -4411,16 +7343,8 @@
           <a:cs typeface="+mn-cs"/>
         </a:defRPr>
       </a:lvl1pPr>
-      <a:lvl2pPr marL="685800" indent="-228600" algn="l" defTabSz="914400" rtl="0" eaLnBrk="1" latinLnBrk="0" hangingPunct="1">
-        <a:lnSpc>
-          <a:spcPct val="90000"/>
-        </a:lnSpc>
-        <a:spcBef>
-          <a:spcPts val="500"/>
-        </a:spcBef>
-        <a:buFont typeface="Arial" panose="020B0604020202020204" pitchFamily="34" charset="0"/>
-        <a:buChar char="•"/>
-        <a:defRPr sz="2400" kern="1200">
+      <a:lvl2pPr marL="457200" algn="l" defTabSz="457200" rtl="0" eaLnBrk="1" latinLnBrk="0" hangingPunct="1">
+        <a:defRPr sz="1800" kern="1200">
           <a:solidFill>
             <a:schemeClr val="tx1"/>
           </a:solidFill>
@@ -4429,16 +7353,8 @@
           <a:cs typeface="+mn-cs"/>
         </a:defRPr>
       </a:lvl2pPr>
-      <a:lvl3pPr marL="1143000" indent="-228600" algn="l" defTabSz="914400" rtl="0" eaLnBrk="1" latinLnBrk="0" hangingPunct="1">
-        <a:lnSpc>
-          <a:spcPct val="90000"/>
-        </a:lnSpc>
-        <a:spcBef>
-          <a:spcPts val="500"/>
-        </a:spcBef>
-        <a:buFont typeface="Arial" panose="020B0604020202020204" pitchFamily="34" charset="0"/>
-        <a:buChar char="•"/>
-        <a:defRPr sz="2000" kern="1200">
+      <a:lvl3pPr marL="914400" algn="l" defTabSz="457200" rtl="0" eaLnBrk="1" latinLnBrk="0" hangingPunct="1">
+        <a:defRPr sz="1800" kern="1200">
           <a:solidFill>
             <a:schemeClr val="tx1"/>
           </a:solidFill>
@@ -4447,15 +7363,7 @@
           <a:cs typeface="+mn-cs"/>
         </a:defRPr>
       </a:lvl3pPr>
-      <a:lvl4pPr marL="1600200" indent="-228600" algn="l" defTabSz="914400" rtl="0" eaLnBrk="1" latinLnBrk="0" hangingPunct="1">
-        <a:lnSpc>
-          <a:spcPct val="90000"/>
-        </a:lnSpc>
-        <a:spcBef>
-          <a:spcPts val="500"/>
-        </a:spcBef>
-        <a:buFont typeface="Arial" panose="020B0604020202020204" pitchFamily="34" charset="0"/>
-        <a:buChar char="•"/>
+      <a:lvl4pPr marL="1371600" algn="l" defTabSz="457200" rtl="0" eaLnBrk="1" latinLnBrk="0" hangingPunct="1">
         <a:defRPr sz="1800" kern="1200">
           <a:solidFill>
             <a:schemeClr val="tx1"/>
@@ -4465,15 +7373,7 @@
           <a:cs typeface="+mn-cs"/>
         </a:defRPr>
       </a:lvl4pPr>
-      <a:lvl5pPr marL="2057400" indent="-228600" algn="l" defTabSz="914400" rtl="0" eaLnBrk="1" latinLnBrk="0" hangingPunct="1">
-        <a:lnSpc>
-          <a:spcPct val="90000"/>
-        </a:lnSpc>
-        <a:spcBef>
-          <a:spcPts val="500"/>
-        </a:spcBef>
-        <a:buFont typeface="Arial" panose="020B0604020202020204" pitchFamily="34" charset="0"/>
-        <a:buChar char="•"/>
+      <a:lvl5pPr marL="1828800" algn="l" defTabSz="457200" rtl="0" eaLnBrk="1" latinLnBrk="0" hangingPunct="1">
         <a:defRPr sz="1800" kern="1200">
           <a:solidFill>
             <a:schemeClr val="tx1"/>
@@ -4483,15 +7383,7 @@
           <a:cs typeface="+mn-cs"/>
         </a:defRPr>
       </a:lvl5pPr>
-      <a:lvl6pPr marL="2514600" indent="-228600" algn="l" defTabSz="914400" rtl="0" eaLnBrk="1" latinLnBrk="0" hangingPunct="1">
-        <a:lnSpc>
-          <a:spcPct val="90000"/>
-        </a:lnSpc>
-        <a:spcBef>
-          <a:spcPts val="500"/>
-        </a:spcBef>
-        <a:buFont typeface="Arial" panose="020B0604020202020204" pitchFamily="34" charset="0"/>
-        <a:buChar char="•"/>
+      <a:lvl6pPr marL="2286000" algn="l" defTabSz="457200" rtl="0" eaLnBrk="1" latinLnBrk="0" hangingPunct="1">
         <a:defRPr sz="1800" kern="1200">
           <a:solidFill>
             <a:schemeClr val="tx1"/>
@@ -4501,15 +7393,7 @@
           <a:cs typeface="+mn-cs"/>
         </a:defRPr>
       </a:lvl6pPr>
-      <a:lvl7pPr marL="2971800" indent="-228600" algn="l" defTabSz="914400" rtl="0" eaLnBrk="1" latinLnBrk="0" hangingPunct="1">
-        <a:lnSpc>
-          <a:spcPct val="90000"/>
-        </a:lnSpc>
-        <a:spcBef>
-          <a:spcPts val="500"/>
-        </a:spcBef>
-        <a:buFont typeface="Arial" panose="020B0604020202020204" pitchFamily="34" charset="0"/>
-        <a:buChar char="•"/>
+      <a:lvl7pPr marL="2743200" algn="l" defTabSz="457200" rtl="0" eaLnBrk="1" latinLnBrk="0" hangingPunct="1">
         <a:defRPr sz="1800" kern="1200">
           <a:solidFill>
             <a:schemeClr val="tx1"/>
@@ -4519,15 +7403,7 @@
           <a:cs typeface="+mn-cs"/>
         </a:defRPr>
       </a:lvl7pPr>
-      <a:lvl8pPr marL="3429000" indent="-228600" algn="l" defTabSz="914400" rtl="0" eaLnBrk="1" latinLnBrk="0" hangingPunct="1">
-        <a:lnSpc>
-          <a:spcPct val="90000"/>
-        </a:lnSpc>
-        <a:spcBef>
-          <a:spcPts val="500"/>
-        </a:spcBef>
-        <a:buFont typeface="Arial" panose="020B0604020202020204" pitchFamily="34" charset="0"/>
-        <a:buChar char="•"/>
+      <a:lvl8pPr marL="3200400" algn="l" defTabSz="457200" rtl="0" eaLnBrk="1" latinLnBrk="0" hangingPunct="1">
         <a:defRPr sz="1800" kern="1200">
           <a:solidFill>
             <a:schemeClr val="tx1"/>
@@ -4537,110 +7413,7 @@
           <a:cs typeface="+mn-cs"/>
         </a:defRPr>
       </a:lvl8pPr>
-      <a:lvl9pPr marL="3886200" indent="-228600" algn="l" defTabSz="914400" rtl="0" eaLnBrk="1" latinLnBrk="0" hangingPunct="1">
-        <a:lnSpc>
-          <a:spcPct val="90000"/>
-        </a:lnSpc>
-        <a:spcBef>
-          <a:spcPts val="500"/>
-        </a:spcBef>
-        <a:buFont typeface="Arial" panose="020B0604020202020204" pitchFamily="34" charset="0"/>
-        <a:buChar char="•"/>
-        <a:defRPr sz="1800" kern="1200">
-          <a:solidFill>
-            <a:schemeClr val="tx1"/>
-          </a:solidFill>
-          <a:latin typeface="+mn-lt"/>
-          <a:ea typeface="+mn-ea"/>
-          <a:cs typeface="+mn-cs"/>
-        </a:defRPr>
-      </a:lvl9pPr>
-    </p:bodyStyle>
-    <p:otherStyle>
-      <a:defPPr>
-        <a:defRPr lang="en-US"/>
-      </a:defPPr>
-      <a:lvl1pPr marL="0" algn="l" defTabSz="914400" rtl="0" eaLnBrk="1" latinLnBrk="0" hangingPunct="1">
-        <a:defRPr sz="1800" kern="1200">
-          <a:solidFill>
-            <a:schemeClr val="tx1"/>
-          </a:solidFill>
-          <a:latin typeface="+mn-lt"/>
-          <a:ea typeface="+mn-ea"/>
-          <a:cs typeface="+mn-cs"/>
-        </a:defRPr>
-      </a:lvl1pPr>
-      <a:lvl2pPr marL="457200" algn="l" defTabSz="914400" rtl="0" eaLnBrk="1" latinLnBrk="0" hangingPunct="1">
-        <a:defRPr sz="1800" kern="1200">
-          <a:solidFill>
-            <a:schemeClr val="tx1"/>
-          </a:solidFill>
-          <a:latin typeface="+mn-lt"/>
-          <a:ea typeface="+mn-ea"/>
-          <a:cs typeface="+mn-cs"/>
-        </a:defRPr>
-      </a:lvl2pPr>
-      <a:lvl3pPr marL="914400" algn="l" defTabSz="914400" rtl="0" eaLnBrk="1" latinLnBrk="0" hangingPunct="1">
-        <a:defRPr sz="1800" kern="1200">
-          <a:solidFill>
-            <a:schemeClr val="tx1"/>
-          </a:solidFill>
-          <a:latin typeface="+mn-lt"/>
-          <a:ea typeface="+mn-ea"/>
-          <a:cs typeface="+mn-cs"/>
-        </a:defRPr>
-      </a:lvl3pPr>
-      <a:lvl4pPr marL="1371600" algn="l" defTabSz="914400" rtl="0" eaLnBrk="1" latinLnBrk="0" hangingPunct="1">
-        <a:defRPr sz="1800" kern="1200">
-          <a:solidFill>
-            <a:schemeClr val="tx1"/>
-          </a:solidFill>
-          <a:latin typeface="+mn-lt"/>
-          <a:ea typeface="+mn-ea"/>
-          <a:cs typeface="+mn-cs"/>
-        </a:defRPr>
-      </a:lvl4pPr>
-      <a:lvl5pPr marL="1828800" algn="l" defTabSz="914400" rtl="0" eaLnBrk="1" latinLnBrk="0" hangingPunct="1">
-        <a:defRPr sz="1800" kern="1200">
-          <a:solidFill>
-            <a:schemeClr val="tx1"/>
-          </a:solidFill>
-          <a:latin typeface="+mn-lt"/>
-          <a:ea typeface="+mn-ea"/>
-          <a:cs typeface="+mn-cs"/>
-        </a:defRPr>
-      </a:lvl5pPr>
-      <a:lvl6pPr marL="2286000" algn="l" defTabSz="914400" rtl="0" eaLnBrk="1" latinLnBrk="0" hangingPunct="1">
-        <a:defRPr sz="1800" kern="1200">
-          <a:solidFill>
-            <a:schemeClr val="tx1"/>
-          </a:solidFill>
-          <a:latin typeface="+mn-lt"/>
-          <a:ea typeface="+mn-ea"/>
-          <a:cs typeface="+mn-cs"/>
-        </a:defRPr>
-      </a:lvl6pPr>
-      <a:lvl7pPr marL="2743200" algn="l" defTabSz="914400" rtl="0" eaLnBrk="1" latinLnBrk="0" hangingPunct="1">
-        <a:defRPr sz="1800" kern="1200">
-          <a:solidFill>
-            <a:schemeClr val="tx1"/>
-          </a:solidFill>
-          <a:latin typeface="+mn-lt"/>
-          <a:ea typeface="+mn-ea"/>
-          <a:cs typeface="+mn-cs"/>
-        </a:defRPr>
-      </a:lvl7pPr>
-      <a:lvl8pPr marL="3200400" algn="l" defTabSz="914400" rtl="0" eaLnBrk="1" latinLnBrk="0" hangingPunct="1">
-        <a:defRPr sz="1800" kern="1200">
-          <a:solidFill>
-            <a:schemeClr val="tx1"/>
-          </a:solidFill>
-          <a:latin typeface="+mn-lt"/>
-          <a:ea typeface="+mn-ea"/>
-          <a:cs typeface="+mn-cs"/>
-        </a:defRPr>
-      </a:lvl8pPr>
-      <a:lvl9pPr marL="3657600" algn="l" defTabSz="914400" rtl="0" eaLnBrk="1" latinLnBrk="0" hangingPunct="1">
+      <a:lvl9pPr marL="3657600" algn="l" defTabSz="457200" rtl="0" eaLnBrk="1" latinLnBrk="0" hangingPunct="1">
         <a:defRPr sz="1800" kern="1200">
           <a:solidFill>
             <a:schemeClr val="tx1"/>
@@ -4721,6 +7494,10 @@
           <a:bodyPr/>
           <a:lstStyle/>
           <a:p>
+            <a:r>
+              <a:rPr lang="en-US"/>
+              <a:t>Sean Connelly</a:t>
+            </a:r>
             <a:endParaRPr lang="en-US" dirty="0"/>
           </a:p>
         </p:txBody>
@@ -4940,7 +7717,7 @@
         <p:spPr/>
         <p:txBody>
           <a:bodyPr>
-            <a:normAutofit fontScale="92500" lnSpcReduction="10000"/>
+            <a:normAutofit/>
           </a:bodyPr>
           <a:lstStyle/>
           <a:p>
@@ -5055,7 +7832,7 @@
         <p:spPr/>
         <p:txBody>
           <a:bodyPr>
-            <a:normAutofit fontScale="92500" lnSpcReduction="10000"/>
+            <a:normAutofit/>
           </a:bodyPr>
           <a:lstStyle/>
           <a:p>
@@ -5073,8 +7850,13 @@
           <a:p>
             <a:r>
               <a:rPr lang="en-US" dirty="0"/>
-              <a:t>Reduced human error and enhanced collaboration.</a:t>
-            </a:r>
+              <a:t>Reduced human error and enhanced </a:t>
+            </a:r>
+            <a:r>
+              <a:rPr lang="en-US"/>
+              <a:t>collaboration.</a:t>
+            </a:r>
+            <a:endParaRPr lang="en-US" dirty="0"/>
           </a:p>
         </p:txBody>
       </p:sp>
@@ -5185,7 +7967,7 @@
         <p:spPr/>
         <p:txBody>
           <a:bodyPr>
-            <a:normAutofit fontScale="92500" lnSpcReduction="10000"/>
+            <a:normAutofit/>
           </a:bodyPr>
           <a:lstStyle/>
           <a:p>
@@ -5211,7 +7993,7 @@
           <a:p>
             <a:r>
               <a:rPr lang="en-US" dirty="0"/>
-              <a:t>State Management of all resources</a:t>
+              <a:t>State Management of managed resources, including cleanup</a:t>
             </a:r>
           </a:p>
           <a:p>
@@ -5351,7 +8133,7 @@
         <p:spPr/>
         <p:txBody>
           <a:bodyPr>
-            <a:normAutofit fontScale="92500" lnSpcReduction="10000"/>
+            <a:normAutofit/>
           </a:bodyPr>
           <a:lstStyle/>
           <a:p>
@@ -5369,7 +8151,7 @@
           <a:p>
             <a:r>
               <a:rPr lang="en-US" dirty="0"/>
-              <a:t>Uses ARM for state of azure resources</a:t>
+              <a:t>Uses ARM to check state of azure resources in current run. No cleanup for resources removed between runs.</a:t>
             </a:r>
           </a:p>
           <a:p>
@@ -5646,7 +8428,7 @@
         <p:spPr/>
         <p:txBody>
           <a:bodyPr>
-            <a:normAutofit lnSpcReduction="10000"/>
+            <a:normAutofit/>
           </a:bodyPr>
           <a:lstStyle/>
           <a:p>
@@ -5722,7 +8504,7 @@
         <p:spPr/>
         <p:txBody>
           <a:bodyPr>
-            <a:normAutofit lnSpcReduction="10000"/>
+            <a:normAutofit/>
           </a:bodyPr>
           <a:lstStyle/>
           <a:p>
@@ -6021,7 +8803,7 @@
         </p:blipFill>
         <p:spPr>
           <a:xfrm>
-            <a:off x="5754337" y="1233181"/>
+            <a:off x="4867718" y="1542744"/>
             <a:ext cx="5029902" cy="4382112"/>
           </a:xfrm>
         </p:spPr>
@@ -6316,9 +9098,9 @@
 </file>
 
 <file path=ppt/theme/theme1.xml><?xml version="1.0" encoding="utf-8"?>
-<a:theme xmlns:a="http://schemas.openxmlformats.org/drawingml/2006/main" name="Office Theme">
+<a:theme xmlns:a="http://schemas.openxmlformats.org/drawingml/2006/main" name="Ion">
   <a:themeElements>
-    <a:clrScheme name="Office">
+    <a:clrScheme name="Ion">
       <a:dk1>
         <a:sysClr val="windowText" lastClr="000000"/>
       </a:dk1>
@@ -6326,44 +9108,44 @@
         <a:sysClr val="window" lastClr="FFFFFF"/>
       </a:lt1>
       <a:dk2>
-        <a:srgbClr val="0E2841"/>
+        <a:srgbClr val="1E5155"/>
       </a:dk2>
       <a:lt2>
-        <a:srgbClr val="E8E8E8"/>
+        <a:srgbClr val="EBEBEB"/>
       </a:lt2>
       <a:accent1>
-        <a:srgbClr val="156082"/>
+        <a:srgbClr val="B01513"/>
       </a:accent1>
       <a:accent2>
-        <a:srgbClr val="E97132"/>
+        <a:srgbClr val="EA6312"/>
       </a:accent2>
       <a:accent3>
-        <a:srgbClr val="196B24"/>
+        <a:srgbClr val="E6B729"/>
       </a:accent3>
       <a:accent4>
-        <a:srgbClr val="0F9ED5"/>
+        <a:srgbClr val="6AAC90"/>
       </a:accent4>
       <a:accent5>
-        <a:srgbClr val="A02B93"/>
+        <a:srgbClr val="54849A"/>
       </a:accent5>
       <a:accent6>
-        <a:srgbClr val="4EA72E"/>
+        <a:srgbClr val="9E5E9B"/>
       </a:accent6>
       <a:hlink>
-        <a:srgbClr val="467886"/>
+        <a:srgbClr val="58C1BA"/>
       </a:hlink>
       <a:folHlink>
-        <a:srgbClr val="96607D"/>
+        <a:srgbClr val="9DFFCB"/>
       </a:folHlink>
     </a:clrScheme>
-    <a:fontScheme name="Office">
+    <a:fontScheme name="Ion">
       <a:majorFont>
-        <a:latin typeface="Aptos Display" panose="02110004020202020204"/>
+        <a:latin typeface="Century Gothic" panose="020B0502020202020204"/>
         <a:ea typeface=""/>
         <a:cs typeface=""/>
-        <a:font script="Jpan" typeface="游ゴシック Light"/>
+        <a:font script="Jpan" typeface="メイリオ"/>
         <a:font script="Hang" typeface="맑은 고딕"/>
-        <a:font script="Hans" typeface="等线 Light"/>
+        <a:font script="Hans" typeface="宋体"/>
         <a:font script="Hant" typeface="新細明體"/>
         <a:font script="Arab" typeface="Times New Roman"/>
         <a:font script="Hebr" typeface="Times New Roman"/>
@@ -6391,31 +9173,14 @@
         <a:font script="Viet" typeface="Times New Roman"/>
         <a:font script="Uigh" typeface="Microsoft Uighur"/>
         <a:font script="Geor" typeface="Sylfaen"/>
-        <a:font script="Armn" typeface="Arial"/>
-        <a:font script="Bugi" typeface="Leelawadee UI"/>
-        <a:font script="Bopo" typeface="Microsoft JhengHei"/>
-        <a:font script="Java" typeface="Javanese Text"/>
-        <a:font script="Lisu" typeface="Segoe UI"/>
-        <a:font script="Mymr" typeface="Myanmar Text"/>
-        <a:font script="Nkoo" typeface="Ebrima"/>
-        <a:font script="Olck" typeface="Nirmala UI"/>
-        <a:font script="Osma" typeface="Ebrima"/>
-        <a:font script="Phag" typeface="Phagspa"/>
-        <a:font script="Syrn" typeface="Estrangelo Edessa"/>
-        <a:font script="Syrj" typeface="Estrangelo Edessa"/>
-        <a:font script="Syre" typeface="Estrangelo Edessa"/>
-        <a:font script="Sora" typeface="Nirmala UI"/>
-        <a:font script="Tale" typeface="Microsoft Tai Le"/>
-        <a:font script="Talu" typeface="Microsoft New Tai Lue"/>
-        <a:font script="Tfng" typeface="Ebrima"/>
       </a:majorFont>
       <a:minorFont>
-        <a:latin typeface="Aptos" panose="02110004020202020204"/>
+        <a:latin typeface="Century Gothic" panose="020B0502020202020204"/>
         <a:ea typeface=""/>
         <a:cs typeface=""/>
-        <a:font script="Jpan" typeface="游ゴシック"/>
+        <a:font script="Jpan" typeface="メイリオ"/>
         <a:font script="Hang" typeface="맑은 고딕"/>
-        <a:font script="Hans" typeface="等线"/>
+        <a:font script="Hans" typeface="宋体"/>
         <a:font script="Hant" typeface="新細明體"/>
         <a:font script="Arab" typeface="Arial"/>
         <a:font script="Hebr" typeface="Arial"/>
@@ -6443,26 +9208,9 @@
         <a:font script="Viet" typeface="Arial"/>
         <a:font script="Uigh" typeface="Microsoft Uighur"/>
         <a:font script="Geor" typeface="Sylfaen"/>
-        <a:font script="Armn" typeface="Arial"/>
-        <a:font script="Bugi" typeface="Leelawadee UI"/>
-        <a:font script="Bopo" typeface="Microsoft JhengHei"/>
-        <a:font script="Java" typeface="Javanese Text"/>
-        <a:font script="Lisu" typeface="Segoe UI"/>
-        <a:font script="Mymr" typeface="Myanmar Text"/>
-        <a:font script="Nkoo" typeface="Ebrima"/>
-        <a:font script="Olck" typeface="Nirmala UI"/>
-        <a:font script="Osma" typeface="Ebrima"/>
-        <a:font script="Phag" typeface="Phagspa"/>
-        <a:font script="Syrn" typeface="Estrangelo Edessa"/>
-        <a:font script="Syrj" typeface="Estrangelo Edessa"/>
-        <a:font script="Syre" typeface="Estrangelo Edessa"/>
-        <a:font script="Sora" typeface="Nirmala UI"/>
-        <a:font script="Tale" typeface="Microsoft Tai Le"/>
-        <a:font script="Talu" typeface="Microsoft New Tai Lue"/>
-        <a:font script="Tfng" typeface="Ebrima"/>
       </a:minorFont>
     </a:fontScheme>
-    <a:fmtScheme name="Office">
+    <a:fmtScheme name="Ion">
       <a:fillStyleLst>
         <a:solidFill>
           <a:schemeClr val="phClr"/>
@@ -6471,23 +9219,15 @@
           <a:gsLst>
             <a:gs pos="0">
               <a:schemeClr val="phClr">
-                <a:lumMod val="110000"/>
-                <a:satMod val="105000"/>
-                <a:tint val="67000"/>
-              </a:schemeClr>
-            </a:gs>
-            <a:gs pos="50000">
-              <a:schemeClr val="phClr">
-                <a:lumMod val="105000"/>
-                <a:satMod val="103000"/>
-                <a:tint val="73000"/>
+                <a:tint val="64000"/>
+                <a:lumMod val="118000"/>
               </a:schemeClr>
             </a:gs>
             <a:gs pos="100000">
               <a:schemeClr val="phClr">
-                <a:lumMod val="105000"/>
-                <a:satMod val="109000"/>
-                <a:tint val="81000"/>
+                <a:tint val="92000"/>
+                <a:alpha val="100000"/>
+                <a:lumMod val="110000"/>
               </a:schemeClr>
             </a:gs>
           </a:gsLst>
@@ -6497,23 +9237,14 @@
           <a:gsLst>
             <a:gs pos="0">
               <a:schemeClr val="phClr">
-                <a:satMod val="103000"/>
-                <a:lumMod val="102000"/>
-                <a:tint val="94000"/>
-              </a:schemeClr>
-            </a:gs>
-            <a:gs pos="50000">
-              <a:schemeClr val="phClr">
-                <a:satMod val="110000"/>
-                <a:lumMod val="100000"/>
-                <a:shade val="100000"/>
+                <a:tint val="98000"/>
+                <a:lumMod val="114000"/>
               </a:schemeClr>
             </a:gs>
             <a:gs pos="100000">
               <a:schemeClr val="phClr">
-                <a:lumMod val="99000"/>
-                <a:satMod val="120000"/>
-                <a:shade val="78000"/>
+                <a:shade val="90000"/>
+                <a:lumMod val="84000"/>
               </a:schemeClr>
             </a:gs>
           </a:gsLst>
@@ -6521,26 +9252,23 @@
         </a:gradFill>
       </a:fillStyleLst>
       <a:lnStyleLst>
-        <a:ln w="12700" cap="flat" cmpd="sng" algn="ctr">
+        <a:ln w="9525" cap="rnd" cmpd="sng" algn="ctr">
           <a:solidFill>
             <a:schemeClr val="phClr"/>
           </a:solidFill>
           <a:prstDash val="solid"/>
-          <a:miter lim="800000"/>
         </a:ln>
-        <a:ln w="19050" cap="flat" cmpd="sng" algn="ctr">
+        <a:ln w="19050" cap="rnd" cmpd="sng" algn="ctr">
           <a:solidFill>
             <a:schemeClr val="phClr"/>
           </a:solidFill>
           <a:prstDash val="solid"/>
-          <a:miter lim="800000"/>
         </a:ln>
-        <a:ln w="25400" cap="flat" cmpd="sng" algn="ctr">
+        <a:ln w="28575" cap="rnd" cmpd="sng" algn="ctr">
           <a:solidFill>
             <a:schemeClr val="phClr"/>
           </a:solidFill>
           <a:prstDash val="solid"/>
-          <a:miter lim="800000"/>
         </a:ln>
       </a:lnStyleLst>
       <a:effectStyleLst>
@@ -6548,83 +9276,88 @@
           <a:effectLst/>
         </a:effectStyle>
         <a:effectStyle>
-          <a:effectLst/>
+          <a:effectLst>
+            <a:outerShdw blurRad="38100" dist="25400" dir="5400000" rotWithShape="0">
+              <a:srgbClr val="000000">
+                <a:alpha val="45000"/>
+              </a:srgbClr>
+            </a:outerShdw>
+          </a:effectLst>
         </a:effectStyle>
         <a:effectStyle>
           <a:effectLst>
-            <a:outerShdw blurRad="57150" dist="19050" dir="5400000" algn="ctr" rotWithShape="0">
+            <a:outerShdw blurRad="63500" dist="38100" dir="5400000" rotWithShape="0">
               <a:srgbClr val="000000">
-                <a:alpha val="63000"/>
+                <a:alpha val="60000"/>
               </a:srgbClr>
             </a:outerShdw>
           </a:effectLst>
+          <a:scene3d>
+            <a:camera prst="orthographicFront">
+              <a:rot lat="0" lon="0" rev="0"/>
+            </a:camera>
+            <a:lightRig rig="threePt" dir="tl"/>
+          </a:scene3d>
+          <a:sp3d prstMaterial="plastic">
+            <a:bevelT w="0" h="0"/>
+          </a:sp3d>
         </a:effectStyle>
       </a:effectStyleLst>
       <a:bgFillStyleLst>
         <a:solidFill>
           <a:schemeClr val="phClr"/>
         </a:solidFill>
-        <a:solidFill>
-          <a:schemeClr val="phClr">
-            <a:tint val="95000"/>
-            <a:satMod val="170000"/>
-          </a:schemeClr>
-        </a:solidFill>
         <a:gradFill rotWithShape="1">
           <a:gsLst>
             <a:gs pos="0">
               <a:schemeClr val="phClr">
-                <a:tint val="93000"/>
-                <a:satMod val="150000"/>
-                <a:shade val="98000"/>
-                <a:lumMod val="102000"/>
-              </a:schemeClr>
-            </a:gs>
-            <a:gs pos="50000">
-              <a:schemeClr val="phClr">
-                <a:tint val="98000"/>
+                <a:tint val="97000"/>
+                <a:hueMod val="88000"/>
                 <a:satMod val="130000"/>
-                <a:shade val="90000"/>
-                <a:lumMod val="103000"/>
+                <a:lumMod val="124000"/>
               </a:schemeClr>
             </a:gs>
             <a:gs pos="100000">
               <a:schemeClr val="phClr">
-                <a:shade val="63000"/>
-                <a:satMod val="120000"/>
+                <a:tint val="96000"/>
+                <a:shade val="88000"/>
+                <a:hueMod val="108000"/>
+                <a:satMod val="164000"/>
+                <a:lumMod val="76000"/>
               </a:schemeClr>
             </a:gs>
           </a:gsLst>
-          <a:lin ang="5400000" scaled="0"/>
+          <a:path path="circle">
+            <a:fillToRect l="45000" t="65000" r="125000" b="100000"/>
+          </a:path>
         </a:gradFill>
+        <a:blipFill rotWithShape="1">
+          <a:blip xmlns:r="http://schemas.openxmlformats.org/officeDocument/2006/relationships" r:embed="rId1">
+            <a:duotone>
+              <a:schemeClr val="phClr">
+                <a:shade val="69000"/>
+                <a:hueMod val="108000"/>
+                <a:satMod val="164000"/>
+                <a:lumMod val="74000"/>
+              </a:schemeClr>
+              <a:schemeClr val="phClr">
+                <a:tint val="96000"/>
+                <a:hueMod val="88000"/>
+                <a:satMod val="140000"/>
+                <a:lumMod val="132000"/>
+              </a:schemeClr>
+            </a:duotone>
+          </a:blip>
+          <a:stretch/>
+        </a:blipFill>
       </a:bgFillStyleLst>
     </a:fmtScheme>
   </a:themeElements>
-  <a:objectDefaults>
-    <a:lnDef>
-      <a:spPr/>
-      <a:bodyPr/>
-      <a:lstStyle/>
-      <a:style>
-        <a:lnRef idx="2">
-          <a:schemeClr val="accent1"/>
-        </a:lnRef>
-        <a:fillRef idx="0">
-          <a:schemeClr val="accent1"/>
-        </a:fillRef>
-        <a:effectRef idx="1">
-          <a:schemeClr val="accent1"/>
-        </a:effectRef>
-        <a:fontRef idx="minor">
-          <a:schemeClr val="tx1"/>
-        </a:fontRef>
-      </a:style>
-    </a:lnDef>
-  </a:objectDefaults>
+  <a:objectDefaults/>
   <a:extraClrSchemeLst/>
   <a:extLst>
     <a:ext uri="{05A4C25C-085E-4340-85A3-A5531E510DB2}">
-      <thm15:themeFamily xmlns:thm15="http://schemas.microsoft.com/office/thememl/2012/main" name="Office Theme" id="{2E142A2C-CD16-42D6-873A-C26D2A0506FA}" vid="{1BDDFF52-6CD6-40A5-AB3C-68EB2F1E4D0A}"/>
+      <thm15:themeFamily xmlns:thm15="http://schemas.microsoft.com/office/thememl/2012/main" name="Ion" id="{B8441ADB-2E43-4AF7-B97A-BD870242C6A8}" vid="{292E63A9-BB86-4E3D-B92A-7223C6510D2E}"/>
     </a:ext>
   </a:extLst>
 </a:theme>
@@ -6946,6 +9679,23 @@
 </file>
 
 <file path=customXml/item1.xml><?xml version="1.0" encoding="utf-8"?>
+<p:properties xmlns:p="http://schemas.microsoft.com/office/2006/metadata/properties" xmlns:xsi="http://www.w3.org/2001/XMLSchema-instance" xmlns:pc="http://schemas.microsoft.com/office/infopath/2007/PartnerControls">
+  <documentManagement>
+    <_activity xmlns="cb837b2a-165d-46ec-a28c-42811268f45d" xsi:nil="true"/>
+  </documentManagement>
+</p:properties>
+</file>
+
+<file path=customXml/item2.xml><?xml version="1.0" encoding="utf-8"?>
+<?mso-contentType ?>
+<FormTemplates xmlns="http://schemas.microsoft.com/sharepoint/v3/contenttype/forms">
+  <Display>DocumentLibraryForm</Display>
+  <Edit>DocumentLibraryForm</Edit>
+  <New>DocumentLibraryForm</New>
+</FormTemplates>
+</file>
+
+<file path=customXml/item3.xml><?xml version="1.0" encoding="utf-8"?>
 <ct:contentTypeSchema xmlns:ct="http://schemas.microsoft.com/office/2006/metadata/contentType" xmlns:ma="http://schemas.microsoft.com/office/2006/metadata/properties/metaAttributes" ct:_="" ma:_="" ma:contentTypeName="Document" ma:contentTypeID="0x01010083A8A451842E764FABAFAEC5C3795537" ma:contentTypeVersion="15" ma:contentTypeDescription="Create a new document." ma:contentTypeScope="" ma:versionID="ff513c036fe7f44368879a347d38bf40">
   <xsd:schema xmlns:xsd="http://www.w3.org/2001/XMLSchema" xmlns:xs="http://www.w3.org/2001/XMLSchema" xmlns:p="http://schemas.microsoft.com/office/2006/metadata/properties" xmlns:ns3="cb837b2a-165d-46ec-a28c-42811268f45d" xmlns:ns4="a4569ba3-3b00-4ca7-aa12-73edb6a7195e" targetNamespace="http://schemas.microsoft.com/office/2006/metadata/properties" ma:root="true" ma:fieldsID="c739c5ebd563ea407c15e1be59592248" ns3:_="" ns4:_="">
     <xsd:import namespace="cb837b2a-165d-46ec-a28c-42811268f45d"/>
@@ -7178,24 +9928,32 @@
 </ct:contentTypeSchema>
 </file>
 
-<file path=customXml/item2.xml><?xml version="1.0" encoding="utf-8"?>
-<?mso-contentType ?>
-<FormTemplates xmlns="http://schemas.microsoft.com/sharepoint/v3/contenttype/forms">
-  <Display>DocumentLibraryForm</Display>
-  <Edit>DocumentLibraryForm</Edit>
-  <New>DocumentLibraryForm</New>
-</FormTemplates>
+<file path=customXml/itemProps1.xml><?xml version="1.0" encoding="utf-8"?>
+<ds:datastoreItem xmlns:ds="http://schemas.openxmlformats.org/officeDocument/2006/customXml" ds:itemID="{30B43509-E86D-4D16-A4E1-C4E63AFAF3E6}">
+  <ds:schemaRefs>
+    <ds:schemaRef ds:uri="http://www.w3.org/XML/1998/namespace"/>
+    <ds:schemaRef ds:uri="http://schemas.microsoft.com/office/2006/documentManagement/types"/>
+    <ds:schemaRef ds:uri="http://purl.org/dc/elements/1.1/"/>
+    <ds:schemaRef ds:uri="http://purl.org/dc/dcmitype/"/>
+    <ds:schemaRef ds:uri="http://schemas.microsoft.com/office/infopath/2007/PartnerControls"/>
+    <ds:schemaRef ds:uri="cb837b2a-165d-46ec-a28c-42811268f45d"/>
+    <ds:schemaRef ds:uri="http://schemas.microsoft.com/office/2006/metadata/properties"/>
+    <ds:schemaRef ds:uri="http://schemas.openxmlformats.org/package/2006/metadata/core-properties"/>
+    <ds:schemaRef ds:uri="a4569ba3-3b00-4ca7-aa12-73edb6a7195e"/>
+    <ds:schemaRef ds:uri="http://purl.org/dc/terms/"/>
+  </ds:schemaRefs>
+</ds:datastoreItem>
 </file>
 
-<file path=customXml/item3.xml><?xml version="1.0" encoding="utf-8"?>
-<p:properties xmlns:p="http://schemas.microsoft.com/office/2006/metadata/properties" xmlns:xsi="http://www.w3.org/2001/XMLSchema-instance" xmlns:pc="http://schemas.microsoft.com/office/infopath/2007/PartnerControls">
-  <documentManagement>
-    <_activity xmlns="cb837b2a-165d-46ec-a28c-42811268f45d" xsi:nil="true"/>
-  </documentManagement>
-</p:properties>
+<file path=customXml/itemProps2.xml><?xml version="1.0" encoding="utf-8"?>
+<ds:datastoreItem xmlns:ds="http://schemas.openxmlformats.org/officeDocument/2006/customXml" ds:itemID="{412CA178-9CF9-4005-97F4-9AF011B56357}">
+  <ds:schemaRefs>
+    <ds:schemaRef ds:uri="http://schemas.microsoft.com/sharepoint/v3/contenttype/forms"/>
+  </ds:schemaRefs>
+</ds:datastoreItem>
 </file>
 
-<file path=customXml/itemProps1.xml><?xml version="1.0" encoding="utf-8"?>
+<file path=customXml/itemProps3.xml><?xml version="1.0" encoding="utf-8"?>
 <ds:datastoreItem xmlns:ds="http://schemas.openxmlformats.org/officeDocument/2006/customXml" ds:itemID="{D9D6C723-02BF-405E-90C0-3281ADBA9BBD}">
   <ds:schemaRefs>
     <ds:schemaRef ds:uri="http://schemas.microsoft.com/office/2006/metadata/contentType"/>
@@ -7212,29 +9970,4 @@
     <ds:schemaRef ds:uri="http://schemas.microsoft.com/internal/obd"/>
   </ds:schemaRefs>
 </ds:datastoreItem>
-</file>
-
-<file path=customXml/itemProps2.xml><?xml version="1.0" encoding="utf-8"?>
-<ds:datastoreItem xmlns:ds="http://schemas.openxmlformats.org/officeDocument/2006/customXml" ds:itemID="{412CA178-9CF9-4005-97F4-9AF011B56357}">
-  <ds:schemaRefs>
-    <ds:schemaRef ds:uri="http://schemas.microsoft.com/sharepoint/v3/contenttype/forms"/>
-  </ds:schemaRefs>
-</ds:datastoreItem>
-</file>
-
-<file path=customXml/itemProps3.xml><?xml version="1.0" encoding="utf-8"?>
-<ds:datastoreItem xmlns:ds="http://schemas.openxmlformats.org/officeDocument/2006/customXml" ds:itemID="{30B43509-E86D-4D16-A4E1-C4E63AFAF3E6}">
-  <ds:schemaRefs>
-    <ds:schemaRef ds:uri="http://www.w3.org/XML/1998/namespace"/>
-    <ds:schemaRef ds:uri="http://schemas.microsoft.com/office/2006/documentManagement/types"/>
-    <ds:schemaRef ds:uri="http://purl.org/dc/elements/1.1/"/>
-    <ds:schemaRef ds:uri="http://purl.org/dc/dcmitype/"/>
-    <ds:schemaRef ds:uri="http://schemas.microsoft.com/office/infopath/2007/PartnerControls"/>
-    <ds:schemaRef ds:uri="cb837b2a-165d-46ec-a28c-42811268f45d"/>
-    <ds:schemaRef ds:uri="http://schemas.microsoft.com/office/2006/metadata/properties"/>
-    <ds:schemaRef ds:uri="http://schemas.openxmlformats.org/package/2006/metadata/core-properties"/>
-    <ds:schemaRef ds:uri="a4569ba3-3b00-4ca7-aa12-73edb6a7195e"/>
-    <ds:schemaRef ds:uri="http://purl.org/dc/terms/"/>
-  </ds:schemaRefs>
-</ds:datastoreItem>
 </file>